--- a/lab_0.pptx
+++ b/lab_0.pptx
@@ -6,15 +6,18 @@
     <p:sldMasterId id="2147483701" r:id="rId2"/>
   </p:sldMasterIdLst>
   <p:notesMasterIdLst>
-    <p:notesMasterId r:id="rId6"/>
+    <p:notesMasterId r:id="rId9"/>
   </p:notesMasterIdLst>
   <p:handoutMasterIdLst>
-    <p:handoutMasterId r:id="rId7"/>
+    <p:handoutMasterId r:id="rId10"/>
   </p:handoutMasterIdLst>
   <p:sldIdLst>
     <p:sldId id="2193" r:id="rId3"/>
     <p:sldId id="2194" r:id="rId4"/>
     <p:sldId id="2195" r:id="rId5"/>
+    <p:sldId id="2197" r:id="rId6"/>
+    <p:sldId id="2196" r:id="rId7"/>
+    <p:sldId id="2198" r:id="rId8"/>
   </p:sldIdLst>
   <p:sldSz cx="12192000" cy="6858000"/>
   <p:notesSz cx="6858000" cy="9144000"/>
@@ -121,10 +124,14 @@
             <p14:sldId id="2193"/>
             <p14:sldId id="2194"/>
             <p14:sldId id="2195"/>
+            <p14:sldId id="2197"/>
           </p14:sldIdLst>
         </p14:section>
         <p14:section name="1" id="{8A1B28B8-A12E-4221-A0F4-D6213374A2FF}">
-          <p14:sldIdLst/>
+          <p14:sldIdLst>
+            <p14:sldId id="2196"/>
+            <p14:sldId id="2198"/>
+          </p14:sldIdLst>
         </p14:section>
         <p14:section name="2" id="{5EE811C3-7630-4E5E-815A-355B6345B305}">
           <p14:sldIdLst/>
@@ -343,7 +350,7 @@
             <a:pPr algn="l"/>
             <a:fld id="{CB446F43-867F-4F64-92FD-6C8496B9358B}" type="datetimeFigureOut">
               <a:rPr lang="zh-CN" altLang="en-US" smtClean="0"/>
-              <a:t>2019/5/8</a:t>
+              <a:t>2019/5/10</a:t>
             </a:fld>
             <a:endParaRPr lang="zh-CN" altLang="en-US"/>
           </a:p>
@@ -1495,7 +1502,7 @@
           <a:p>
             <a:fld id="{D51D64F8-606E-4201-A2DE-1AF0754CE781}" type="datetimeFigureOut">
               <a:rPr lang="zh-CN" altLang="en-US" smtClean="0"/>
-              <a:t>2019/5/8</a:t>
+              <a:t>2019/5/10</a:t>
             </a:fld>
             <a:endParaRPr lang="zh-CN" altLang="en-US"/>
           </a:p>
@@ -2527,6 +2534,190 @@
     <p:extLst>
       <p:ext uri="{BB962C8B-B14F-4D97-AF65-F5344CB8AC3E}">
         <p14:creationId xmlns:p14="http://schemas.microsoft.com/office/powerpoint/2010/main" val="838768379"/>
+      </p:ext>
+    </p:extLst>
+  </p:cSld>
+  <p:clrMapOvr>
+    <a:masterClrMapping/>
+  </p:clrMapOvr>
+</p:notes>
+</file>
+
+<file path=ppt/notesSlides/notesSlide4.xml><?xml version="1.0" encoding="utf-8"?>
+<p:notes xmlns:a="http://schemas.openxmlformats.org/drawingml/2006/main" xmlns:r="http://schemas.openxmlformats.org/officeDocument/2006/relationships" xmlns:p="http://schemas.openxmlformats.org/presentationml/2006/main">
+  <p:cSld>
+    <p:spTree>
+      <p:nvGrpSpPr>
+        <p:cNvPr id="1" name=""/>
+        <p:cNvGrpSpPr/>
+        <p:nvPr/>
+      </p:nvGrpSpPr>
+      <p:grpSpPr>
+        <a:xfrm>
+          <a:off x="0" y="0"/>
+          <a:ext cx="0" cy="0"/>
+          <a:chOff x="0" y="0"/>
+          <a:chExt cx="0" cy="0"/>
+        </a:xfrm>
+      </p:grpSpPr>
+      <p:sp>
+        <p:nvSpPr>
+          <p:cNvPr id="2" name="幻灯片图像占位符 1"/>
+          <p:cNvSpPr>
+            <a:spLocks noGrp="1" noRot="1" noChangeAspect="1"/>
+          </p:cNvSpPr>
+          <p:nvPr>
+            <p:ph type="sldImg"/>
+          </p:nvPr>
+        </p:nvSpPr>
+        <p:spPr/>
+      </p:sp>
+      <p:sp>
+        <p:nvSpPr>
+          <p:cNvPr id="3" name="备注占位符 2"/>
+          <p:cNvSpPr>
+            <a:spLocks noGrp="1"/>
+          </p:cNvSpPr>
+          <p:nvPr>
+            <p:ph type="body" idx="1"/>
+          </p:nvPr>
+        </p:nvSpPr>
+        <p:spPr/>
+        <p:txBody>
+          <a:bodyPr/>
+          <a:lstStyle/>
+          <a:p>
+            <a:endParaRPr lang="zh-CN" altLang="en-US" dirty="0"/>
+          </a:p>
+        </p:txBody>
+      </p:sp>
+      <p:sp>
+        <p:nvSpPr>
+          <p:cNvPr id="4" name="灯片编号占位符 3"/>
+          <p:cNvSpPr>
+            <a:spLocks noGrp="1"/>
+          </p:cNvSpPr>
+          <p:nvPr>
+            <p:ph type="sldNum" sz="quarter" idx="10"/>
+          </p:nvPr>
+        </p:nvSpPr>
+        <p:spPr/>
+        <p:txBody>
+          <a:bodyPr/>
+          <a:lstStyle/>
+          <a:p>
+            <a:r>
+              <a:rPr lang="zh-CN" altLang="en-US" smtClean="0"/>
+              <a:t>第 </a:t>
+            </a:r>
+            <a:fld id="{CE884005-AAD7-43DA-8323-709AF992FEE5}" type="slidenum">
+              <a:rPr lang="zh-CN" altLang="en-US" smtClean="0"/>
+              <a:t>5</a:t>
+            </a:fld>
+            <a:r>
+              <a:rPr lang="zh-CN" altLang="en-US" smtClean="0"/>
+              <a:t> 页</a:t>
+            </a:r>
+            <a:endParaRPr lang="zh-CN" altLang="en-US" dirty="0"/>
+          </a:p>
+        </p:txBody>
+      </p:sp>
+    </p:spTree>
+    <p:extLst>
+      <p:ext uri="{BB962C8B-B14F-4D97-AF65-F5344CB8AC3E}">
+        <p14:creationId xmlns:p14="http://schemas.microsoft.com/office/powerpoint/2010/main" val="1227849444"/>
+      </p:ext>
+    </p:extLst>
+  </p:cSld>
+  <p:clrMapOvr>
+    <a:masterClrMapping/>
+  </p:clrMapOvr>
+</p:notes>
+</file>
+
+<file path=ppt/notesSlides/notesSlide5.xml><?xml version="1.0" encoding="utf-8"?>
+<p:notes xmlns:a="http://schemas.openxmlformats.org/drawingml/2006/main" xmlns:r="http://schemas.openxmlformats.org/officeDocument/2006/relationships" xmlns:p="http://schemas.openxmlformats.org/presentationml/2006/main">
+  <p:cSld>
+    <p:spTree>
+      <p:nvGrpSpPr>
+        <p:cNvPr id="1" name=""/>
+        <p:cNvGrpSpPr/>
+        <p:nvPr/>
+      </p:nvGrpSpPr>
+      <p:grpSpPr>
+        <a:xfrm>
+          <a:off x="0" y="0"/>
+          <a:ext cx="0" cy="0"/>
+          <a:chOff x="0" y="0"/>
+          <a:chExt cx="0" cy="0"/>
+        </a:xfrm>
+      </p:grpSpPr>
+      <p:sp>
+        <p:nvSpPr>
+          <p:cNvPr id="2" name="幻灯片图像占位符 1"/>
+          <p:cNvSpPr>
+            <a:spLocks noGrp="1" noRot="1" noChangeAspect="1"/>
+          </p:cNvSpPr>
+          <p:nvPr>
+            <p:ph type="sldImg"/>
+          </p:nvPr>
+        </p:nvSpPr>
+        <p:spPr/>
+      </p:sp>
+      <p:sp>
+        <p:nvSpPr>
+          <p:cNvPr id="3" name="备注占位符 2"/>
+          <p:cNvSpPr>
+            <a:spLocks noGrp="1"/>
+          </p:cNvSpPr>
+          <p:nvPr>
+            <p:ph type="body" idx="1"/>
+          </p:nvPr>
+        </p:nvSpPr>
+        <p:spPr/>
+        <p:txBody>
+          <a:bodyPr/>
+          <a:lstStyle/>
+          <a:p>
+            <a:endParaRPr lang="zh-CN" altLang="en-US" dirty="0"/>
+          </a:p>
+        </p:txBody>
+      </p:sp>
+      <p:sp>
+        <p:nvSpPr>
+          <p:cNvPr id="4" name="灯片编号占位符 3"/>
+          <p:cNvSpPr>
+            <a:spLocks noGrp="1"/>
+          </p:cNvSpPr>
+          <p:nvPr>
+            <p:ph type="sldNum" sz="quarter" idx="10"/>
+          </p:nvPr>
+        </p:nvSpPr>
+        <p:spPr/>
+        <p:txBody>
+          <a:bodyPr/>
+          <a:lstStyle/>
+          <a:p>
+            <a:r>
+              <a:rPr lang="zh-CN" altLang="en-US" smtClean="0"/>
+              <a:t>第 </a:t>
+            </a:r>
+            <a:fld id="{CE884005-AAD7-43DA-8323-709AF992FEE5}" type="slidenum">
+              <a:rPr lang="zh-CN" altLang="en-US" smtClean="0"/>
+              <a:t>6</a:t>
+            </a:fld>
+            <a:r>
+              <a:rPr lang="zh-CN" altLang="en-US" smtClean="0"/>
+              <a:t> 页</a:t>
+            </a:r>
+            <a:endParaRPr lang="zh-CN" altLang="en-US" dirty="0"/>
+          </a:p>
+        </p:txBody>
+      </p:sp>
+    </p:spTree>
+    <p:extLst>
+      <p:ext uri="{BB962C8B-B14F-4D97-AF65-F5344CB8AC3E}">
+        <p14:creationId xmlns:p14="http://schemas.microsoft.com/office/powerpoint/2010/main" val="247339304"/>
       </p:ext>
     </p:extLst>
   </p:cSld>
@@ -7226,7 +7417,7 @@
         <p:spPr>
           <a:xfrm>
             <a:off x="3071664" y="1771721"/>
-            <a:ext cx="6096000" cy="3416320"/>
+            <a:ext cx="6096000" cy="3970318"/>
           </a:xfrm>
           <a:prstGeom prst="rect">
             <a:avLst/>
@@ -7439,8 +7630,31 @@
                   <a:srgbClr val="0000FF"/>
                 </a:solidFill>
               </a:rPr>
-              <a:t>    Wireshark</a:t>
-            </a:r>
+              <a:t>    </a:t>
+            </a:r>
+            <a:r>
+              <a:rPr lang="en-US" altLang="zh-CN" dirty="0">
+                <a:solidFill>
+                  <a:srgbClr val="0000FF"/>
+                </a:solidFill>
+                <a:hlinkClick r:id="rId4"/>
+              </a:rPr>
+              <a:t>https://</a:t>
+            </a:r>
+            <a:r>
+              <a:rPr lang="en-US" altLang="zh-CN" dirty="0" smtClean="0">
+                <a:solidFill>
+                  <a:srgbClr val="0000FF"/>
+                </a:solidFill>
+                <a:hlinkClick r:id="rId4"/>
+              </a:rPr>
+              <a:t>github.com/jichenghu/npcap</a:t>
+            </a:r>
+            <a:endParaRPr lang="en-US" altLang="zh-CN" dirty="0" smtClean="0">
+              <a:solidFill>
+                <a:srgbClr val="0000FF"/>
+              </a:solidFill>
+            </a:endParaRPr>
           </a:p>
           <a:p>
             <a:endParaRPr lang="en-US" altLang="zh-CN" dirty="0">
@@ -7451,12 +7665,42 @@
           </a:p>
           <a:p>
             <a:r>
+              <a:rPr lang="en-US" altLang="zh-CN" dirty="0" smtClean="0">
+                <a:solidFill>
+                  <a:srgbClr val="0000FF"/>
+                </a:solidFill>
+              </a:rPr>
+              <a:t>Wireshark</a:t>
+            </a:r>
+            <a:endParaRPr lang="en-US" altLang="zh-CN" dirty="0">
+              <a:solidFill>
+                <a:srgbClr val="0000FF"/>
+              </a:solidFill>
+            </a:endParaRPr>
+          </a:p>
+          <a:p>
+            <a:endParaRPr lang="en-US" altLang="zh-CN" dirty="0">
+              <a:solidFill>
+                <a:srgbClr val="0000FF"/>
+              </a:solidFill>
+            </a:endParaRPr>
+          </a:p>
+          <a:p>
+            <a:r>
               <a:rPr lang="zh-CN" altLang="en-US" dirty="0">
                 <a:solidFill>
                   <a:srgbClr val="0000FF"/>
                 </a:solidFill>
               </a:rPr>
-              <a:t>官方地址：</a:t>
+              <a:t>官方地址</a:t>
+            </a:r>
+            <a:r>
+              <a:rPr lang="zh-CN" altLang="en-US" dirty="0" smtClean="0">
+                <a:solidFill>
+                  <a:srgbClr val="0000FF"/>
+                </a:solidFill>
+              </a:rPr>
+              <a:t>：</a:t>
             </a:r>
             <a:r>
               <a:rPr lang="en-US" altLang="zh-CN" dirty="0">
@@ -7464,7 +7708,39 @@
                   <a:srgbClr val="0000FF"/>
                 </a:solidFill>
               </a:rPr>
-              <a:t>https://nmap.org/npcap/</a:t>
+              <a:t> </a:t>
+            </a:r>
+            <a:r>
+              <a:rPr lang="en-US" altLang="zh-CN" dirty="0" err="1">
+                <a:solidFill>
+                  <a:srgbClr val="0000FF"/>
+                </a:solidFill>
+              </a:rPr>
+              <a:t>NPcap</a:t>
+            </a:r>
+            <a:r>
+              <a:rPr lang="en-US" altLang="zh-CN" dirty="0">
+                <a:solidFill>
+                  <a:srgbClr val="0000FF"/>
+                </a:solidFill>
+              </a:rPr>
+              <a:t> </a:t>
+            </a:r>
+            <a:r>
+              <a:rPr lang="en-US" altLang="zh-CN" dirty="0" smtClean="0">
+                <a:solidFill>
+                  <a:srgbClr val="0000FF"/>
+                </a:solidFill>
+              </a:rPr>
+              <a:t>   https</a:t>
+            </a:r>
+            <a:r>
+              <a:rPr lang="en-US" altLang="zh-CN" dirty="0">
+                <a:solidFill>
+                  <a:srgbClr val="0000FF"/>
+                </a:solidFill>
+              </a:rPr>
+              <a:t>://nmap.org/npcap/</a:t>
             </a:r>
             <a:endParaRPr lang="zh-CN" altLang="en-US" dirty="0">
               <a:solidFill>
@@ -7491,6 +7767,429 @@
       </p:par>
     </p:tnLst>
   </p:timing>
+</p:sld>
+</file>
+
+<file path=ppt/slides/slide4.xml><?xml version="1.0" encoding="utf-8"?>
+<p:sld xmlns:a="http://schemas.openxmlformats.org/drawingml/2006/main" xmlns:r="http://schemas.openxmlformats.org/officeDocument/2006/relationships" xmlns:p="http://schemas.openxmlformats.org/presentationml/2006/main">
+  <p:cSld>
+    <p:spTree>
+      <p:nvGrpSpPr>
+        <p:cNvPr id="1" name=""/>
+        <p:cNvGrpSpPr/>
+        <p:nvPr/>
+      </p:nvGrpSpPr>
+      <p:grpSpPr>
+        <a:xfrm>
+          <a:off x="0" y="0"/>
+          <a:ext cx="0" cy="0"/>
+          <a:chOff x="0" y="0"/>
+          <a:chExt cx="0" cy="0"/>
+        </a:xfrm>
+      </p:grpSpPr>
+      <p:sp>
+        <p:nvSpPr>
+          <p:cNvPr id="2" name="标题 1"/>
+          <p:cNvSpPr>
+            <a:spLocks noGrp="1"/>
+          </p:cNvSpPr>
+          <p:nvPr>
+            <p:ph type="title"/>
+          </p:nvPr>
+        </p:nvSpPr>
+        <p:spPr/>
+        <p:txBody>
+          <a:bodyPr/>
+          <a:lstStyle/>
+          <a:p>
+            <a:r>
+              <a:rPr lang="en-US" altLang="zh-CN" dirty="0" smtClean="0"/>
+              <a:t>Software Environment</a:t>
+            </a:r>
+            <a:endParaRPr lang="zh-CN" altLang="en-US" dirty="0"/>
+          </a:p>
+        </p:txBody>
+      </p:sp>
+      <p:pic>
+        <p:nvPicPr>
+          <p:cNvPr id="5" name="图片 4"/>
+          <p:cNvPicPr>
+            <a:picLocks noChangeAspect="1"/>
+          </p:cNvPicPr>
+          <p:nvPr/>
+        </p:nvPicPr>
+        <p:blipFill>
+          <a:blip r:embed="rId2"/>
+          <a:stretch>
+            <a:fillRect/>
+          </a:stretch>
+        </p:blipFill>
+        <p:spPr>
+          <a:xfrm>
+            <a:off x="983432" y="1124744"/>
+            <a:ext cx="7315200" cy="5476875"/>
+          </a:xfrm>
+          <a:prstGeom prst="rect">
+            <a:avLst/>
+          </a:prstGeom>
+        </p:spPr>
+      </p:pic>
+      <p:sp>
+        <p:nvSpPr>
+          <p:cNvPr id="6" name="文本框 5"/>
+          <p:cNvSpPr txBox="1"/>
+          <p:nvPr/>
+        </p:nvSpPr>
+        <p:spPr>
+          <a:xfrm>
+            <a:off x="8760296" y="1628800"/>
+            <a:ext cx="3024336" cy="1477328"/>
+          </a:xfrm>
+          <a:prstGeom prst="rect">
+            <a:avLst/>
+          </a:prstGeom>
+          <a:noFill/>
+        </p:spPr>
+        <p:txBody>
+          <a:bodyPr wrap="square" rtlCol="0">
+            <a:spAutoFit/>
+          </a:bodyPr>
+          <a:lstStyle/>
+          <a:p>
+            <a:r>
+              <a:rPr lang="zh-CN" altLang="en-US" dirty="0" smtClean="0">
+                <a:solidFill>
+                  <a:srgbClr val="000099"/>
+                </a:solidFill>
+              </a:rPr>
+              <a:t>先检查你的</a:t>
+            </a:r>
+            <a:r>
+              <a:rPr lang="en-US" altLang="zh-CN" dirty="0" smtClean="0">
+                <a:solidFill>
+                  <a:srgbClr val="000099"/>
+                </a:solidFill>
+              </a:rPr>
+              <a:t>VS 2017</a:t>
+            </a:r>
+            <a:r>
+              <a:rPr lang="zh-CN" altLang="en-US" dirty="0" smtClean="0">
+                <a:solidFill>
+                  <a:srgbClr val="000099"/>
+                </a:solidFill>
+              </a:rPr>
+              <a:t>是否更新到最新的版本</a:t>
+            </a:r>
+            <a:endParaRPr lang="en-US" altLang="zh-CN" dirty="0" smtClean="0">
+              <a:solidFill>
+                <a:srgbClr val="000099"/>
+              </a:solidFill>
+            </a:endParaRPr>
+          </a:p>
+          <a:p>
+            <a:endParaRPr lang="en-US" altLang="zh-CN" dirty="0">
+              <a:solidFill>
+                <a:srgbClr val="000099"/>
+              </a:solidFill>
+            </a:endParaRPr>
+          </a:p>
+          <a:p>
+            <a:r>
+              <a:rPr lang="zh-CN" altLang="en-US" dirty="0" smtClean="0">
+                <a:solidFill>
+                  <a:srgbClr val="000099"/>
+                </a:solidFill>
+              </a:rPr>
+              <a:t>下面的安装过程如果不是最新版本可能无法顺利完成</a:t>
+            </a:r>
+            <a:endParaRPr lang="zh-CN" altLang="en-US" dirty="0">
+              <a:solidFill>
+                <a:srgbClr val="000099"/>
+              </a:solidFill>
+            </a:endParaRPr>
+          </a:p>
+        </p:txBody>
+      </p:sp>
+    </p:spTree>
+    <p:extLst>
+      <p:ext uri="{BB962C8B-B14F-4D97-AF65-F5344CB8AC3E}">
+        <p14:creationId xmlns:p14="http://schemas.microsoft.com/office/powerpoint/2010/main" val="4226321774"/>
+      </p:ext>
+    </p:extLst>
+  </p:cSld>
+  <p:clrMapOvr>
+    <a:masterClrMapping/>
+  </p:clrMapOvr>
+</p:sld>
+</file>
+
+<file path=ppt/slides/slide5.xml><?xml version="1.0" encoding="utf-8"?>
+<p:sld xmlns:a="http://schemas.openxmlformats.org/drawingml/2006/main" xmlns:r="http://schemas.openxmlformats.org/officeDocument/2006/relationships" xmlns:p="http://schemas.openxmlformats.org/presentationml/2006/main">
+  <p:cSld>
+    <p:spTree>
+      <p:nvGrpSpPr>
+        <p:cNvPr id="1" name=""/>
+        <p:cNvGrpSpPr/>
+        <p:nvPr/>
+      </p:nvGrpSpPr>
+      <p:grpSpPr>
+        <a:xfrm>
+          <a:off x="0" y="0"/>
+          <a:ext cx="0" cy="0"/>
+          <a:chOff x="0" y="0"/>
+          <a:chExt cx="0" cy="0"/>
+        </a:xfrm>
+      </p:grpSpPr>
+      <p:sp>
+        <p:nvSpPr>
+          <p:cNvPr id="2" name="标题 1"/>
+          <p:cNvSpPr>
+            <a:spLocks noGrp="1"/>
+          </p:cNvSpPr>
+          <p:nvPr>
+            <p:ph type="title"/>
+          </p:nvPr>
+        </p:nvSpPr>
+        <p:spPr/>
+        <p:txBody>
+          <a:bodyPr/>
+          <a:lstStyle/>
+          <a:p>
+            <a:r>
+              <a:rPr lang="en-US" altLang="zh-CN" dirty="0" err="1" smtClean="0"/>
+              <a:t>NPcap</a:t>
+            </a:r>
+            <a:r>
+              <a:rPr lang="en-US" altLang="zh-CN" dirty="0" smtClean="0"/>
+              <a:t> Installation</a:t>
+            </a:r>
+            <a:endParaRPr lang="zh-CN" altLang="en-US" dirty="0"/>
+          </a:p>
+        </p:txBody>
+      </p:sp>
+      <p:sp>
+        <p:nvSpPr>
+          <p:cNvPr id="3" name="内容占位符 2"/>
+          <p:cNvSpPr>
+            <a:spLocks noGrp="1"/>
+          </p:cNvSpPr>
+          <p:nvPr>
+            <p:ph sz="half" idx="1"/>
+          </p:nvPr>
+        </p:nvSpPr>
+        <p:spPr>
+          <a:xfrm>
+            <a:off x="711200" y="1600200"/>
+            <a:ext cx="9273232" cy="4648200"/>
+          </a:xfrm>
+        </p:spPr>
+        <p:txBody>
+          <a:bodyPr/>
+          <a:lstStyle/>
+          <a:p>
+            <a:r>
+              <a:rPr lang="en-US" altLang="zh-CN" dirty="0" smtClean="0"/>
+              <a:t>Install WDK</a:t>
+            </a:r>
+          </a:p>
+          <a:p>
+            <a:r>
+              <a:rPr lang="en-US" altLang="zh-CN" dirty="0" smtClean="0"/>
+              <a:t>Install </a:t>
+            </a:r>
+            <a:r>
+              <a:rPr lang="en-US" altLang="zh-CN" dirty="0" err="1" smtClean="0"/>
+              <a:t>NPcap</a:t>
+            </a:r>
+            <a:endParaRPr lang="zh-CN" altLang="en-US" dirty="0"/>
+          </a:p>
+        </p:txBody>
+      </p:sp>
+    </p:spTree>
+    <p:extLst>
+      <p:ext uri="{BB962C8B-B14F-4D97-AF65-F5344CB8AC3E}">
+        <p14:creationId xmlns:p14="http://schemas.microsoft.com/office/powerpoint/2010/main" val="290107584"/>
+      </p:ext>
+    </p:extLst>
+  </p:cSld>
+  <p:clrMapOvr>
+    <a:masterClrMapping/>
+  </p:clrMapOvr>
+</p:sld>
+</file>
+
+<file path=ppt/slides/slide6.xml><?xml version="1.0" encoding="utf-8"?>
+<p:sld xmlns:a="http://schemas.openxmlformats.org/drawingml/2006/main" xmlns:r="http://schemas.openxmlformats.org/officeDocument/2006/relationships" xmlns:p="http://schemas.openxmlformats.org/presentationml/2006/main">
+  <p:cSld>
+    <p:spTree>
+      <p:nvGrpSpPr>
+        <p:cNvPr id="1" name=""/>
+        <p:cNvGrpSpPr/>
+        <p:nvPr/>
+      </p:nvGrpSpPr>
+      <p:grpSpPr>
+        <a:xfrm>
+          <a:off x="0" y="0"/>
+          <a:ext cx="0" cy="0"/>
+          <a:chOff x="0" y="0"/>
+          <a:chExt cx="0" cy="0"/>
+        </a:xfrm>
+      </p:grpSpPr>
+      <p:sp>
+        <p:nvSpPr>
+          <p:cNvPr id="2" name="标题 1"/>
+          <p:cNvSpPr>
+            <a:spLocks noGrp="1"/>
+          </p:cNvSpPr>
+          <p:nvPr>
+            <p:ph type="title"/>
+          </p:nvPr>
+        </p:nvSpPr>
+        <p:spPr/>
+        <p:txBody>
+          <a:bodyPr/>
+          <a:lstStyle/>
+          <a:p>
+            <a:r>
+              <a:rPr lang="en-US" altLang="zh-CN" dirty="0" err="1" smtClean="0"/>
+              <a:t>NPcap</a:t>
+            </a:r>
+            <a:r>
+              <a:rPr lang="en-US" altLang="zh-CN" dirty="0" smtClean="0"/>
+              <a:t> Installation</a:t>
+            </a:r>
+            <a:endParaRPr lang="zh-CN" altLang="en-US" dirty="0"/>
+          </a:p>
+        </p:txBody>
+      </p:sp>
+      <p:sp>
+        <p:nvSpPr>
+          <p:cNvPr id="3" name="内容占位符 2"/>
+          <p:cNvSpPr>
+            <a:spLocks noGrp="1"/>
+          </p:cNvSpPr>
+          <p:nvPr>
+            <p:ph sz="half" idx="1"/>
+          </p:nvPr>
+        </p:nvSpPr>
+        <p:spPr>
+          <a:xfrm>
+            <a:off x="711200" y="1600200"/>
+            <a:ext cx="9273232" cy="4648200"/>
+          </a:xfrm>
+        </p:spPr>
+        <p:txBody>
+          <a:bodyPr/>
+          <a:lstStyle/>
+          <a:p>
+            <a:r>
+              <a:rPr lang="en-US" altLang="zh-CN" dirty="0" smtClean="0">
+                <a:solidFill>
+                  <a:srgbClr val="0000FF"/>
+                </a:solidFill>
+              </a:rPr>
+              <a:t>Install WDK</a:t>
+            </a:r>
+          </a:p>
+          <a:p>
+            <a:pPr lvl="1"/>
+            <a:r>
+              <a:rPr lang="en-US" altLang="zh-CN" sz="1800" dirty="0" smtClean="0"/>
+              <a:t>Surf </a:t>
+            </a:r>
+            <a:r>
+              <a:rPr lang="en-US" altLang="zh-CN" sz="1800" dirty="0"/>
+              <a:t>the webpage </a:t>
+            </a:r>
+            <a:r>
+              <a:rPr lang="en-US" altLang="zh-CN" sz="1200" dirty="0">
+                <a:hlinkClick r:id="rId3"/>
+              </a:rPr>
+              <a:t>https://</a:t>
+            </a:r>
+            <a:r>
+              <a:rPr lang="en-US" altLang="zh-CN" sz="1200" dirty="0" smtClean="0">
+                <a:hlinkClick r:id="rId3"/>
+              </a:rPr>
+              <a:t>docs.microsoft.com/en-us/windows-hardware/drivers/download-the-wdk</a:t>
+            </a:r>
+            <a:endParaRPr lang="en-US" altLang="zh-CN" sz="1200" dirty="0" smtClean="0"/>
+          </a:p>
+          <a:p>
+            <a:pPr lvl="1"/>
+            <a:r>
+              <a:rPr lang="en-US" altLang="zh-CN" u="sng" dirty="0">
+                <a:solidFill>
+                  <a:srgbClr val="0000FF"/>
+                </a:solidFill>
+                <a:hlinkClick r:id="rId4"/>
+              </a:rPr>
+              <a:t>Download WDK for Windows 10, version 1903</a:t>
+            </a:r>
+            <a:endParaRPr lang="en-US" altLang="zh-CN" dirty="0">
+              <a:solidFill>
+                <a:srgbClr val="0000FF"/>
+              </a:solidFill>
+            </a:endParaRPr>
+          </a:p>
+          <a:p>
+            <a:pPr lvl="1"/>
+            <a:r>
+              <a:rPr lang="en-US" altLang="zh-CN" sz="1800" dirty="0" smtClean="0"/>
+              <a:t>Setup WDK</a:t>
+            </a:r>
+          </a:p>
+          <a:p>
+            <a:pPr lvl="1"/>
+            <a:endParaRPr lang="en-US" altLang="zh-CN" sz="1800" dirty="0"/>
+          </a:p>
+          <a:p>
+            <a:pPr lvl="1"/>
+            <a:endParaRPr lang="en-US" altLang="zh-CN" sz="1800" dirty="0" smtClean="0"/>
+          </a:p>
+          <a:p>
+            <a:pPr lvl="1"/>
+            <a:endParaRPr lang="en-US" altLang="zh-CN" sz="1800" dirty="0"/>
+          </a:p>
+          <a:p>
+            <a:pPr lvl="1"/>
+            <a:endParaRPr lang="en-US" altLang="zh-CN" sz="1800" dirty="0" smtClean="0"/>
+          </a:p>
+          <a:p>
+            <a:pPr lvl="1"/>
+            <a:endParaRPr lang="en-US" altLang="zh-CN" sz="1800" dirty="0"/>
+          </a:p>
+          <a:p>
+            <a:pPr lvl="1"/>
+            <a:endParaRPr lang="en-US" altLang="zh-CN" sz="1800" dirty="0" smtClean="0"/>
+          </a:p>
+          <a:p>
+            <a:pPr lvl="1"/>
+            <a:endParaRPr lang="en-US" altLang="zh-CN" sz="1800" dirty="0" smtClean="0"/>
+          </a:p>
+          <a:p>
+            <a:r>
+              <a:rPr lang="en-US" altLang="zh-CN" dirty="0" smtClean="0"/>
+              <a:t>Install </a:t>
+            </a:r>
+            <a:r>
+              <a:rPr lang="en-US" altLang="zh-CN" dirty="0" err="1" smtClean="0"/>
+              <a:t>NPcap</a:t>
+            </a:r>
+            <a:endParaRPr lang="zh-CN" altLang="en-US" dirty="0"/>
+          </a:p>
+        </p:txBody>
+      </p:sp>
+    </p:spTree>
+    <p:extLst>
+      <p:ext uri="{BB962C8B-B14F-4D97-AF65-F5344CB8AC3E}">
+        <p14:creationId xmlns:p14="http://schemas.microsoft.com/office/powerpoint/2010/main" val="387923863"/>
+      </p:ext>
+    </p:extLst>
+  </p:cSld>
+  <p:clrMapOvr>
+    <a:masterClrMapping/>
+  </p:clrMapOvr>
 </p:sld>
 </file>
 

--- a/lab_0.pptx
+++ b/lab_0.pptx
@@ -8015,6 +8015,13 @@
   <p:clrMapOvr>
     <a:masterClrMapping/>
   </p:clrMapOvr>
+  <p:timing>
+    <p:tnLst>
+      <p:par>
+        <p:cTn id="1" dur="indefinite" restart="never" nodeType="tmRoot"/>
+      </p:par>
+    </p:tnLst>
+  </p:timing>
 </p:sld>
 </file>
 
@@ -8141,6 +8148,14 @@
           </a:p>
           <a:p>
             <a:pPr lvl="1"/>
+            <a:r>
+              <a:rPr lang="en-US" altLang="zh-CN" sz="1800" dirty="0"/>
+              <a:t>Install libs for </a:t>
+            </a:r>
+            <a:r>
+              <a:rPr lang="en-US" altLang="zh-CN" sz="1800" dirty="0" err="1"/>
+              <a:t>spectre</a:t>
+            </a:r>
             <a:endParaRPr lang="en-US" altLang="zh-CN" sz="1800" dirty="0"/>
           </a:p>
           <a:p>
@@ -8177,6 +8192,246 @@
               <a:t>NPcap</a:t>
             </a:r>
             <a:endParaRPr lang="zh-CN" altLang="en-US" dirty="0"/>
+          </a:p>
+        </p:txBody>
+      </p:sp>
+      <p:pic>
+        <p:nvPicPr>
+          <p:cNvPr id="4" name="图片 3"/>
+          <p:cNvPicPr>
+            <a:picLocks noChangeAspect="1"/>
+          </p:cNvPicPr>
+          <p:nvPr/>
+        </p:nvPicPr>
+        <p:blipFill>
+          <a:blip r:embed="rId5">
+            <a:extLst>
+              <a:ext uri="{28A0092B-C50C-407E-A947-70E740481C1C}">
+                <a14:useLocalDpi xmlns:a14="http://schemas.microsoft.com/office/drawing/2010/main" val="0"/>
+              </a:ext>
+            </a:extLst>
+          </a:blip>
+          <a:stretch>
+            <a:fillRect/>
+          </a:stretch>
+        </p:blipFill>
+        <p:spPr>
+          <a:xfrm>
+            <a:off x="407368" y="1124744"/>
+            <a:ext cx="7893159" cy="4402071"/>
+          </a:xfrm>
+          <a:prstGeom prst="rect">
+            <a:avLst/>
+          </a:prstGeom>
+        </p:spPr>
+      </p:pic>
+      <p:pic>
+        <p:nvPicPr>
+          <p:cNvPr id="5" name="图片 4"/>
+          <p:cNvPicPr>
+            <a:picLocks noChangeAspect="1"/>
+          </p:cNvPicPr>
+          <p:nvPr/>
+        </p:nvPicPr>
+        <p:blipFill>
+          <a:blip r:embed="rId6">
+            <a:extLst>
+              <a:ext uri="{28A0092B-C50C-407E-A947-70E740481C1C}">
+                <a14:useLocalDpi xmlns:a14="http://schemas.microsoft.com/office/drawing/2010/main" val="0"/>
+              </a:ext>
+            </a:extLst>
+          </a:blip>
+          <a:stretch>
+            <a:fillRect/>
+          </a:stretch>
+        </p:blipFill>
+        <p:spPr>
+          <a:xfrm>
+            <a:off x="3935760" y="2204864"/>
+            <a:ext cx="7893159" cy="4401367"/>
+          </a:xfrm>
+          <a:prstGeom prst="rect">
+            <a:avLst/>
+          </a:prstGeom>
+        </p:spPr>
+      </p:pic>
+      <p:sp>
+        <p:nvSpPr>
+          <p:cNvPr id="6" name="椭圆 5"/>
+          <p:cNvSpPr/>
+          <p:nvPr/>
+        </p:nvSpPr>
+        <p:spPr bwMode="auto">
+          <a:xfrm>
+            <a:off x="4092476" y="3369692"/>
+            <a:ext cx="2232248" cy="216024"/>
+          </a:xfrm>
+          <a:prstGeom prst="ellipse">
+            <a:avLst/>
+          </a:prstGeom>
+          <a:noFill/>
+          <a:ln w="9525" cap="flat" cmpd="sng" algn="ctr">
+            <a:solidFill>
+              <a:schemeClr val="accent1"/>
+            </a:solidFill>
+            <a:prstDash val="solid"/>
+            <a:round/>
+            <a:headEnd type="none" w="med" len="med"/>
+            <a:tailEnd type="none" w="med" len="med"/>
+          </a:ln>
+        </p:spPr>
+        <p:txBody>
+          <a:bodyPr vert="horz" wrap="square" lIns="91440" tIns="45720" rIns="91440" bIns="45720" numCol="1" rtlCol="0" anchor="ctr" anchorCtr="0" compatLnSpc="1">
+            <a:noAutofit/>
+          </a:bodyPr>
+          <a:lstStyle/>
+          <a:p>
+            <a:pPr marL="0" marR="0" indent="0" algn="l" defTabSz="914400" rtl="0" eaLnBrk="0" fontAlgn="base" latinLnBrk="0" hangingPunct="0">
+              <a:lnSpc>
+                <a:spcPct val="100000"/>
+              </a:lnSpc>
+              <a:spcBef>
+                <a:spcPct val="0"/>
+              </a:spcBef>
+              <a:spcAft>
+                <a:spcPct val="0"/>
+              </a:spcAft>
+              <a:buClrTx/>
+              <a:buSzTx/>
+              <a:buFontTx/>
+              <a:buNone/>
+            </a:pPr>
+            <a:endParaRPr kumimoji="0" lang="zh-CN" altLang="en-US" sz="4000" b="0" i="0" u="none" strike="noStrike" cap="none" normalizeH="0" baseline="0" smtClean="0">
+              <a:ln>
+                <a:noFill/>
+              </a:ln>
+              <a:solidFill>
+                <a:schemeClr val="bg1"/>
+              </a:solidFill>
+              <a:effectLst/>
+              <a:latin typeface="Stone Sans" pitchFamily="2" charset="0"/>
+              <a:ea typeface="宋体" panose="02010600030101010101" pitchFamily="2" charset="-122"/>
+            </a:endParaRPr>
+          </a:p>
+        </p:txBody>
+      </p:sp>
+      <p:sp>
+        <p:nvSpPr>
+          <p:cNvPr id="7" name="椭圆 6"/>
+          <p:cNvSpPr/>
+          <p:nvPr/>
+        </p:nvSpPr>
+        <p:spPr bwMode="auto">
+          <a:xfrm>
+            <a:off x="4079776" y="3933056"/>
+            <a:ext cx="2232248" cy="216024"/>
+          </a:xfrm>
+          <a:prstGeom prst="ellipse">
+            <a:avLst/>
+          </a:prstGeom>
+          <a:noFill/>
+          <a:ln w="9525" cap="flat" cmpd="sng" algn="ctr">
+            <a:solidFill>
+              <a:schemeClr val="accent1"/>
+            </a:solidFill>
+            <a:prstDash val="solid"/>
+            <a:round/>
+            <a:headEnd type="none" w="med" len="med"/>
+            <a:tailEnd type="none" w="med" len="med"/>
+          </a:ln>
+        </p:spPr>
+        <p:txBody>
+          <a:bodyPr vert="horz" wrap="square" lIns="91440" tIns="45720" rIns="91440" bIns="45720" numCol="1" rtlCol="0" anchor="ctr" anchorCtr="0" compatLnSpc="1">
+            <a:noAutofit/>
+          </a:bodyPr>
+          <a:lstStyle/>
+          <a:p>
+            <a:pPr marL="0" marR="0" indent="0" algn="l" defTabSz="914400" rtl="0" eaLnBrk="0" fontAlgn="base" latinLnBrk="0" hangingPunct="0">
+              <a:lnSpc>
+                <a:spcPct val="100000"/>
+              </a:lnSpc>
+              <a:spcBef>
+                <a:spcPct val="0"/>
+              </a:spcBef>
+              <a:spcAft>
+                <a:spcPct val="0"/>
+              </a:spcAft>
+              <a:buClrTx/>
+              <a:buSzTx/>
+              <a:buFontTx/>
+              <a:buNone/>
+            </a:pPr>
+            <a:endParaRPr kumimoji="0" lang="zh-CN" altLang="en-US" sz="4000" b="0" i="0" u="none" strike="noStrike" cap="none" normalizeH="0" baseline="0" smtClean="0">
+              <a:ln>
+                <a:noFill/>
+              </a:ln>
+              <a:solidFill>
+                <a:schemeClr val="bg1"/>
+              </a:solidFill>
+              <a:effectLst/>
+              <a:latin typeface="Stone Sans" pitchFamily="2" charset="0"/>
+              <a:ea typeface="宋体" panose="02010600030101010101" pitchFamily="2" charset="-122"/>
+            </a:endParaRPr>
+          </a:p>
+        </p:txBody>
+      </p:sp>
+      <p:sp>
+        <p:nvSpPr>
+          <p:cNvPr id="8" name="椭圆 7"/>
+          <p:cNvSpPr/>
+          <p:nvPr/>
+        </p:nvSpPr>
+        <p:spPr bwMode="auto">
+          <a:xfrm>
+            <a:off x="623392" y="2924944"/>
+            <a:ext cx="2520280" cy="216024"/>
+          </a:xfrm>
+          <a:prstGeom prst="ellipse">
+            <a:avLst/>
+          </a:prstGeom>
+          <a:noFill/>
+          <a:ln w="9525" cap="flat" cmpd="sng" algn="ctr">
+            <a:solidFill>
+              <a:schemeClr val="accent1"/>
+            </a:solidFill>
+            <a:prstDash val="solid"/>
+            <a:round/>
+            <a:headEnd type="none" w="med" len="med"/>
+            <a:tailEnd type="none" w="med" len="med"/>
+          </a:ln>
+        </p:spPr>
+        <p:txBody>
+          <a:bodyPr vert="horz" wrap="square" lIns="91440" tIns="45720" rIns="91440" bIns="45720" numCol="1" rtlCol="0" anchor="ctr" anchorCtr="0" compatLnSpc="1">
+            <a:noAutofit/>
+          </a:bodyPr>
+          <a:lstStyle/>
+          <a:p>
+            <a:pPr marL="0" marR="0" indent="0" algn="l" defTabSz="914400" rtl="0" eaLnBrk="0" fontAlgn="base" latinLnBrk="0" hangingPunct="0">
+              <a:lnSpc>
+                <a:spcPct val="100000"/>
+              </a:lnSpc>
+              <a:spcBef>
+                <a:spcPct val="0"/>
+              </a:spcBef>
+              <a:spcAft>
+                <a:spcPct val="0"/>
+              </a:spcAft>
+              <a:buClrTx/>
+              <a:buSzTx/>
+              <a:buFontTx/>
+              <a:buNone/>
+            </a:pPr>
+            <a:endParaRPr kumimoji="0" lang="zh-CN" altLang="en-US" sz="4000" b="0" i="0" u="none" strike="noStrike" cap="none" normalizeH="0" baseline="0" smtClean="0">
+              <a:ln>
+                <a:noFill/>
+              </a:ln>
+              <a:solidFill>
+                <a:schemeClr val="bg1"/>
+              </a:solidFill>
+              <a:effectLst/>
+              <a:latin typeface="Stone Sans" pitchFamily="2" charset="0"/>
+              <a:ea typeface="宋体" panose="02010600030101010101" pitchFamily="2" charset="-122"/>
+            </a:endParaRPr>
           </a:p>
         </p:txBody>
       </p:sp>
@@ -8190,6 +8445,440 @@
   <p:clrMapOvr>
     <a:masterClrMapping/>
   </p:clrMapOvr>
+  <p:timing>
+    <p:tnLst>
+      <p:par>
+        <p:cTn id="1" dur="indefinite" restart="never" nodeType="tmRoot">
+          <p:childTnLst>
+            <p:seq concurrent="1" nextAc="seek">
+              <p:cTn id="2" dur="indefinite" nodeType="mainSeq">
+                <p:childTnLst>
+                  <p:par>
+                    <p:cTn id="3" fill="hold">
+                      <p:stCondLst>
+                        <p:cond delay="indefinite"/>
+                      </p:stCondLst>
+                      <p:childTnLst>
+                        <p:par>
+                          <p:cTn id="4" fill="hold">
+                            <p:stCondLst>
+                              <p:cond delay="0"/>
+                            </p:stCondLst>
+                            <p:childTnLst>
+                              <p:par>
+                                <p:cTn id="5" presetID="1" presetClass="entr" presetSubtype="0" fill="hold" nodeType="clickEffect">
+                                  <p:stCondLst>
+                                    <p:cond delay="0"/>
+                                  </p:stCondLst>
+                                  <p:childTnLst>
+                                    <p:set>
+                                      <p:cBhvr>
+                                        <p:cTn id="6" dur="1" fill="hold">
+                                          <p:stCondLst>
+                                            <p:cond delay="0"/>
+                                          </p:stCondLst>
+                                        </p:cTn>
+                                        <p:tgtEl>
+                                          <p:spTgt spid="4"/>
+                                        </p:tgtEl>
+                                        <p:attrNameLst>
+                                          <p:attrName>style.visibility</p:attrName>
+                                        </p:attrNameLst>
+                                      </p:cBhvr>
+                                      <p:to>
+                                        <p:strVal val="visible"/>
+                                      </p:to>
+                                    </p:set>
+                                  </p:childTnLst>
+                                </p:cTn>
+                              </p:par>
+                            </p:childTnLst>
+                          </p:cTn>
+                        </p:par>
+                        <p:par>
+                          <p:cTn id="7" fill="hold">
+                            <p:stCondLst>
+                              <p:cond delay="0"/>
+                            </p:stCondLst>
+                            <p:childTnLst>
+                              <p:par>
+                                <p:cTn id="8" presetID="1" presetClass="entr" presetSubtype="0" fill="hold" grpId="0" nodeType="afterEffect">
+                                  <p:stCondLst>
+                                    <p:cond delay="0"/>
+                                  </p:stCondLst>
+                                  <p:childTnLst>
+                                    <p:set>
+                                      <p:cBhvr>
+                                        <p:cTn id="9" dur="1" fill="hold">
+                                          <p:stCondLst>
+                                            <p:cond delay="0"/>
+                                          </p:stCondLst>
+                                        </p:cTn>
+                                        <p:tgtEl>
+                                          <p:spTgt spid="8"/>
+                                        </p:tgtEl>
+                                        <p:attrNameLst>
+                                          <p:attrName>style.visibility</p:attrName>
+                                        </p:attrNameLst>
+                                      </p:cBhvr>
+                                      <p:to>
+                                        <p:strVal val="visible"/>
+                                      </p:to>
+                                    </p:set>
+                                  </p:childTnLst>
+                                </p:cTn>
+                              </p:par>
+                            </p:childTnLst>
+                          </p:cTn>
+                        </p:par>
+                      </p:childTnLst>
+                    </p:cTn>
+                  </p:par>
+                  <p:par>
+                    <p:cTn id="10" fill="hold">
+                      <p:stCondLst>
+                        <p:cond delay="indefinite"/>
+                      </p:stCondLst>
+                      <p:childTnLst>
+                        <p:par>
+                          <p:cTn id="11" fill="hold">
+                            <p:stCondLst>
+                              <p:cond delay="0"/>
+                            </p:stCondLst>
+                            <p:childTnLst>
+                              <p:par>
+                                <p:cTn id="12" presetID="1" presetClass="entr" presetSubtype="0" fill="hold" nodeType="clickEffect">
+                                  <p:stCondLst>
+                                    <p:cond delay="0"/>
+                                  </p:stCondLst>
+                                  <p:childTnLst>
+                                    <p:set>
+                                      <p:cBhvr>
+                                        <p:cTn id="13" dur="1" fill="hold">
+                                          <p:stCondLst>
+                                            <p:cond delay="0"/>
+                                          </p:stCondLst>
+                                        </p:cTn>
+                                        <p:tgtEl>
+                                          <p:spTgt spid="5"/>
+                                        </p:tgtEl>
+                                        <p:attrNameLst>
+                                          <p:attrName>style.visibility</p:attrName>
+                                        </p:attrNameLst>
+                                      </p:cBhvr>
+                                      <p:to>
+                                        <p:strVal val="visible"/>
+                                      </p:to>
+                                    </p:set>
+                                  </p:childTnLst>
+                                </p:cTn>
+                              </p:par>
+                            </p:childTnLst>
+                          </p:cTn>
+                        </p:par>
+                        <p:par>
+                          <p:cTn id="14" fill="hold">
+                            <p:stCondLst>
+                              <p:cond delay="0"/>
+                            </p:stCondLst>
+                            <p:childTnLst>
+                              <p:par>
+                                <p:cTn id="15" presetID="1" presetClass="entr" presetSubtype="0" fill="hold" grpId="0" nodeType="afterEffect">
+                                  <p:stCondLst>
+                                    <p:cond delay="0"/>
+                                  </p:stCondLst>
+                                  <p:childTnLst>
+                                    <p:set>
+                                      <p:cBhvr>
+                                        <p:cTn id="16" dur="1" fill="hold">
+                                          <p:stCondLst>
+                                            <p:cond delay="0"/>
+                                          </p:stCondLst>
+                                        </p:cTn>
+                                        <p:tgtEl>
+                                          <p:spTgt spid="6"/>
+                                        </p:tgtEl>
+                                        <p:attrNameLst>
+                                          <p:attrName>style.visibility</p:attrName>
+                                        </p:attrNameLst>
+                                      </p:cBhvr>
+                                      <p:to>
+                                        <p:strVal val="visible"/>
+                                      </p:to>
+                                    </p:set>
+                                  </p:childTnLst>
+                                </p:cTn>
+                              </p:par>
+                            </p:childTnLst>
+                          </p:cTn>
+                        </p:par>
+                        <p:par>
+                          <p:cTn id="17" fill="hold">
+                            <p:stCondLst>
+                              <p:cond delay="0"/>
+                            </p:stCondLst>
+                            <p:childTnLst>
+                              <p:par>
+                                <p:cTn id="18" presetID="1" presetClass="entr" presetSubtype="0" fill="hold" grpId="0" nodeType="afterEffect">
+                                  <p:stCondLst>
+                                    <p:cond delay="0"/>
+                                  </p:stCondLst>
+                                  <p:childTnLst>
+                                    <p:set>
+                                      <p:cBhvr>
+                                        <p:cTn id="19" dur="1" fill="hold">
+                                          <p:stCondLst>
+                                            <p:cond delay="0"/>
+                                          </p:stCondLst>
+                                        </p:cTn>
+                                        <p:tgtEl>
+                                          <p:spTgt spid="7"/>
+                                        </p:tgtEl>
+                                        <p:attrNameLst>
+                                          <p:attrName>style.visibility</p:attrName>
+                                        </p:attrNameLst>
+                                      </p:cBhvr>
+                                      <p:to>
+                                        <p:strVal val="visible"/>
+                                      </p:to>
+                                    </p:set>
+                                  </p:childTnLst>
+                                </p:cTn>
+                              </p:par>
+                            </p:childTnLst>
+                          </p:cTn>
+                        </p:par>
+                      </p:childTnLst>
+                    </p:cTn>
+                  </p:par>
+                  <p:par>
+                    <p:cTn id="20" fill="hold">
+                      <p:stCondLst>
+                        <p:cond delay="indefinite"/>
+                      </p:stCondLst>
+                      <p:childTnLst>
+                        <p:par>
+                          <p:cTn id="21" fill="hold">
+                            <p:stCondLst>
+                              <p:cond delay="0"/>
+                            </p:stCondLst>
+                            <p:childTnLst>
+                              <p:par>
+                                <p:cTn id="22" presetID="1" presetClass="exit" presetSubtype="0" fill="hold" nodeType="clickEffect">
+                                  <p:stCondLst>
+                                    <p:cond delay="0"/>
+                                  </p:stCondLst>
+                                  <p:childTnLst>
+                                    <p:set>
+                                      <p:cBhvr>
+                                        <p:cTn id="23" dur="1" fill="hold">
+                                          <p:stCondLst>
+                                            <p:cond delay="0"/>
+                                          </p:stCondLst>
+                                        </p:cTn>
+                                        <p:tgtEl>
+                                          <p:spTgt spid="5"/>
+                                        </p:tgtEl>
+                                        <p:attrNameLst>
+                                          <p:attrName>style.visibility</p:attrName>
+                                        </p:attrNameLst>
+                                      </p:cBhvr>
+                                      <p:to>
+                                        <p:strVal val="hidden"/>
+                                      </p:to>
+                                    </p:set>
+                                  </p:childTnLst>
+                                </p:cTn>
+                              </p:par>
+                            </p:childTnLst>
+                          </p:cTn>
+                        </p:par>
+                        <p:par>
+                          <p:cTn id="24" fill="hold">
+                            <p:stCondLst>
+                              <p:cond delay="0"/>
+                            </p:stCondLst>
+                            <p:childTnLst>
+                              <p:par>
+                                <p:cTn id="25" presetID="1" presetClass="exit" presetSubtype="0" fill="hold" grpId="1" nodeType="afterEffect">
+                                  <p:stCondLst>
+                                    <p:cond delay="0"/>
+                                  </p:stCondLst>
+                                  <p:childTnLst>
+                                    <p:set>
+                                      <p:cBhvr>
+                                        <p:cTn id="26" dur="1" fill="hold">
+                                          <p:stCondLst>
+                                            <p:cond delay="0"/>
+                                          </p:stCondLst>
+                                        </p:cTn>
+                                        <p:tgtEl>
+                                          <p:spTgt spid="6"/>
+                                        </p:tgtEl>
+                                        <p:attrNameLst>
+                                          <p:attrName>style.visibility</p:attrName>
+                                        </p:attrNameLst>
+                                      </p:cBhvr>
+                                      <p:to>
+                                        <p:strVal val="hidden"/>
+                                      </p:to>
+                                    </p:set>
+                                  </p:childTnLst>
+                                </p:cTn>
+                              </p:par>
+                            </p:childTnLst>
+                          </p:cTn>
+                        </p:par>
+                        <p:par>
+                          <p:cTn id="27" fill="hold">
+                            <p:stCondLst>
+                              <p:cond delay="0"/>
+                            </p:stCondLst>
+                            <p:childTnLst>
+                              <p:par>
+                                <p:cTn id="28" presetID="1" presetClass="exit" presetSubtype="0" fill="hold" grpId="1" nodeType="afterEffect">
+                                  <p:stCondLst>
+                                    <p:cond delay="0"/>
+                                  </p:stCondLst>
+                                  <p:childTnLst>
+                                    <p:set>
+                                      <p:cBhvr>
+                                        <p:cTn id="29" dur="1" fill="hold">
+                                          <p:stCondLst>
+                                            <p:cond delay="0"/>
+                                          </p:stCondLst>
+                                        </p:cTn>
+                                        <p:tgtEl>
+                                          <p:spTgt spid="7"/>
+                                        </p:tgtEl>
+                                        <p:attrNameLst>
+                                          <p:attrName>style.visibility</p:attrName>
+                                        </p:attrNameLst>
+                                      </p:cBhvr>
+                                      <p:to>
+                                        <p:strVal val="hidden"/>
+                                      </p:to>
+                                    </p:set>
+                                  </p:childTnLst>
+                                </p:cTn>
+                              </p:par>
+                            </p:childTnLst>
+                          </p:cTn>
+                        </p:par>
+                      </p:childTnLst>
+                    </p:cTn>
+                  </p:par>
+                  <p:par>
+                    <p:cTn id="30" fill="hold">
+                      <p:stCondLst>
+                        <p:cond delay="indefinite"/>
+                      </p:stCondLst>
+                      <p:childTnLst>
+                        <p:par>
+                          <p:cTn id="31" fill="hold">
+                            <p:stCondLst>
+                              <p:cond delay="0"/>
+                            </p:stCondLst>
+                            <p:childTnLst>
+                              <p:par>
+                                <p:cTn id="32" presetID="1" presetClass="exit" presetSubtype="0" fill="hold" nodeType="clickEffect">
+                                  <p:stCondLst>
+                                    <p:cond delay="0"/>
+                                  </p:stCondLst>
+                                  <p:childTnLst>
+                                    <p:set>
+                                      <p:cBhvr>
+                                        <p:cTn id="33" dur="1" fill="hold">
+                                          <p:stCondLst>
+                                            <p:cond delay="0"/>
+                                          </p:stCondLst>
+                                        </p:cTn>
+                                        <p:tgtEl>
+                                          <p:spTgt spid="4"/>
+                                        </p:tgtEl>
+                                        <p:attrNameLst>
+                                          <p:attrName>style.visibility</p:attrName>
+                                        </p:attrNameLst>
+                                      </p:cBhvr>
+                                      <p:to>
+                                        <p:strVal val="hidden"/>
+                                      </p:to>
+                                    </p:set>
+                                  </p:childTnLst>
+                                </p:cTn>
+                              </p:par>
+                            </p:childTnLst>
+                          </p:cTn>
+                        </p:par>
+                        <p:par>
+                          <p:cTn id="34" fill="hold">
+                            <p:stCondLst>
+                              <p:cond delay="0"/>
+                            </p:stCondLst>
+                            <p:childTnLst>
+                              <p:par>
+                                <p:cTn id="35" presetID="1" presetClass="exit" presetSubtype="0" fill="hold" grpId="1" nodeType="afterEffect">
+                                  <p:stCondLst>
+                                    <p:cond delay="0"/>
+                                  </p:stCondLst>
+                                  <p:childTnLst>
+                                    <p:set>
+                                      <p:cBhvr>
+                                        <p:cTn id="36" dur="1" fill="hold">
+                                          <p:stCondLst>
+                                            <p:cond delay="0"/>
+                                          </p:stCondLst>
+                                        </p:cTn>
+                                        <p:tgtEl>
+                                          <p:spTgt spid="8"/>
+                                        </p:tgtEl>
+                                        <p:attrNameLst>
+                                          <p:attrName>style.visibility</p:attrName>
+                                        </p:attrNameLst>
+                                      </p:cBhvr>
+                                      <p:to>
+                                        <p:strVal val="hidden"/>
+                                      </p:to>
+                                    </p:set>
+                                  </p:childTnLst>
+                                </p:cTn>
+                              </p:par>
+                            </p:childTnLst>
+                          </p:cTn>
+                        </p:par>
+                      </p:childTnLst>
+                    </p:cTn>
+                  </p:par>
+                </p:childTnLst>
+              </p:cTn>
+              <p:prevCondLst>
+                <p:cond evt="onPrev" delay="0">
+                  <p:tgtEl>
+                    <p:sldTgt/>
+                  </p:tgtEl>
+                </p:cond>
+              </p:prevCondLst>
+              <p:nextCondLst>
+                <p:cond evt="onNext" delay="0">
+                  <p:tgtEl>
+                    <p:sldTgt/>
+                  </p:tgtEl>
+                </p:cond>
+              </p:nextCondLst>
+            </p:seq>
+          </p:childTnLst>
+        </p:cTn>
+      </p:par>
+    </p:tnLst>
+    <p:bldLst>
+      <p:bldP spid="6" grpId="0" animBg="1"/>
+      <p:bldP spid="6" grpId="1" animBg="1"/>
+      <p:bldP spid="7" grpId="0" animBg="1"/>
+      <p:bldP spid="7" grpId="1" animBg="1"/>
+      <p:bldP spid="8" grpId="0" animBg="1"/>
+      <p:bldP spid="8" grpId="1" animBg="1"/>
+    </p:bldLst>
+  </p:timing>
 </p:sld>
 </file>
 

--- a/lab_0.pptx
+++ b/lab_0.pptx
@@ -6,10 +6,10 @@
     <p:sldMasterId id="2147483701" r:id="rId2"/>
   </p:sldMasterIdLst>
   <p:notesMasterIdLst>
-    <p:notesMasterId r:id="rId9"/>
+    <p:notesMasterId r:id="rId10"/>
   </p:notesMasterIdLst>
   <p:handoutMasterIdLst>
-    <p:handoutMasterId r:id="rId10"/>
+    <p:handoutMasterId r:id="rId11"/>
   </p:handoutMasterIdLst>
   <p:sldIdLst>
     <p:sldId id="2193" r:id="rId3"/>
@@ -18,6 +18,7 @@
     <p:sldId id="2197" r:id="rId6"/>
     <p:sldId id="2196" r:id="rId7"/>
     <p:sldId id="2198" r:id="rId8"/>
+    <p:sldId id="2199" r:id="rId9"/>
   </p:sldIdLst>
   <p:sldSz cx="12192000" cy="6858000"/>
   <p:notesSz cx="6858000" cy="9144000"/>
@@ -131,6 +132,7 @@
           <p14:sldIdLst>
             <p14:sldId id="2196"/>
             <p14:sldId id="2198"/>
+            <p14:sldId id="2199"/>
           </p14:sldIdLst>
         </p14:section>
         <p14:section name="2" id="{5EE811C3-7630-4E5E-815A-355B6345B305}">
@@ -2727,6 +2729,98 @@
 </p:notes>
 </file>
 
+<file path=ppt/notesSlides/notesSlide6.xml><?xml version="1.0" encoding="utf-8"?>
+<p:notes xmlns:a="http://schemas.openxmlformats.org/drawingml/2006/main" xmlns:r="http://schemas.openxmlformats.org/officeDocument/2006/relationships" xmlns:p="http://schemas.openxmlformats.org/presentationml/2006/main">
+  <p:cSld>
+    <p:spTree>
+      <p:nvGrpSpPr>
+        <p:cNvPr id="1" name=""/>
+        <p:cNvGrpSpPr/>
+        <p:nvPr/>
+      </p:nvGrpSpPr>
+      <p:grpSpPr>
+        <a:xfrm>
+          <a:off x="0" y="0"/>
+          <a:ext cx="0" cy="0"/>
+          <a:chOff x="0" y="0"/>
+          <a:chExt cx="0" cy="0"/>
+        </a:xfrm>
+      </p:grpSpPr>
+      <p:sp>
+        <p:nvSpPr>
+          <p:cNvPr id="2" name="幻灯片图像占位符 1"/>
+          <p:cNvSpPr>
+            <a:spLocks noGrp="1" noRot="1" noChangeAspect="1"/>
+          </p:cNvSpPr>
+          <p:nvPr>
+            <p:ph type="sldImg"/>
+          </p:nvPr>
+        </p:nvSpPr>
+        <p:spPr/>
+      </p:sp>
+      <p:sp>
+        <p:nvSpPr>
+          <p:cNvPr id="3" name="备注占位符 2"/>
+          <p:cNvSpPr>
+            <a:spLocks noGrp="1"/>
+          </p:cNvSpPr>
+          <p:nvPr>
+            <p:ph type="body" idx="1"/>
+          </p:nvPr>
+        </p:nvSpPr>
+        <p:spPr/>
+        <p:txBody>
+          <a:bodyPr/>
+          <a:lstStyle/>
+          <a:p>
+            <a:endParaRPr lang="zh-CN" altLang="en-US" dirty="0"/>
+          </a:p>
+        </p:txBody>
+      </p:sp>
+      <p:sp>
+        <p:nvSpPr>
+          <p:cNvPr id="4" name="灯片编号占位符 3"/>
+          <p:cNvSpPr>
+            <a:spLocks noGrp="1"/>
+          </p:cNvSpPr>
+          <p:nvPr>
+            <p:ph type="sldNum" sz="quarter" idx="10"/>
+          </p:nvPr>
+        </p:nvSpPr>
+        <p:spPr/>
+        <p:txBody>
+          <a:bodyPr/>
+          <a:lstStyle/>
+          <a:p>
+            <a:r>
+              <a:rPr lang="zh-CN" altLang="en-US" smtClean="0"/>
+              <a:t>第 </a:t>
+            </a:r>
+            <a:fld id="{CE884005-AAD7-43DA-8323-709AF992FEE5}" type="slidenum">
+              <a:rPr lang="zh-CN" altLang="en-US" smtClean="0"/>
+              <a:t>7</a:t>
+            </a:fld>
+            <a:r>
+              <a:rPr lang="zh-CN" altLang="en-US" smtClean="0"/>
+              <a:t> 页</a:t>
+            </a:r>
+            <a:endParaRPr lang="zh-CN" altLang="en-US" dirty="0"/>
+          </a:p>
+        </p:txBody>
+      </p:sp>
+    </p:spTree>
+    <p:extLst>
+      <p:ext uri="{BB962C8B-B14F-4D97-AF65-F5344CB8AC3E}">
+        <p14:creationId xmlns:p14="http://schemas.microsoft.com/office/powerpoint/2010/main" val="2343713713"/>
+      </p:ext>
+    </p:extLst>
+  </p:cSld>
+  <p:clrMapOvr>
+    <a:masterClrMapping/>
+  </p:clrMapOvr>
+</p:notes>
+</file>
+
 <file path=ppt/slideLayouts/slideLayout1.xml><?xml version="1.0" encoding="utf-8"?>
 <p:sldLayout xmlns:a="http://schemas.openxmlformats.org/drawingml/2006/main" xmlns:r="http://schemas.openxmlformats.org/officeDocument/2006/relationships" xmlns:p="http://schemas.openxmlformats.org/presentationml/2006/main" type="obj" preserve="1">
   <p:cSld name="1_TITLE-TEXE">
@@ -7920,6 +8014,13 @@
   <p:clrMapOvr>
     <a:masterClrMapping/>
   </p:clrMapOvr>
+  <p:timing>
+    <p:tnLst>
+      <p:par>
+        <p:cTn id="1" dur="indefinite" restart="never" nodeType="tmRoot"/>
+      </p:par>
+    </p:tnLst>
+  </p:timing>
 </p:sld>
 </file>
 
@@ -8435,6 +8536,126 @@
           </a:p>
         </p:txBody>
       </p:sp>
+      <p:sp>
+        <p:nvSpPr>
+          <p:cNvPr id="9" name="矩形 8"/>
+          <p:cNvSpPr/>
+          <p:nvPr/>
+        </p:nvSpPr>
+        <p:spPr bwMode="auto">
+          <a:xfrm>
+            <a:off x="1199456" y="1628800"/>
+            <a:ext cx="504056" cy="288032"/>
+          </a:xfrm>
+          <a:prstGeom prst="rect">
+            <a:avLst/>
+          </a:prstGeom>
+          <a:noFill/>
+          <a:ln w="9525" cap="flat" cmpd="sng" algn="ctr">
+            <a:solidFill>
+              <a:srgbClr val="FF0000"/>
+            </a:solidFill>
+            <a:prstDash val="solid"/>
+            <a:round/>
+            <a:headEnd type="none" w="med" len="med"/>
+            <a:tailEnd type="none" w="med" len="med"/>
+          </a:ln>
+        </p:spPr>
+        <p:txBody>
+          <a:bodyPr vert="horz" wrap="square" lIns="91440" tIns="45720" rIns="91440" bIns="45720" numCol="1" rtlCol="0" anchor="ctr" anchorCtr="0" compatLnSpc="1">
+            <a:noAutofit/>
+          </a:bodyPr>
+          <a:lstStyle/>
+          <a:p>
+            <a:pPr marL="0" marR="0" indent="0" algn="l" defTabSz="914400" rtl="0" eaLnBrk="0" fontAlgn="base" latinLnBrk="0" hangingPunct="0">
+              <a:lnSpc>
+                <a:spcPct val="100000"/>
+              </a:lnSpc>
+              <a:spcBef>
+                <a:spcPct val="0"/>
+              </a:spcBef>
+              <a:spcAft>
+                <a:spcPct val="0"/>
+              </a:spcAft>
+              <a:buClrTx/>
+              <a:buSzTx/>
+              <a:buFontTx/>
+              <a:buNone/>
+            </a:pPr>
+            <a:endParaRPr kumimoji="0" lang="zh-CN" altLang="en-US" sz="4000" b="0" i="0" u="none" strike="noStrike" cap="none" normalizeH="0" baseline="0" smtClean="0">
+              <a:ln>
+                <a:noFill/>
+              </a:ln>
+              <a:solidFill>
+                <a:schemeClr val="bg1"/>
+              </a:solidFill>
+              <a:effectLst/>
+              <a:latin typeface="Stone Sans" pitchFamily="2" charset="0"/>
+              <a:ea typeface="宋体" panose="02010600030101010101" pitchFamily="2" charset="-122"/>
+            </a:endParaRPr>
+          </a:p>
+        </p:txBody>
+      </p:sp>
+      <p:sp>
+        <p:nvSpPr>
+          <p:cNvPr id="10" name="矩形 9"/>
+          <p:cNvSpPr/>
+          <p:nvPr/>
+        </p:nvSpPr>
+        <p:spPr bwMode="auto">
+          <a:xfrm>
+            <a:off x="4727848" y="2687777"/>
+            <a:ext cx="504056" cy="288032"/>
+          </a:xfrm>
+          <a:prstGeom prst="rect">
+            <a:avLst/>
+          </a:prstGeom>
+          <a:noFill/>
+          <a:ln w="9525" cap="flat" cmpd="sng" algn="ctr">
+            <a:solidFill>
+              <a:srgbClr val="FF0000"/>
+            </a:solidFill>
+            <a:prstDash val="solid"/>
+            <a:round/>
+            <a:headEnd type="none" w="med" len="med"/>
+            <a:tailEnd type="none" w="med" len="med"/>
+          </a:ln>
+        </p:spPr>
+        <p:txBody>
+          <a:bodyPr vert="horz" wrap="square" lIns="91440" tIns="45720" rIns="91440" bIns="45720" numCol="1" rtlCol="0" anchor="ctr" anchorCtr="0" compatLnSpc="1">
+            <a:noAutofit/>
+          </a:bodyPr>
+          <a:lstStyle/>
+          <a:p>
+            <a:pPr marL="0" marR="0" indent="0" algn="l" defTabSz="914400" rtl="0" eaLnBrk="0" fontAlgn="base" latinLnBrk="0" hangingPunct="0">
+              <a:lnSpc>
+                <a:spcPct val="100000"/>
+              </a:lnSpc>
+              <a:spcBef>
+                <a:spcPct val="0"/>
+              </a:spcBef>
+              <a:spcAft>
+                <a:spcPct val="0"/>
+              </a:spcAft>
+              <a:buClrTx/>
+              <a:buSzTx/>
+              <a:buFontTx/>
+              <a:buNone/>
+            </a:pPr>
+            <a:endParaRPr kumimoji="0" lang="zh-CN" altLang="en-US" sz="4000" b="0" i="0" u="none" strike="noStrike" cap="none" normalizeH="0" baseline="0" smtClean="0">
+              <a:ln>
+                <a:noFill/>
+              </a:ln>
+              <a:solidFill>
+                <a:schemeClr val="bg1"/>
+              </a:solidFill>
+              <a:effectLst/>
+              <a:latin typeface="Stone Sans" pitchFamily="2" charset="0"/>
+              <a:ea typeface="宋体" panose="02010600030101010101" pitchFamily="2" charset="-122"/>
+            </a:endParaRPr>
+          </a:p>
+        </p:txBody>
+      </p:sp>
     </p:spTree>
     <p:extLst>
       <p:ext uri="{BB962C8B-B14F-4D97-AF65-F5344CB8AC3E}">
@@ -8515,6 +8736,42 @@
                                           </p:stCondLst>
                                         </p:cTn>
                                         <p:tgtEl>
+                                          <p:spTgt spid="9"/>
+                                        </p:tgtEl>
+                                        <p:attrNameLst>
+                                          <p:attrName>style.visibility</p:attrName>
+                                        </p:attrNameLst>
+                                      </p:cBhvr>
+                                      <p:to>
+                                        <p:strVal val="visible"/>
+                                      </p:to>
+                                    </p:set>
+                                  </p:childTnLst>
+                                </p:cTn>
+                              </p:par>
+                            </p:childTnLst>
+                          </p:cTn>
+                        </p:par>
+                        <p:par>
+                          <p:cTn id="10" fill="hold">
+                            <p:stCondLst>
+                              <p:cond delay="0"/>
+                            </p:stCondLst>
+                            <p:childTnLst>
+                              <p:par>
+                                <p:cTn id="11" presetID="1" presetClass="entr" presetSubtype="0" fill="hold" grpId="0" nodeType="afterEffect">
+                                  <p:stCondLst>
+                                    <p:cond delay="0"/>
+                                  </p:stCondLst>
+                                  <p:childTnLst>
+                                    <p:set>
+                                      <p:cBhvr>
+                                        <p:cTn id="12" dur="1" fill="hold">
+                                          <p:stCondLst>
+                                            <p:cond delay="0"/>
+                                          </p:stCondLst>
+                                        </p:cTn>
+                                        <p:tgtEl>
                                           <p:spTgt spid="8"/>
                                         </p:tgtEl>
                                         <p:attrNameLst>
@@ -8535,47 +8792,11 @@
                     </p:cTn>
                   </p:par>
                   <p:par>
-                    <p:cTn id="10" fill="hold">
+                    <p:cTn id="13" fill="hold">
                       <p:stCondLst>
                         <p:cond delay="indefinite"/>
                       </p:stCondLst>
                       <p:childTnLst>
-                        <p:par>
-                          <p:cTn id="11" fill="hold">
-                            <p:stCondLst>
-                              <p:cond delay="0"/>
-                            </p:stCondLst>
-                            <p:childTnLst>
-                              <p:par>
-                                <p:cTn id="12" presetID="1" presetClass="entr" presetSubtype="0" fill="hold" nodeType="clickEffect">
-                                  <p:stCondLst>
-                                    <p:cond delay="0"/>
-                                  </p:stCondLst>
-                                  <p:childTnLst>
-                                    <p:set>
-                                      <p:cBhvr>
-                                        <p:cTn id="13" dur="1" fill="hold">
-                                          <p:stCondLst>
-                                            <p:cond delay="0"/>
-                                          </p:stCondLst>
-                                        </p:cTn>
-                                        <p:tgtEl>
-                                          <p:spTgt spid="5"/>
-                                        </p:tgtEl>
-                                        <p:attrNameLst>
-                                          <p:attrName>style.visibility</p:attrName>
-                                        </p:attrNameLst>
-                                      </p:cBhvr>
-                                      <p:to>
-                                        <p:strVal val="visible"/>
-                                      </p:to>
-                                    </p:set>
-                                  </p:childTnLst>
-                                </p:cTn>
-                              </p:par>
-                            </p:childTnLst>
-                          </p:cTn>
-                        </p:par>
                         <p:par>
                           <p:cTn id="14" fill="hold">
                             <p:stCondLst>
@@ -8583,7 +8804,7 @@
                             </p:stCondLst>
                             <p:childTnLst>
                               <p:par>
-                                <p:cTn id="15" presetID="1" presetClass="entr" presetSubtype="0" fill="hold" grpId="0" nodeType="afterEffect">
+                                <p:cTn id="15" presetID="1" presetClass="entr" presetSubtype="0" fill="hold" nodeType="clickEffect">
                                   <p:stCondLst>
                                     <p:cond delay="0"/>
                                   </p:stCondLst>
@@ -8596,7 +8817,7 @@
                                           </p:stCondLst>
                                         </p:cTn>
                                         <p:tgtEl>
-                                          <p:spTgt spid="6"/>
+                                          <p:spTgt spid="5"/>
                                         </p:tgtEl>
                                         <p:attrNameLst>
                                           <p:attrName>style.visibility</p:attrName>
@@ -8632,6 +8853,78 @@
                                           </p:stCondLst>
                                         </p:cTn>
                                         <p:tgtEl>
+                                          <p:spTgt spid="10"/>
+                                        </p:tgtEl>
+                                        <p:attrNameLst>
+                                          <p:attrName>style.visibility</p:attrName>
+                                        </p:attrNameLst>
+                                      </p:cBhvr>
+                                      <p:to>
+                                        <p:strVal val="visible"/>
+                                      </p:to>
+                                    </p:set>
+                                  </p:childTnLst>
+                                </p:cTn>
+                              </p:par>
+                            </p:childTnLst>
+                          </p:cTn>
+                        </p:par>
+                        <p:par>
+                          <p:cTn id="20" fill="hold">
+                            <p:stCondLst>
+                              <p:cond delay="0"/>
+                            </p:stCondLst>
+                            <p:childTnLst>
+                              <p:par>
+                                <p:cTn id="21" presetID="1" presetClass="entr" presetSubtype="0" fill="hold" grpId="0" nodeType="afterEffect">
+                                  <p:stCondLst>
+                                    <p:cond delay="0"/>
+                                  </p:stCondLst>
+                                  <p:childTnLst>
+                                    <p:set>
+                                      <p:cBhvr>
+                                        <p:cTn id="22" dur="1" fill="hold">
+                                          <p:stCondLst>
+                                            <p:cond delay="0"/>
+                                          </p:stCondLst>
+                                        </p:cTn>
+                                        <p:tgtEl>
+                                          <p:spTgt spid="6"/>
+                                        </p:tgtEl>
+                                        <p:attrNameLst>
+                                          <p:attrName>style.visibility</p:attrName>
+                                        </p:attrNameLst>
+                                      </p:cBhvr>
+                                      <p:to>
+                                        <p:strVal val="visible"/>
+                                      </p:to>
+                                    </p:set>
+                                  </p:childTnLst>
+                                </p:cTn>
+                              </p:par>
+                            </p:childTnLst>
+                          </p:cTn>
+                        </p:par>
+                        <p:par>
+                          <p:cTn id="23" fill="hold">
+                            <p:stCondLst>
+                              <p:cond delay="0"/>
+                            </p:stCondLst>
+                            <p:childTnLst>
+                              <p:par>
+                                <p:cTn id="24" presetID="1" presetClass="entr" presetSubtype="0" fill="hold" grpId="0" nodeType="afterEffect">
+                                  <p:stCondLst>
+                                    <p:cond delay="0"/>
+                                  </p:stCondLst>
+                                  <p:childTnLst>
+                                    <p:set>
+                                      <p:cBhvr>
+                                        <p:cTn id="25" dur="1" fill="hold">
+                                          <p:stCondLst>
+                                            <p:cond delay="0"/>
+                                          </p:stCondLst>
+                                        </p:cTn>
+                                        <p:tgtEl>
                                           <p:spTgt spid="7"/>
                                         </p:tgtEl>
                                         <p:attrNameLst>
@@ -8652,26 +8945,26 @@
                     </p:cTn>
                   </p:par>
                   <p:par>
-                    <p:cTn id="20" fill="hold">
+                    <p:cTn id="26" fill="hold">
                       <p:stCondLst>
                         <p:cond delay="indefinite"/>
                       </p:stCondLst>
                       <p:childTnLst>
                         <p:par>
-                          <p:cTn id="21" fill="hold">
+                          <p:cTn id="27" fill="hold">
                             <p:stCondLst>
                               <p:cond delay="0"/>
                             </p:stCondLst>
                             <p:childTnLst>
                               <p:par>
-                                <p:cTn id="22" presetID="1" presetClass="exit" presetSubtype="0" fill="hold" nodeType="clickEffect">
+                                <p:cTn id="28" presetID="1" presetClass="exit" presetSubtype="0" fill="hold" nodeType="clickEffect">
                                   <p:stCondLst>
                                     <p:cond delay="0"/>
                                   </p:stCondLst>
                                   <p:childTnLst>
                                     <p:set>
                                       <p:cBhvr>
-                                        <p:cTn id="23" dur="1" fill="hold">
+                                        <p:cTn id="29" dur="1" fill="hold">
                                           <p:stCondLst>
                                             <p:cond delay="0"/>
                                           </p:stCondLst>
@@ -8694,20 +8987,20 @@
                           </p:cTn>
                         </p:par>
                         <p:par>
-                          <p:cTn id="24" fill="hold">
+                          <p:cTn id="30" fill="hold">
                             <p:stCondLst>
                               <p:cond delay="0"/>
                             </p:stCondLst>
                             <p:childTnLst>
                               <p:par>
-                                <p:cTn id="25" presetID="1" presetClass="exit" presetSubtype="0" fill="hold" grpId="1" nodeType="afterEffect">
+                                <p:cTn id="31" presetID="1" presetClass="exit" presetSubtype="0" fill="hold" grpId="1" nodeType="afterEffect">
                                   <p:stCondLst>
                                     <p:cond delay="0"/>
                                   </p:stCondLst>
                                   <p:childTnLst>
                                     <p:set>
                                       <p:cBhvr>
-                                        <p:cTn id="26" dur="1" fill="hold">
+                                        <p:cTn id="32" dur="1" fill="hold">
                                           <p:stCondLst>
                                             <p:cond delay="0"/>
                                           </p:stCondLst>
@@ -8730,20 +9023,20 @@
                           </p:cTn>
                         </p:par>
                         <p:par>
-                          <p:cTn id="27" fill="hold">
+                          <p:cTn id="33" fill="hold">
                             <p:stCondLst>
                               <p:cond delay="0"/>
                             </p:stCondLst>
                             <p:childTnLst>
                               <p:par>
-                                <p:cTn id="28" presetID="1" presetClass="exit" presetSubtype="0" fill="hold" grpId="1" nodeType="afterEffect">
+                                <p:cTn id="34" presetID="1" presetClass="exit" presetSubtype="0" fill="hold" grpId="1" nodeType="afterEffect">
                                   <p:stCondLst>
                                     <p:cond delay="0"/>
                                   </p:stCondLst>
                                   <p:childTnLst>
                                     <p:set>
                                       <p:cBhvr>
-                                        <p:cTn id="29" dur="1" fill="hold">
+                                        <p:cTn id="35" dur="1" fill="hold">
                                           <p:stCondLst>
                                             <p:cond delay="0"/>
                                           </p:stCondLst>
@@ -8765,30 +9058,66 @@
                             </p:childTnLst>
                           </p:cTn>
                         </p:par>
-                      </p:childTnLst>
-                    </p:cTn>
-                  </p:par>
-                  <p:par>
-                    <p:cTn id="30" fill="hold">
-                      <p:stCondLst>
-                        <p:cond delay="indefinite"/>
-                      </p:stCondLst>
-                      <p:childTnLst>
                         <p:par>
-                          <p:cTn id="31" fill="hold">
+                          <p:cTn id="36" fill="hold">
                             <p:stCondLst>
                               <p:cond delay="0"/>
                             </p:stCondLst>
                             <p:childTnLst>
                               <p:par>
-                                <p:cTn id="32" presetID="1" presetClass="exit" presetSubtype="0" fill="hold" nodeType="clickEffect">
+                                <p:cTn id="37" presetID="1" presetClass="exit" presetSubtype="0" fill="hold" grpId="1" nodeType="afterEffect">
                                   <p:stCondLst>
                                     <p:cond delay="0"/>
                                   </p:stCondLst>
                                   <p:childTnLst>
                                     <p:set>
                                       <p:cBhvr>
-                                        <p:cTn id="33" dur="1" fill="hold">
+                                        <p:cTn id="38" dur="1" fill="hold">
+                                          <p:stCondLst>
+                                            <p:cond delay="0"/>
+                                          </p:stCondLst>
+                                        </p:cTn>
+                                        <p:tgtEl>
+                                          <p:spTgt spid="10"/>
+                                        </p:tgtEl>
+                                        <p:attrNameLst>
+                                          <p:attrName>style.visibility</p:attrName>
+                                        </p:attrNameLst>
+                                      </p:cBhvr>
+                                      <p:to>
+                                        <p:strVal val="hidden"/>
+                                      </p:to>
+                                    </p:set>
+                                  </p:childTnLst>
+                                </p:cTn>
+                              </p:par>
+                            </p:childTnLst>
+                          </p:cTn>
+                        </p:par>
+                      </p:childTnLst>
+                    </p:cTn>
+                  </p:par>
+                  <p:par>
+                    <p:cTn id="39" fill="hold">
+                      <p:stCondLst>
+                        <p:cond delay="indefinite"/>
+                      </p:stCondLst>
+                      <p:childTnLst>
+                        <p:par>
+                          <p:cTn id="40" fill="hold">
+                            <p:stCondLst>
+                              <p:cond delay="0"/>
+                            </p:stCondLst>
+                            <p:childTnLst>
+                              <p:par>
+                                <p:cTn id="41" presetID="1" presetClass="exit" presetSubtype="0" fill="hold" nodeType="clickEffect">
+                                  <p:stCondLst>
+                                    <p:cond delay="0"/>
+                                  </p:stCondLst>
+                                  <p:childTnLst>
+                                    <p:set>
+                                      <p:cBhvr>
+                                        <p:cTn id="42" dur="1" fill="hold">
                                           <p:stCondLst>
                                             <p:cond delay="0"/>
                                           </p:stCondLst>
@@ -8811,26 +9140,62 @@
                           </p:cTn>
                         </p:par>
                         <p:par>
-                          <p:cTn id="34" fill="hold">
+                          <p:cTn id="43" fill="hold">
                             <p:stCondLst>
                               <p:cond delay="0"/>
                             </p:stCondLst>
                             <p:childTnLst>
                               <p:par>
-                                <p:cTn id="35" presetID="1" presetClass="exit" presetSubtype="0" fill="hold" grpId="1" nodeType="afterEffect">
+                                <p:cTn id="44" presetID="1" presetClass="exit" presetSubtype="0" fill="hold" grpId="1" nodeType="afterEffect">
                                   <p:stCondLst>
                                     <p:cond delay="0"/>
                                   </p:stCondLst>
                                   <p:childTnLst>
                                     <p:set>
                                       <p:cBhvr>
-                                        <p:cTn id="36" dur="1" fill="hold">
+                                        <p:cTn id="45" dur="1" fill="hold">
                                           <p:stCondLst>
                                             <p:cond delay="0"/>
                                           </p:stCondLst>
                                         </p:cTn>
                                         <p:tgtEl>
                                           <p:spTgt spid="8"/>
+                                        </p:tgtEl>
+                                        <p:attrNameLst>
+                                          <p:attrName>style.visibility</p:attrName>
+                                        </p:attrNameLst>
+                                      </p:cBhvr>
+                                      <p:to>
+                                        <p:strVal val="hidden"/>
+                                      </p:to>
+                                    </p:set>
+                                  </p:childTnLst>
+                                </p:cTn>
+                              </p:par>
+                            </p:childTnLst>
+                          </p:cTn>
+                        </p:par>
+                        <p:par>
+                          <p:cTn id="46" fill="hold">
+                            <p:stCondLst>
+                              <p:cond delay="0"/>
+                            </p:stCondLst>
+                            <p:childTnLst>
+                              <p:par>
+                                <p:cTn id="47" presetID="1" presetClass="exit" presetSubtype="0" fill="hold" grpId="1" nodeType="afterEffect">
+                                  <p:stCondLst>
+                                    <p:cond delay="0"/>
+                                  </p:stCondLst>
+                                  <p:childTnLst>
+                                    <p:set>
+                                      <p:cBhvr>
+                                        <p:cTn id="48" dur="1" fill="hold">
+                                          <p:stCondLst>
+                                            <p:cond delay="0"/>
+                                          </p:stCondLst>
+                                        </p:cTn>
+                                        <p:tgtEl>
+                                          <p:spTgt spid="9"/>
                                         </p:tgtEl>
                                         <p:attrNameLst>
                                           <p:attrName>style.visibility</p:attrName>
@@ -8877,7 +9242,201 @@
       <p:bldP spid="7" grpId="1" animBg="1"/>
       <p:bldP spid="8" grpId="0" animBg="1"/>
       <p:bldP spid="8" grpId="1" animBg="1"/>
+      <p:bldP spid="9" grpId="0" animBg="1"/>
+      <p:bldP spid="9" grpId="1" animBg="1"/>
+      <p:bldP spid="10" grpId="0" animBg="1"/>
+      <p:bldP spid="10" grpId="1" animBg="1"/>
     </p:bldLst>
+  </p:timing>
+</p:sld>
+</file>
+
+<file path=ppt/slides/slide7.xml><?xml version="1.0" encoding="utf-8"?>
+<p:sld xmlns:a="http://schemas.openxmlformats.org/drawingml/2006/main" xmlns:r="http://schemas.openxmlformats.org/officeDocument/2006/relationships" xmlns:p="http://schemas.openxmlformats.org/presentationml/2006/main">
+  <p:cSld>
+    <p:spTree>
+      <p:nvGrpSpPr>
+        <p:cNvPr id="1" name=""/>
+        <p:cNvGrpSpPr/>
+        <p:nvPr/>
+      </p:nvGrpSpPr>
+      <p:grpSpPr>
+        <a:xfrm>
+          <a:off x="0" y="0"/>
+          <a:ext cx="0" cy="0"/>
+          <a:chOff x="0" y="0"/>
+          <a:chExt cx="0" cy="0"/>
+        </a:xfrm>
+      </p:grpSpPr>
+      <p:sp>
+        <p:nvSpPr>
+          <p:cNvPr id="2" name="标题 1"/>
+          <p:cNvSpPr>
+            <a:spLocks noGrp="1"/>
+          </p:cNvSpPr>
+          <p:nvPr>
+            <p:ph type="title"/>
+          </p:nvPr>
+        </p:nvSpPr>
+        <p:spPr/>
+        <p:txBody>
+          <a:bodyPr/>
+          <a:lstStyle/>
+          <a:p>
+            <a:r>
+              <a:rPr lang="en-US" altLang="zh-CN" dirty="0" err="1" smtClean="0"/>
+              <a:t>NPcap</a:t>
+            </a:r>
+            <a:r>
+              <a:rPr lang="en-US" altLang="zh-CN" dirty="0" smtClean="0"/>
+              <a:t> Installation</a:t>
+            </a:r>
+            <a:endParaRPr lang="zh-CN" altLang="en-US" dirty="0"/>
+          </a:p>
+        </p:txBody>
+      </p:sp>
+      <p:sp>
+        <p:nvSpPr>
+          <p:cNvPr id="3" name="内容占位符 2"/>
+          <p:cNvSpPr>
+            <a:spLocks noGrp="1"/>
+          </p:cNvSpPr>
+          <p:nvPr>
+            <p:ph sz="half" idx="1"/>
+          </p:nvPr>
+        </p:nvSpPr>
+        <p:spPr>
+          <a:xfrm>
+            <a:off x="711200" y="1600200"/>
+            <a:ext cx="9273232" cy="4648200"/>
+          </a:xfrm>
+        </p:spPr>
+        <p:txBody>
+          <a:bodyPr/>
+          <a:lstStyle/>
+          <a:p>
+            <a:r>
+              <a:rPr lang="en-US" altLang="zh-CN" dirty="0" smtClean="0">
+                <a:solidFill>
+                  <a:srgbClr val="0000FF"/>
+                </a:solidFill>
+              </a:rPr>
+              <a:t>Install WDK</a:t>
+            </a:r>
+          </a:p>
+          <a:p>
+            <a:pPr lvl="1"/>
+            <a:r>
+              <a:rPr lang="en-US" altLang="zh-CN" sz="1800" dirty="0" smtClean="0"/>
+              <a:t>Surf </a:t>
+            </a:r>
+            <a:r>
+              <a:rPr lang="en-US" altLang="zh-CN" sz="1800" dirty="0"/>
+              <a:t>the webpage </a:t>
+            </a:r>
+            <a:r>
+              <a:rPr lang="en-US" altLang="zh-CN" sz="1200" dirty="0">
+                <a:hlinkClick r:id="rId3"/>
+              </a:rPr>
+              <a:t>https://</a:t>
+            </a:r>
+            <a:r>
+              <a:rPr lang="en-US" altLang="zh-CN" sz="1200" dirty="0" smtClean="0">
+                <a:hlinkClick r:id="rId3"/>
+              </a:rPr>
+              <a:t>docs.microsoft.com/en-us/windows-hardware/drivers/download-the-wdk</a:t>
+            </a:r>
+            <a:endParaRPr lang="en-US" altLang="zh-CN" sz="1200" dirty="0" smtClean="0"/>
+          </a:p>
+          <a:p>
+            <a:pPr lvl="1"/>
+            <a:r>
+              <a:rPr lang="en-US" altLang="zh-CN" u="sng" dirty="0">
+                <a:solidFill>
+                  <a:srgbClr val="0000FF"/>
+                </a:solidFill>
+                <a:hlinkClick r:id="rId4"/>
+              </a:rPr>
+              <a:t>Download WDK for Windows 10, version 1903</a:t>
+            </a:r>
+            <a:endParaRPr lang="en-US" altLang="zh-CN" dirty="0">
+              <a:solidFill>
+                <a:srgbClr val="0000FF"/>
+              </a:solidFill>
+            </a:endParaRPr>
+          </a:p>
+          <a:p>
+            <a:pPr lvl="1"/>
+            <a:r>
+              <a:rPr lang="en-US" altLang="zh-CN" sz="1800" dirty="0" smtClean="0"/>
+              <a:t>Setup WDK</a:t>
+            </a:r>
+          </a:p>
+          <a:p>
+            <a:pPr lvl="1"/>
+            <a:r>
+              <a:rPr lang="en-US" altLang="zh-CN" sz="1800" dirty="0"/>
+              <a:t>Install libs for </a:t>
+            </a:r>
+            <a:r>
+              <a:rPr lang="en-US" altLang="zh-CN" sz="1800" dirty="0" err="1" smtClean="0"/>
+              <a:t>spectre</a:t>
+            </a:r>
+            <a:endParaRPr lang="en-US" altLang="zh-CN" sz="1800" dirty="0" smtClean="0"/>
+          </a:p>
+          <a:p>
+            <a:r>
+              <a:rPr lang="en-US" altLang="zh-CN" dirty="0" smtClean="0"/>
+              <a:t>Install </a:t>
+            </a:r>
+            <a:r>
+              <a:rPr lang="en-US" altLang="zh-CN" dirty="0" err="1" smtClean="0"/>
+              <a:t>NPcap</a:t>
+            </a:r>
+            <a:endParaRPr lang="en-US" altLang="zh-CN" dirty="0" smtClean="0"/>
+          </a:p>
+          <a:p>
+            <a:pPr lvl="1"/>
+            <a:r>
+              <a:rPr lang="en-US" altLang="zh-CN" sz="1800" dirty="0" smtClean="0"/>
+              <a:t>Download </a:t>
+            </a:r>
+            <a:r>
+              <a:rPr lang="en-US" altLang="zh-CN" sz="1800" dirty="0" err="1" smtClean="0"/>
+              <a:t>Npcap</a:t>
+            </a:r>
+            <a:endParaRPr lang="en-US" altLang="zh-CN" sz="1800" dirty="0" smtClean="0"/>
+          </a:p>
+          <a:p>
+            <a:pPr lvl="1"/>
+            <a:r>
+              <a:rPr lang="en-US" altLang="zh-CN" sz="1800" dirty="0" smtClean="0"/>
+              <a:t>The </a:t>
+            </a:r>
+            <a:r>
+              <a:rPr lang="en-US" altLang="zh-CN" sz="1800" dirty="0"/>
+              <a:t>VS solution file is at npcap-0.994\packetWin7\vs14</a:t>
+            </a:r>
+            <a:endParaRPr lang="zh-CN" altLang="en-US" sz="1800" dirty="0"/>
+          </a:p>
+        </p:txBody>
+      </p:sp>
+    </p:spTree>
+    <p:extLst>
+      <p:ext uri="{BB962C8B-B14F-4D97-AF65-F5344CB8AC3E}">
+        <p14:creationId xmlns:p14="http://schemas.microsoft.com/office/powerpoint/2010/main" val="3313461815"/>
+      </p:ext>
+    </p:extLst>
+  </p:cSld>
+  <p:clrMapOvr>
+    <a:masterClrMapping/>
+  </p:clrMapOvr>
+  <p:timing>
+    <p:tnLst>
+      <p:par>
+        <p:cTn id="1" dur="indefinite" restart="never" nodeType="tmRoot"/>
+      </p:par>
+    </p:tnLst>
   </p:timing>
 </p:sld>
 </file>

--- a/lab_0.pptx
+++ b/lab_0.pptx
@@ -352,7 +352,7 @@
             <a:pPr algn="l"/>
             <a:fld id="{CB446F43-867F-4F64-92FD-6C8496B9358B}" type="datetimeFigureOut">
               <a:rPr lang="zh-CN" altLang="en-US" smtClean="0"/>
-              <a:t>2019/5/10</a:t>
+              <a:t>2019/5/11</a:t>
             </a:fld>
             <a:endParaRPr lang="zh-CN" altLang="en-US"/>
           </a:p>
@@ -1504,7 +1504,7 @@
           <a:p>
             <a:fld id="{D51D64F8-606E-4201-A2DE-1AF0754CE781}" type="datetimeFigureOut">
               <a:rPr lang="zh-CN" altLang="en-US" smtClean="0"/>
-              <a:t>2019/5/10</a:t>
+              <a:t>2019/5/11</a:t>
             </a:fld>
             <a:endParaRPr lang="zh-CN" altLang="en-US"/>
           </a:p>
@@ -9415,7 +9415,26 @@
             </a:r>
             <a:r>
               <a:rPr lang="en-US" altLang="zh-CN" sz="1800" dirty="0"/>
-              <a:t>VS solution file is at npcap-0.994\packetWin7\vs14</a:t>
+              <a:t>VS solution file is at </a:t>
+            </a:r>
+            <a:r>
+              <a:rPr lang="en-US" altLang="zh-CN" sz="1800" dirty="0" smtClean="0"/>
+              <a:t>npcap-0.994\packetWin7\vs14</a:t>
+            </a:r>
+          </a:p>
+          <a:p>
+            <a:pPr lvl="1"/>
+            <a:r>
+              <a:rPr lang="en-US" altLang="zh-CN" sz="1800" dirty="0" smtClean="0"/>
+              <a:t>General=&gt;Windows SDK Version=&gt;choose 10.0.17763.0, the version 18362 does not work with my </a:t>
+            </a:r>
+            <a:r>
+              <a:rPr lang="en-US" altLang="zh-CN" sz="1800" dirty="0" err="1" smtClean="0"/>
+              <a:t>naptop</a:t>
+            </a:r>
+            <a:r>
+              <a:rPr lang="en-US" altLang="zh-CN" sz="1800" dirty="0" smtClean="0"/>
+              <a:t>, you may give a try</a:t>
             </a:r>
             <a:endParaRPr lang="zh-CN" altLang="en-US" sz="1800" dirty="0"/>
           </a:p>

--- a/lab_0.pptx
+++ b/lab_0.pptx
@@ -6,10 +6,10 @@
     <p:sldMasterId id="2147483701" r:id="rId2"/>
   </p:sldMasterIdLst>
   <p:notesMasterIdLst>
-    <p:notesMasterId r:id="rId10"/>
+    <p:notesMasterId r:id="rId13"/>
   </p:notesMasterIdLst>
   <p:handoutMasterIdLst>
-    <p:handoutMasterId r:id="rId11"/>
+    <p:handoutMasterId r:id="rId14"/>
   </p:handoutMasterIdLst>
   <p:sldIdLst>
     <p:sldId id="2193" r:id="rId3"/>
@@ -19,6 +19,9 @@
     <p:sldId id="2196" r:id="rId7"/>
     <p:sldId id="2198" r:id="rId8"/>
     <p:sldId id="2199" r:id="rId9"/>
+    <p:sldId id="2201" r:id="rId10"/>
+    <p:sldId id="2200" r:id="rId11"/>
+    <p:sldId id="2202" r:id="rId12"/>
   </p:sldIdLst>
   <p:sldSz cx="12192000" cy="6858000"/>
   <p:notesSz cx="6858000" cy="9144000"/>
@@ -136,7 +139,11 @@
           </p14:sldIdLst>
         </p14:section>
         <p14:section name="2" id="{5EE811C3-7630-4E5E-815A-355B6345B305}">
-          <p14:sldIdLst/>
+          <p14:sldIdLst>
+            <p14:sldId id="2201"/>
+            <p14:sldId id="2200"/>
+            <p14:sldId id="2202"/>
+          </p14:sldIdLst>
         </p14:section>
         <p14:section name="3" id="{0B844C94-7041-4417-99DD-3B5C7358E985}">
           <p14:sldIdLst/>
@@ -352,7 +359,7 @@
             <a:pPr algn="l"/>
             <a:fld id="{CB446F43-867F-4F64-92FD-6C8496B9358B}" type="datetimeFigureOut">
               <a:rPr lang="zh-CN" altLang="en-US" smtClean="0"/>
-              <a:t>2019/5/11</a:t>
+              <a:t>2019/5/13</a:t>
             </a:fld>
             <a:endParaRPr lang="zh-CN" altLang="en-US"/>
           </a:p>
@@ -1504,7 +1511,7 @@
           <a:p>
             <a:fld id="{D51D64F8-606E-4201-A2DE-1AF0754CE781}" type="datetimeFigureOut">
               <a:rPr lang="zh-CN" altLang="en-US" smtClean="0"/>
-              <a:t>2019/5/11</a:t>
+              <a:t>2019/5/13</a:t>
             </a:fld>
             <a:endParaRPr lang="zh-CN" altLang="en-US"/>
           </a:p>
@@ -2812,6 +2819,282 @@
     <p:extLst>
       <p:ext uri="{BB962C8B-B14F-4D97-AF65-F5344CB8AC3E}">
         <p14:creationId xmlns:p14="http://schemas.microsoft.com/office/powerpoint/2010/main" val="2343713713"/>
+      </p:ext>
+    </p:extLst>
+  </p:cSld>
+  <p:clrMapOvr>
+    <a:masterClrMapping/>
+  </p:clrMapOvr>
+</p:notes>
+</file>
+
+<file path=ppt/notesSlides/notesSlide7.xml><?xml version="1.0" encoding="utf-8"?>
+<p:notes xmlns:a="http://schemas.openxmlformats.org/drawingml/2006/main" xmlns:r="http://schemas.openxmlformats.org/officeDocument/2006/relationships" xmlns:p="http://schemas.openxmlformats.org/presentationml/2006/main">
+  <p:cSld>
+    <p:spTree>
+      <p:nvGrpSpPr>
+        <p:cNvPr id="1" name=""/>
+        <p:cNvGrpSpPr/>
+        <p:nvPr/>
+      </p:nvGrpSpPr>
+      <p:grpSpPr>
+        <a:xfrm>
+          <a:off x="0" y="0"/>
+          <a:ext cx="0" cy="0"/>
+          <a:chOff x="0" y="0"/>
+          <a:chExt cx="0" cy="0"/>
+        </a:xfrm>
+      </p:grpSpPr>
+      <p:sp>
+        <p:nvSpPr>
+          <p:cNvPr id="2" name="幻灯片图像占位符 1"/>
+          <p:cNvSpPr>
+            <a:spLocks noGrp="1" noRot="1" noChangeAspect="1"/>
+          </p:cNvSpPr>
+          <p:nvPr>
+            <p:ph type="sldImg"/>
+          </p:nvPr>
+        </p:nvSpPr>
+        <p:spPr/>
+      </p:sp>
+      <p:sp>
+        <p:nvSpPr>
+          <p:cNvPr id="3" name="备注占位符 2"/>
+          <p:cNvSpPr>
+            <a:spLocks noGrp="1"/>
+          </p:cNvSpPr>
+          <p:nvPr>
+            <p:ph type="body" idx="1"/>
+          </p:nvPr>
+        </p:nvSpPr>
+        <p:spPr/>
+        <p:txBody>
+          <a:bodyPr/>
+          <a:lstStyle/>
+          <a:p>
+            <a:endParaRPr lang="zh-CN" altLang="en-US" dirty="0"/>
+          </a:p>
+        </p:txBody>
+      </p:sp>
+      <p:sp>
+        <p:nvSpPr>
+          <p:cNvPr id="4" name="灯片编号占位符 3"/>
+          <p:cNvSpPr>
+            <a:spLocks noGrp="1"/>
+          </p:cNvSpPr>
+          <p:nvPr>
+            <p:ph type="sldNum" sz="quarter" idx="10"/>
+          </p:nvPr>
+        </p:nvSpPr>
+        <p:spPr/>
+        <p:txBody>
+          <a:bodyPr/>
+          <a:lstStyle/>
+          <a:p>
+            <a:r>
+              <a:rPr lang="zh-CN" altLang="en-US" smtClean="0"/>
+              <a:t>第 </a:t>
+            </a:r>
+            <a:fld id="{CE884005-AAD7-43DA-8323-709AF992FEE5}" type="slidenum">
+              <a:rPr lang="zh-CN" altLang="en-US" smtClean="0"/>
+              <a:t>8</a:t>
+            </a:fld>
+            <a:r>
+              <a:rPr lang="zh-CN" altLang="en-US" smtClean="0"/>
+              <a:t> 页</a:t>
+            </a:r>
+            <a:endParaRPr lang="zh-CN" altLang="en-US" dirty="0"/>
+          </a:p>
+        </p:txBody>
+      </p:sp>
+    </p:spTree>
+    <p:extLst>
+      <p:ext uri="{BB962C8B-B14F-4D97-AF65-F5344CB8AC3E}">
+        <p14:creationId xmlns:p14="http://schemas.microsoft.com/office/powerpoint/2010/main" val="1713977222"/>
+      </p:ext>
+    </p:extLst>
+  </p:cSld>
+  <p:clrMapOvr>
+    <a:masterClrMapping/>
+  </p:clrMapOvr>
+</p:notes>
+</file>
+
+<file path=ppt/notesSlides/notesSlide8.xml><?xml version="1.0" encoding="utf-8"?>
+<p:notes xmlns:a="http://schemas.openxmlformats.org/drawingml/2006/main" xmlns:r="http://schemas.openxmlformats.org/officeDocument/2006/relationships" xmlns:p="http://schemas.openxmlformats.org/presentationml/2006/main">
+  <p:cSld>
+    <p:spTree>
+      <p:nvGrpSpPr>
+        <p:cNvPr id="1" name=""/>
+        <p:cNvGrpSpPr/>
+        <p:nvPr/>
+      </p:nvGrpSpPr>
+      <p:grpSpPr>
+        <a:xfrm>
+          <a:off x="0" y="0"/>
+          <a:ext cx="0" cy="0"/>
+          <a:chOff x="0" y="0"/>
+          <a:chExt cx="0" cy="0"/>
+        </a:xfrm>
+      </p:grpSpPr>
+      <p:sp>
+        <p:nvSpPr>
+          <p:cNvPr id="2" name="幻灯片图像占位符 1"/>
+          <p:cNvSpPr>
+            <a:spLocks noGrp="1" noRot="1" noChangeAspect="1"/>
+          </p:cNvSpPr>
+          <p:nvPr>
+            <p:ph type="sldImg"/>
+          </p:nvPr>
+        </p:nvSpPr>
+        <p:spPr/>
+      </p:sp>
+      <p:sp>
+        <p:nvSpPr>
+          <p:cNvPr id="3" name="备注占位符 2"/>
+          <p:cNvSpPr>
+            <a:spLocks noGrp="1"/>
+          </p:cNvSpPr>
+          <p:nvPr>
+            <p:ph type="body" idx="1"/>
+          </p:nvPr>
+        </p:nvSpPr>
+        <p:spPr/>
+        <p:txBody>
+          <a:bodyPr/>
+          <a:lstStyle/>
+          <a:p>
+            <a:endParaRPr lang="zh-CN" altLang="en-US" dirty="0"/>
+          </a:p>
+        </p:txBody>
+      </p:sp>
+      <p:sp>
+        <p:nvSpPr>
+          <p:cNvPr id="4" name="灯片编号占位符 3"/>
+          <p:cNvSpPr>
+            <a:spLocks noGrp="1"/>
+          </p:cNvSpPr>
+          <p:nvPr>
+            <p:ph type="sldNum" sz="quarter" idx="10"/>
+          </p:nvPr>
+        </p:nvSpPr>
+        <p:spPr/>
+        <p:txBody>
+          <a:bodyPr/>
+          <a:lstStyle/>
+          <a:p>
+            <a:r>
+              <a:rPr lang="zh-CN" altLang="en-US" smtClean="0"/>
+              <a:t>第 </a:t>
+            </a:r>
+            <a:fld id="{CE884005-AAD7-43DA-8323-709AF992FEE5}" type="slidenum">
+              <a:rPr lang="zh-CN" altLang="en-US" smtClean="0"/>
+              <a:t>9</a:t>
+            </a:fld>
+            <a:r>
+              <a:rPr lang="zh-CN" altLang="en-US" smtClean="0"/>
+              <a:t> 页</a:t>
+            </a:r>
+            <a:endParaRPr lang="zh-CN" altLang="en-US" dirty="0"/>
+          </a:p>
+        </p:txBody>
+      </p:sp>
+    </p:spTree>
+    <p:extLst>
+      <p:ext uri="{BB962C8B-B14F-4D97-AF65-F5344CB8AC3E}">
+        <p14:creationId xmlns:p14="http://schemas.microsoft.com/office/powerpoint/2010/main" val="3132826570"/>
+      </p:ext>
+    </p:extLst>
+  </p:cSld>
+  <p:clrMapOvr>
+    <a:masterClrMapping/>
+  </p:clrMapOvr>
+</p:notes>
+</file>
+
+<file path=ppt/notesSlides/notesSlide9.xml><?xml version="1.0" encoding="utf-8"?>
+<p:notes xmlns:a="http://schemas.openxmlformats.org/drawingml/2006/main" xmlns:r="http://schemas.openxmlformats.org/officeDocument/2006/relationships" xmlns:p="http://schemas.openxmlformats.org/presentationml/2006/main">
+  <p:cSld>
+    <p:spTree>
+      <p:nvGrpSpPr>
+        <p:cNvPr id="1" name=""/>
+        <p:cNvGrpSpPr/>
+        <p:nvPr/>
+      </p:nvGrpSpPr>
+      <p:grpSpPr>
+        <a:xfrm>
+          <a:off x="0" y="0"/>
+          <a:ext cx="0" cy="0"/>
+          <a:chOff x="0" y="0"/>
+          <a:chExt cx="0" cy="0"/>
+        </a:xfrm>
+      </p:grpSpPr>
+      <p:sp>
+        <p:nvSpPr>
+          <p:cNvPr id="2" name="幻灯片图像占位符 1"/>
+          <p:cNvSpPr>
+            <a:spLocks noGrp="1" noRot="1" noChangeAspect="1"/>
+          </p:cNvSpPr>
+          <p:nvPr>
+            <p:ph type="sldImg"/>
+          </p:nvPr>
+        </p:nvSpPr>
+        <p:spPr/>
+      </p:sp>
+      <p:sp>
+        <p:nvSpPr>
+          <p:cNvPr id="3" name="备注占位符 2"/>
+          <p:cNvSpPr>
+            <a:spLocks noGrp="1"/>
+          </p:cNvSpPr>
+          <p:nvPr>
+            <p:ph type="body" idx="1"/>
+          </p:nvPr>
+        </p:nvSpPr>
+        <p:spPr/>
+        <p:txBody>
+          <a:bodyPr/>
+          <a:lstStyle/>
+          <a:p>
+            <a:endParaRPr lang="zh-CN" altLang="en-US" dirty="0"/>
+          </a:p>
+        </p:txBody>
+      </p:sp>
+      <p:sp>
+        <p:nvSpPr>
+          <p:cNvPr id="4" name="灯片编号占位符 3"/>
+          <p:cNvSpPr>
+            <a:spLocks noGrp="1"/>
+          </p:cNvSpPr>
+          <p:nvPr>
+            <p:ph type="sldNum" sz="quarter" idx="10"/>
+          </p:nvPr>
+        </p:nvSpPr>
+        <p:spPr/>
+        <p:txBody>
+          <a:bodyPr/>
+          <a:lstStyle/>
+          <a:p>
+            <a:r>
+              <a:rPr lang="zh-CN" altLang="en-US" smtClean="0"/>
+              <a:t>第 </a:t>
+            </a:r>
+            <a:fld id="{CE884005-AAD7-43DA-8323-709AF992FEE5}" type="slidenum">
+              <a:rPr lang="zh-CN" altLang="en-US" smtClean="0"/>
+              <a:t>10</a:t>
+            </a:fld>
+            <a:r>
+              <a:rPr lang="zh-CN" altLang="en-US" smtClean="0"/>
+              <a:t> 页</a:t>
+            </a:r>
+            <a:endParaRPr lang="zh-CN" altLang="en-US" dirty="0"/>
+          </a:p>
+        </p:txBody>
+      </p:sp>
+    </p:spTree>
+    <p:extLst>
+      <p:ext uri="{BB962C8B-B14F-4D97-AF65-F5344CB8AC3E}">
+        <p14:creationId xmlns:p14="http://schemas.microsoft.com/office/powerpoint/2010/main" val="2342498194"/>
       </p:ext>
     </p:extLst>
   </p:cSld>
@@ -6560,6 +6843,171 @@
     <p:extLst>
       <p:ext uri="{BB962C8B-B14F-4D97-AF65-F5344CB8AC3E}">
         <p14:creationId xmlns:p14="http://schemas.microsoft.com/office/powerpoint/2010/main" val="3168114600"/>
+      </p:ext>
+    </p:extLst>
+  </p:cSld>
+  <p:clrMapOvr>
+    <a:masterClrMapping/>
+  </p:clrMapOvr>
+  <p:timing>
+    <p:tnLst>
+      <p:par>
+        <p:cTn id="1" dur="indefinite" restart="never" nodeType="tmRoot"/>
+      </p:par>
+    </p:tnLst>
+  </p:timing>
+</p:sld>
+</file>
+
+<file path=ppt/slides/slide10.xml><?xml version="1.0" encoding="utf-8"?>
+<p:sld xmlns:a="http://schemas.openxmlformats.org/drawingml/2006/main" xmlns:r="http://schemas.openxmlformats.org/officeDocument/2006/relationships" xmlns:p="http://schemas.openxmlformats.org/presentationml/2006/main">
+  <p:cSld>
+    <p:spTree>
+      <p:nvGrpSpPr>
+        <p:cNvPr id="1" name=""/>
+        <p:cNvGrpSpPr/>
+        <p:nvPr/>
+      </p:nvGrpSpPr>
+      <p:grpSpPr>
+        <a:xfrm>
+          <a:off x="0" y="0"/>
+          <a:ext cx="0" cy="0"/>
+          <a:chOff x="0" y="0"/>
+          <a:chExt cx="0" cy="0"/>
+        </a:xfrm>
+      </p:grpSpPr>
+      <p:sp>
+        <p:nvSpPr>
+          <p:cNvPr id="2" name="标题 1"/>
+          <p:cNvSpPr>
+            <a:spLocks noGrp="1"/>
+          </p:cNvSpPr>
+          <p:nvPr>
+            <p:ph type="title"/>
+          </p:nvPr>
+        </p:nvSpPr>
+        <p:spPr/>
+        <p:txBody>
+          <a:bodyPr/>
+          <a:lstStyle/>
+          <a:p>
+            <a:r>
+              <a:rPr lang="en-US" altLang="zh-CN" dirty="0" smtClean="0"/>
+              <a:t>Build </a:t>
+            </a:r>
+            <a:r>
+              <a:rPr lang="en-US" altLang="zh-CN" dirty="0" err="1" smtClean="0"/>
+              <a:t>wireShark</a:t>
+            </a:r>
+            <a:endParaRPr lang="zh-CN" altLang="en-US" dirty="0"/>
+          </a:p>
+        </p:txBody>
+      </p:sp>
+      <p:sp>
+        <p:nvSpPr>
+          <p:cNvPr id="3" name="内容占位符 2"/>
+          <p:cNvSpPr>
+            <a:spLocks noGrp="1"/>
+          </p:cNvSpPr>
+          <p:nvPr>
+            <p:ph sz="half" idx="1"/>
+          </p:nvPr>
+        </p:nvSpPr>
+        <p:spPr>
+          <a:xfrm>
+            <a:off x="711200" y="1600200"/>
+            <a:ext cx="9273232" cy="4648200"/>
+          </a:xfrm>
+        </p:spPr>
+        <p:txBody>
+          <a:bodyPr/>
+          <a:lstStyle/>
+          <a:p>
+            <a:r>
+              <a:rPr lang="en-US" altLang="zh-CN" dirty="0" smtClean="0"/>
+              <a:t>Install </a:t>
+            </a:r>
+            <a:r>
+              <a:rPr lang="en-US" altLang="zh-CN" dirty="0"/>
+              <a:t>Visual Studio </a:t>
+            </a:r>
+            <a:endParaRPr lang="en-US" altLang="zh-CN" dirty="0" smtClean="0"/>
+          </a:p>
+          <a:p>
+            <a:r>
+              <a:rPr lang="en-US" altLang="zh-CN" dirty="0" smtClean="0"/>
+              <a:t>Install </a:t>
+            </a:r>
+            <a:r>
+              <a:rPr lang="en-US" altLang="zh-CN" dirty="0" smtClean="0"/>
+              <a:t>QT5</a:t>
+            </a:r>
+          </a:p>
+          <a:p>
+            <a:r>
+              <a:rPr lang="en-US" altLang="zh-CN" dirty="0" smtClean="0"/>
+              <a:t>Install </a:t>
+            </a:r>
+            <a:r>
+              <a:rPr lang="en-US" altLang="zh-CN" dirty="0" err="1" smtClean="0"/>
+              <a:t>cygwin</a:t>
+            </a:r>
+            <a:endParaRPr lang="en-US" altLang="zh-CN" dirty="0" smtClean="0"/>
+          </a:p>
+          <a:p>
+            <a:r>
+              <a:rPr lang="en-US" altLang="zh-CN" dirty="0" smtClean="0"/>
+              <a:t>python</a:t>
+            </a:r>
+          </a:p>
+          <a:p>
+            <a:r>
+              <a:rPr lang="en-US" altLang="zh-CN" dirty="0" err="1" smtClean="0"/>
+              <a:t>Cmake</a:t>
+            </a:r>
+            <a:endParaRPr lang="en-US" altLang="zh-CN" dirty="0" smtClean="0"/>
+          </a:p>
+          <a:p>
+            <a:pPr lvl="1"/>
+            <a:r>
+              <a:rPr lang="en-US" altLang="zh-CN" dirty="0" smtClean="0"/>
+              <a:t>Download </a:t>
+            </a:r>
+            <a:r>
+              <a:rPr lang="en-US" altLang="zh-CN" dirty="0" err="1" smtClean="0"/>
+              <a:t>cmake</a:t>
+            </a:r>
+            <a:r>
+              <a:rPr lang="en-US" altLang="zh-CN" dirty="0"/>
+              <a:t>: </a:t>
+            </a:r>
+            <a:r>
+              <a:rPr lang="en-US" altLang="zh-CN" dirty="0">
+                <a:hlinkClick r:id="rId3"/>
+              </a:rPr>
+              <a:t>https://cmake.org/download</a:t>
+            </a:r>
+            <a:r>
+              <a:rPr lang="en-US" altLang="zh-CN" dirty="0" smtClean="0">
+                <a:hlinkClick r:id="rId3"/>
+              </a:rPr>
+              <a:t>/</a:t>
+            </a:r>
+            <a:endParaRPr lang="en-US" altLang="zh-CN" dirty="0" smtClean="0"/>
+          </a:p>
+          <a:p>
+            <a:pPr lvl="1"/>
+            <a:endParaRPr lang="en-US" altLang="zh-CN" dirty="0" smtClean="0"/>
+          </a:p>
+          <a:p>
+            <a:endParaRPr lang="en-US" altLang="zh-CN" dirty="0"/>
+          </a:p>
+        </p:txBody>
+      </p:sp>
+    </p:spTree>
+    <p:extLst>
+      <p:ext uri="{BB962C8B-B14F-4D97-AF65-F5344CB8AC3E}">
+        <p14:creationId xmlns:p14="http://schemas.microsoft.com/office/powerpoint/2010/main" val="2026450393"/>
       </p:ext>
     </p:extLst>
   </p:cSld>
@@ -9444,6 +9892,379 @@
     <p:extLst>
       <p:ext uri="{BB962C8B-B14F-4D97-AF65-F5344CB8AC3E}">
         <p14:creationId xmlns:p14="http://schemas.microsoft.com/office/powerpoint/2010/main" val="3313461815"/>
+      </p:ext>
+    </p:extLst>
+  </p:cSld>
+  <p:clrMapOvr>
+    <a:masterClrMapping/>
+  </p:clrMapOvr>
+  <p:timing>
+    <p:tnLst>
+      <p:par>
+        <p:cTn id="1" dur="indefinite" restart="never" nodeType="tmRoot"/>
+      </p:par>
+    </p:tnLst>
+  </p:timing>
+</p:sld>
+</file>
+
+<file path=ppt/slides/slide8.xml><?xml version="1.0" encoding="utf-8"?>
+<p:sld xmlns:a="http://schemas.openxmlformats.org/drawingml/2006/main" xmlns:r="http://schemas.openxmlformats.org/officeDocument/2006/relationships" xmlns:p="http://schemas.openxmlformats.org/presentationml/2006/main">
+  <p:cSld>
+    <p:spTree>
+      <p:nvGrpSpPr>
+        <p:cNvPr id="1" name=""/>
+        <p:cNvGrpSpPr/>
+        <p:nvPr/>
+      </p:nvGrpSpPr>
+      <p:grpSpPr>
+        <a:xfrm>
+          <a:off x="0" y="0"/>
+          <a:ext cx="0" cy="0"/>
+          <a:chOff x="0" y="0"/>
+          <a:chExt cx="0" cy="0"/>
+        </a:xfrm>
+      </p:grpSpPr>
+      <p:sp>
+        <p:nvSpPr>
+          <p:cNvPr id="2" name="标题 1"/>
+          <p:cNvSpPr>
+            <a:spLocks noGrp="1"/>
+          </p:cNvSpPr>
+          <p:nvPr>
+            <p:ph type="title"/>
+          </p:nvPr>
+        </p:nvSpPr>
+        <p:spPr/>
+        <p:txBody>
+          <a:bodyPr/>
+          <a:lstStyle/>
+          <a:p>
+            <a:r>
+              <a:rPr lang="en-US" altLang="zh-CN" dirty="0" smtClean="0"/>
+              <a:t>Build </a:t>
+            </a:r>
+            <a:r>
+              <a:rPr lang="en-US" altLang="zh-CN" dirty="0" err="1" smtClean="0"/>
+              <a:t>wireShark</a:t>
+            </a:r>
+            <a:endParaRPr lang="zh-CN" altLang="en-US" dirty="0"/>
+          </a:p>
+        </p:txBody>
+      </p:sp>
+      <p:sp>
+        <p:nvSpPr>
+          <p:cNvPr id="3" name="内容占位符 2"/>
+          <p:cNvSpPr>
+            <a:spLocks noGrp="1"/>
+          </p:cNvSpPr>
+          <p:nvPr>
+            <p:ph sz="half" idx="1"/>
+          </p:nvPr>
+        </p:nvSpPr>
+        <p:spPr>
+          <a:xfrm>
+            <a:off x="711200" y="1600200"/>
+            <a:ext cx="9273232" cy="4648200"/>
+          </a:xfrm>
+        </p:spPr>
+        <p:txBody>
+          <a:bodyPr/>
+          <a:lstStyle/>
+          <a:p>
+            <a:r>
+              <a:rPr lang="en-US" altLang="zh-CN" dirty="0" smtClean="0"/>
+              <a:t>Install </a:t>
+            </a:r>
+            <a:r>
+              <a:rPr lang="en-US" altLang="zh-CN" dirty="0"/>
+              <a:t>Visual Studio </a:t>
+            </a:r>
+            <a:endParaRPr lang="en-US" altLang="zh-CN" dirty="0" smtClean="0"/>
+          </a:p>
+          <a:p>
+            <a:pPr lvl="1"/>
+            <a:r>
+              <a:rPr lang="en-US" altLang="zh-CN" sz="1800" dirty="0"/>
+              <a:t>corresponding SDK</a:t>
+            </a:r>
+          </a:p>
+          <a:p>
+            <a:r>
+              <a:rPr lang="en-US" altLang="zh-CN" dirty="0" smtClean="0"/>
+              <a:t>Install QT5</a:t>
+            </a:r>
+          </a:p>
+          <a:p>
+            <a:r>
+              <a:rPr lang="en-US" altLang="zh-CN" dirty="0" smtClean="0"/>
+              <a:t>Install </a:t>
+            </a:r>
+            <a:r>
+              <a:rPr lang="en-US" altLang="zh-CN" dirty="0" err="1" smtClean="0"/>
+              <a:t>cygwin</a:t>
+            </a:r>
+            <a:endParaRPr lang="en-US" altLang="zh-CN" dirty="0" smtClean="0"/>
+          </a:p>
+          <a:p>
+            <a:r>
+              <a:rPr lang="en-US" altLang="zh-CN" dirty="0" smtClean="0"/>
+              <a:t>python</a:t>
+            </a:r>
+          </a:p>
+          <a:p>
+            <a:r>
+              <a:rPr lang="en-US" altLang="zh-CN" dirty="0" err="1" smtClean="0"/>
+              <a:t>cmake</a:t>
+            </a:r>
+            <a:endParaRPr lang="en-US" altLang="zh-CN" dirty="0" smtClean="0"/>
+          </a:p>
+          <a:p>
+            <a:endParaRPr lang="en-US" altLang="zh-CN" dirty="0"/>
+          </a:p>
+        </p:txBody>
+      </p:sp>
+    </p:spTree>
+    <p:extLst>
+      <p:ext uri="{BB962C8B-B14F-4D97-AF65-F5344CB8AC3E}">
+        <p14:creationId xmlns:p14="http://schemas.microsoft.com/office/powerpoint/2010/main" val="1987192962"/>
+      </p:ext>
+    </p:extLst>
+  </p:cSld>
+  <p:clrMapOvr>
+    <a:masterClrMapping/>
+  </p:clrMapOvr>
+  <p:timing>
+    <p:tnLst>
+      <p:par>
+        <p:cTn id="1" dur="indefinite" restart="never" nodeType="tmRoot"/>
+      </p:par>
+    </p:tnLst>
+  </p:timing>
+</p:sld>
+</file>
+
+<file path=ppt/slides/slide9.xml><?xml version="1.0" encoding="utf-8"?>
+<p:sld xmlns:a="http://schemas.openxmlformats.org/drawingml/2006/main" xmlns:r="http://schemas.openxmlformats.org/officeDocument/2006/relationships" xmlns:p="http://schemas.openxmlformats.org/presentationml/2006/main">
+  <p:cSld>
+    <p:spTree>
+      <p:nvGrpSpPr>
+        <p:cNvPr id="1" name=""/>
+        <p:cNvGrpSpPr/>
+        <p:nvPr/>
+      </p:nvGrpSpPr>
+      <p:grpSpPr>
+        <a:xfrm>
+          <a:off x="0" y="0"/>
+          <a:ext cx="0" cy="0"/>
+          <a:chOff x="0" y="0"/>
+          <a:chExt cx="0" cy="0"/>
+        </a:xfrm>
+      </p:grpSpPr>
+      <p:sp>
+        <p:nvSpPr>
+          <p:cNvPr id="2" name="标题 1"/>
+          <p:cNvSpPr>
+            <a:spLocks noGrp="1"/>
+          </p:cNvSpPr>
+          <p:nvPr>
+            <p:ph type="title"/>
+          </p:nvPr>
+        </p:nvSpPr>
+        <p:spPr/>
+        <p:txBody>
+          <a:bodyPr/>
+          <a:lstStyle/>
+          <a:p>
+            <a:r>
+              <a:rPr lang="en-US" altLang="zh-CN" dirty="0" smtClean="0"/>
+              <a:t>Build </a:t>
+            </a:r>
+            <a:r>
+              <a:rPr lang="en-US" altLang="zh-CN" dirty="0" err="1" smtClean="0"/>
+              <a:t>wireShark</a:t>
+            </a:r>
+            <a:endParaRPr lang="zh-CN" altLang="en-US" dirty="0"/>
+          </a:p>
+        </p:txBody>
+      </p:sp>
+      <p:sp>
+        <p:nvSpPr>
+          <p:cNvPr id="3" name="内容占位符 2"/>
+          <p:cNvSpPr>
+            <a:spLocks noGrp="1"/>
+          </p:cNvSpPr>
+          <p:nvPr>
+            <p:ph sz="half" idx="1"/>
+          </p:nvPr>
+        </p:nvSpPr>
+        <p:spPr>
+          <a:xfrm>
+            <a:off x="711200" y="1600200"/>
+            <a:ext cx="9273232" cy="4648200"/>
+          </a:xfrm>
+        </p:spPr>
+        <p:txBody>
+          <a:bodyPr/>
+          <a:lstStyle/>
+          <a:p>
+            <a:r>
+              <a:rPr lang="en-US" altLang="zh-CN" dirty="0" smtClean="0"/>
+              <a:t>Install </a:t>
+            </a:r>
+            <a:r>
+              <a:rPr lang="en-US" altLang="zh-CN" dirty="0"/>
+              <a:t>Visual </a:t>
+            </a:r>
+            <a:r>
+              <a:rPr lang="en-US" altLang="zh-CN" dirty="0" smtClean="0"/>
+              <a:t>Studio</a:t>
+            </a:r>
+          </a:p>
+          <a:p>
+            <a:r>
+              <a:rPr lang="en-US" altLang="zh-CN" dirty="0" smtClean="0"/>
+              <a:t>Install QT5</a:t>
+            </a:r>
+          </a:p>
+          <a:p>
+            <a:pPr lvl="1"/>
+            <a:r>
+              <a:rPr lang="en-US" altLang="zh-CN" sz="1800" dirty="0"/>
+              <a:t>Go to </a:t>
+            </a:r>
+            <a:r>
+              <a:rPr lang="en-US" altLang="zh-CN" sz="1800" dirty="0">
+                <a:hlinkClick r:id="rId3"/>
+              </a:rPr>
+              <a:t>https://www.qt.io/developers</a:t>
+            </a:r>
+            <a:r>
+              <a:rPr lang="en-US" altLang="zh-CN" sz="1800" dirty="0" smtClean="0">
+                <a:hlinkClick r:id="rId3"/>
+              </a:rPr>
+              <a:t>/</a:t>
+            </a:r>
+            <a:r>
+              <a:rPr lang="en-US" altLang="zh-CN" sz="1800" dirty="0" smtClean="0"/>
+              <a:t> to download </a:t>
+            </a:r>
+            <a:r>
+              <a:rPr lang="en-US" altLang="zh-CN" sz="1800" dirty="0" err="1" smtClean="0"/>
+              <a:t>opensource</a:t>
+            </a:r>
+            <a:r>
+              <a:rPr lang="en-US" altLang="zh-CN" sz="1800" dirty="0" smtClean="0"/>
+              <a:t> </a:t>
+            </a:r>
+            <a:r>
+              <a:rPr lang="en-US" altLang="zh-CN" sz="1800" dirty="0" err="1" smtClean="0"/>
+              <a:t>qt</a:t>
+            </a:r>
+            <a:r>
+              <a:rPr lang="en-US" altLang="zh-CN" sz="1800" dirty="0" smtClean="0"/>
+              <a:t> 5.12.3</a:t>
+            </a:r>
+            <a:endParaRPr lang="en-US" altLang="zh-CN" sz="1800" dirty="0"/>
+          </a:p>
+          <a:p>
+            <a:pPr lvl="1"/>
+            <a:r>
+              <a:rPr lang="en-US" altLang="zh-CN" sz="1800" dirty="0" err="1"/>
+              <a:t>Config</a:t>
+            </a:r>
+            <a:r>
+              <a:rPr lang="en-US" altLang="zh-CN" sz="1800" dirty="0"/>
+              <a:t> QT plugin in VS2017 </a:t>
+            </a:r>
+          </a:p>
+          <a:p>
+            <a:pPr lvl="2"/>
+            <a:r>
+              <a:rPr lang="en-US" altLang="zh-CN" sz="1400" dirty="0"/>
+              <a:t> tools -&gt; extensions and updates -&gt; </a:t>
+            </a:r>
+            <a:r>
+              <a:rPr lang="en-US" altLang="zh-CN" sz="1400" dirty="0" err="1"/>
+              <a:t>onlinw</a:t>
+            </a:r>
+            <a:r>
+              <a:rPr lang="en-US" altLang="zh-CN" sz="1400" dirty="0"/>
+              <a:t> -&gt; </a:t>
+            </a:r>
+            <a:r>
+              <a:rPr lang="en-US" altLang="zh-CN" sz="1400" dirty="0" err="1"/>
+              <a:t>Qt</a:t>
+            </a:r>
+            <a:r>
+              <a:rPr lang="en-US" altLang="zh-CN" sz="1400" dirty="0"/>
+              <a:t> Visual Studio Tools</a:t>
+            </a:r>
+          </a:p>
+          <a:p>
+            <a:pPr lvl="1"/>
+            <a:r>
+              <a:rPr lang="en-US" altLang="zh-CN" sz="1800" dirty="0" smtClean="0"/>
+              <a:t>Set </a:t>
+            </a:r>
+            <a:r>
+              <a:rPr lang="en-US" altLang="zh-CN" sz="1800" dirty="0" err="1" smtClean="0"/>
+              <a:t>env</a:t>
+            </a:r>
+            <a:r>
+              <a:rPr lang="en-US" altLang="zh-CN" sz="1800" dirty="0" smtClean="0"/>
+              <a:t> QT5_BASE_DIR to be </a:t>
+            </a:r>
+            <a:r>
+              <a:rPr lang="en-US" altLang="zh-CN" sz="1800" dirty="0" smtClean="0"/>
+              <a:t>like </a:t>
+            </a:r>
+            <a:r>
+              <a:rPr lang="en-US" altLang="zh-CN" sz="1800" dirty="0" smtClean="0"/>
+              <a:t>D</a:t>
+            </a:r>
+            <a:r>
+              <a:rPr lang="en-US" altLang="zh-CN" sz="1800" dirty="0"/>
+              <a:t>:\</a:t>
+            </a:r>
+            <a:r>
+              <a:rPr lang="en-US" altLang="zh-CN" sz="1800" dirty="0" smtClean="0"/>
+              <a:t>Qt\Qt5.12.3\5.12.3\msvc2017_64</a:t>
+            </a:r>
+          </a:p>
+          <a:p>
+            <a:r>
+              <a:rPr lang="en-US" altLang="zh-CN" dirty="0" smtClean="0"/>
+              <a:t>Install </a:t>
+            </a:r>
+            <a:r>
+              <a:rPr lang="en-US" altLang="zh-CN" dirty="0" err="1" smtClean="0"/>
+              <a:t>cygwin</a:t>
+            </a:r>
+            <a:endParaRPr lang="en-US" altLang="zh-CN" dirty="0" smtClean="0"/>
+          </a:p>
+          <a:p>
+            <a:r>
+              <a:rPr lang="en-US" altLang="zh-CN" dirty="0" smtClean="0"/>
+              <a:t>python</a:t>
+            </a:r>
+          </a:p>
+          <a:p>
+            <a:r>
+              <a:rPr lang="en-US" altLang="zh-CN" dirty="0" err="1" smtClean="0"/>
+              <a:t>cmake</a:t>
+            </a:r>
+            <a:endParaRPr lang="en-US" altLang="zh-CN" dirty="0" smtClean="0"/>
+          </a:p>
+          <a:p>
+            <a:endParaRPr lang="en-US" altLang="zh-CN" dirty="0"/>
+          </a:p>
+        </p:txBody>
+      </p:sp>
+    </p:spTree>
+    <p:extLst>
+      <p:ext uri="{BB962C8B-B14F-4D97-AF65-F5344CB8AC3E}">
+        <p14:creationId xmlns:p14="http://schemas.microsoft.com/office/powerpoint/2010/main" val="2842578597"/>
       </p:ext>
     </p:extLst>
   </p:cSld>

--- a/lab_0.pptx
+++ b/lab_0.pptx
@@ -6,10 +6,10 @@
     <p:sldMasterId id="2147483701" r:id="rId2"/>
   </p:sldMasterIdLst>
   <p:notesMasterIdLst>
-    <p:notesMasterId r:id="rId13"/>
+    <p:notesMasterId r:id="rId17"/>
   </p:notesMasterIdLst>
   <p:handoutMasterIdLst>
-    <p:handoutMasterId r:id="rId14"/>
+    <p:handoutMasterId r:id="rId18"/>
   </p:handoutMasterIdLst>
   <p:sldIdLst>
     <p:sldId id="2193" r:id="rId3"/>
@@ -22,6 +22,10 @@
     <p:sldId id="2201" r:id="rId10"/>
     <p:sldId id="2200" r:id="rId11"/>
     <p:sldId id="2202" r:id="rId12"/>
+    <p:sldId id="2203" r:id="rId13"/>
+    <p:sldId id="2204" r:id="rId14"/>
+    <p:sldId id="2205" r:id="rId15"/>
+    <p:sldId id="2206" r:id="rId16"/>
   </p:sldIdLst>
   <p:sldSz cx="12192000" cy="6858000"/>
   <p:notesSz cx="6858000" cy="9144000"/>
@@ -143,6 +147,10 @@
             <p14:sldId id="2201"/>
             <p14:sldId id="2200"/>
             <p14:sldId id="2202"/>
+            <p14:sldId id="2203"/>
+            <p14:sldId id="2204"/>
+            <p14:sldId id="2205"/>
+            <p14:sldId id="2206"/>
           </p14:sldIdLst>
         </p14:section>
         <p14:section name="3" id="{0B844C94-7041-4417-99DD-3B5C7358E985}">
@@ -2146,6 +2154,374 @@
 </p:notes>
 </file>
 
+<file path=ppt/notesSlides/notesSlide10.xml><?xml version="1.0" encoding="utf-8"?>
+<p:notes xmlns:a="http://schemas.openxmlformats.org/drawingml/2006/main" xmlns:r="http://schemas.openxmlformats.org/officeDocument/2006/relationships" xmlns:p="http://schemas.openxmlformats.org/presentationml/2006/main">
+  <p:cSld>
+    <p:spTree>
+      <p:nvGrpSpPr>
+        <p:cNvPr id="1" name=""/>
+        <p:cNvGrpSpPr/>
+        <p:nvPr/>
+      </p:nvGrpSpPr>
+      <p:grpSpPr>
+        <a:xfrm>
+          <a:off x="0" y="0"/>
+          <a:ext cx="0" cy="0"/>
+          <a:chOff x="0" y="0"/>
+          <a:chExt cx="0" cy="0"/>
+        </a:xfrm>
+      </p:grpSpPr>
+      <p:sp>
+        <p:nvSpPr>
+          <p:cNvPr id="2" name="幻灯片图像占位符 1"/>
+          <p:cNvSpPr>
+            <a:spLocks noGrp="1" noRot="1" noChangeAspect="1"/>
+          </p:cNvSpPr>
+          <p:nvPr>
+            <p:ph type="sldImg"/>
+          </p:nvPr>
+        </p:nvSpPr>
+        <p:spPr/>
+      </p:sp>
+      <p:sp>
+        <p:nvSpPr>
+          <p:cNvPr id="3" name="备注占位符 2"/>
+          <p:cNvSpPr>
+            <a:spLocks noGrp="1"/>
+          </p:cNvSpPr>
+          <p:nvPr>
+            <p:ph type="body" idx="1"/>
+          </p:nvPr>
+        </p:nvSpPr>
+        <p:spPr/>
+        <p:txBody>
+          <a:bodyPr/>
+          <a:lstStyle/>
+          <a:p>
+            <a:endParaRPr lang="zh-CN" altLang="en-US" dirty="0"/>
+          </a:p>
+        </p:txBody>
+      </p:sp>
+      <p:sp>
+        <p:nvSpPr>
+          <p:cNvPr id="4" name="灯片编号占位符 3"/>
+          <p:cNvSpPr>
+            <a:spLocks noGrp="1"/>
+          </p:cNvSpPr>
+          <p:nvPr>
+            <p:ph type="sldNum" sz="quarter" idx="10"/>
+          </p:nvPr>
+        </p:nvSpPr>
+        <p:spPr/>
+        <p:txBody>
+          <a:bodyPr/>
+          <a:lstStyle/>
+          <a:p>
+            <a:r>
+              <a:rPr lang="zh-CN" altLang="en-US" smtClean="0"/>
+              <a:t>第 </a:t>
+            </a:r>
+            <a:fld id="{CE884005-AAD7-43DA-8323-709AF992FEE5}" type="slidenum">
+              <a:rPr lang="zh-CN" altLang="en-US" smtClean="0"/>
+              <a:t>11</a:t>
+            </a:fld>
+            <a:r>
+              <a:rPr lang="zh-CN" altLang="en-US" smtClean="0"/>
+              <a:t> 页</a:t>
+            </a:r>
+            <a:endParaRPr lang="zh-CN" altLang="en-US" dirty="0"/>
+          </a:p>
+        </p:txBody>
+      </p:sp>
+    </p:spTree>
+    <p:extLst>
+      <p:ext uri="{BB962C8B-B14F-4D97-AF65-F5344CB8AC3E}">
+        <p14:creationId xmlns:p14="http://schemas.microsoft.com/office/powerpoint/2010/main" val="2049585812"/>
+      </p:ext>
+    </p:extLst>
+  </p:cSld>
+  <p:clrMapOvr>
+    <a:masterClrMapping/>
+  </p:clrMapOvr>
+</p:notes>
+</file>
+
+<file path=ppt/notesSlides/notesSlide11.xml><?xml version="1.0" encoding="utf-8"?>
+<p:notes xmlns:a="http://schemas.openxmlformats.org/drawingml/2006/main" xmlns:r="http://schemas.openxmlformats.org/officeDocument/2006/relationships" xmlns:p="http://schemas.openxmlformats.org/presentationml/2006/main">
+  <p:cSld>
+    <p:spTree>
+      <p:nvGrpSpPr>
+        <p:cNvPr id="1" name=""/>
+        <p:cNvGrpSpPr/>
+        <p:nvPr/>
+      </p:nvGrpSpPr>
+      <p:grpSpPr>
+        <a:xfrm>
+          <a:off x="0" y="0"/>
+          <a:ext cx="0" cy="0"/>
+          <a:chOff x="0" y="0"/>
+          <a:chExt cx="0" cy="0"/>
+        </a:xfrm>
+      </p:grpSpPr>
+      <p:sp>
+        <p:nvSpPr>
+          <p:cNvPr id="2" name="幻灯片图像占位符 1"/>
+          <p:cNvSpPr>
+            <a:spLocks noGrp="1" noRot="1" noChangeAspect="1"/>
+          </p:cNvSpPr>
+          <p:nvPr>
+            <p:ph type="sldImg"/>
+          </p:nvPr>
+        </p:nvSpPr>
+        <p:spPr/>
+      </p:sp>
+      <p:sp>
+        <p:nvSpPr>
+          <p:cNvPr id="3" name="备注占位符 2"/>
+          <p:cNvSpPr>
+            <a:spLocks noGrp="1"/>
+          </p:cNvSpPr>
+          <p:nvPr>
+            <p:ph type="body" idx="1"/>
+          </p:nvPr>
+        </p:nvSpPr>
+        <p:spPr/>
+        <p:txBody>
+          <a:bodyPr/>
+          <a:lstStyle/>
+          <a:p>
+            <a:endParaRPr lang="zh-CN" altLang="en-US" dirty="0"/>
+          </a:p>
+        </p:txBody>
+      </p:sp>
+      <p:sp>
+        <p:nvSpPr>
+          <p:cNvPr id="4" name="灯片编号占位符 3"/>
+          <p:cNvSpPr>
+            <a:spLocks noGrp="1"/>
+          </p:cNvSpPr>
+          <p:nvPr>
+            <p:ph type="sldNum" sz="quarter" idx="10"/>
+          </p:nvPr>
+        </p:nvSpPr>
+        <p:spPr/>
+        <p:txBody>
+          <a:bodyPr/>
+          <a:lstStyle/>
+          <a:p>
+            <a:r>
+              <a:rPr lang="zh-CN" altLang="en-US" smtClean="0"/>
+              <a:t>第 </a:t>
+            </a:r>
+            <a:fld id="{CE884005-AAD7-43DA-8323-709AF992FEE5}" type="slidenum">
+              <a:rPr lang="zh-CN" altLang="en-US" smtClean="0"/>
+              <a:t>12</a:t>
+            </a:fld>
+            <a:r>
+              <a:rPr lang="zh-CN" altLang="en-US" smtClean="0"/>
+              <a:t> 页</a:t>
+            </a:r>
+            <a:endParaRPr lang="zh-CN" altLang="en-US" dirty="0"/>
+          </a:p>
+        </p:txBody>
+      </p:sp>
+    </p:spTree>
+    <p:extLst>
+      <p:ext uri="{BB962C8B-B14F-4D97-AF65-F5344CB8AC3E}">
+        <p14:creationId xmlns:p14="http://schemas.microsoft.com/office/powerpoint/2010/main" val="2252042606"/>
+      </p:ext>
+    </p:extLst>
+  </p:cSld>
+  <p:clrMapOvr>
+    <a:masterClrMapping/>
+  </p:clrMapOvr>
+</p:notes>
+</file>
+
+<file path=ppt/notesSlides/notesSlide12.xml><?xml version="1.0" encoding="utf-8"?>
+<p:notes xmlns:a="http://schemas.openxmlformats.org/drawingml/2006/main" xmlns:r="http://schemas.openxmlformats.org/officeDocument/2006/relationships" xmlns:p="http://schemas.openxmlformats.org/presentationml/2006/main">
+  <p:cSld>
+    <p:spTree>
+      <p:nvGrpSpPr>
+        <p:cNvPr id="1" name=""/>
+        <p:cNvGrpSpPr/>
+        <p:nvPr/>
+      </p:nvGrpSpPr>
+      <p:grpSpPr>
+        <a:xfrm>
+          <a:off x="0" y="0"/>
+          <a:ext cx="0" cy="0"/>
+          <a:chOff x="0" y="0"/>
+          <a:chExt cx="0" cy="0"/>
+        </a:xfrm>
+      </p:grpSpPr>
+      <p:sp>
+        <p:nvSpPr>
+          <p:cNvPr id="2" name="幻灯片图像占位符 1"/>
+          <p:cNvSpPr>
+            <a:spLocks noGrp="1" noRot="1" noChangeAspect="1"/>
+          </p:cNvSpPr>
+          <p:nvPr>
+            <p:ph type="sldImg"/>
+          </p:nvPr>
+        </p:nvSpPr>
+        <p:spPr/>
+      </p:sp>
+      <p:sp>
+        <p:nvSpPr>
+          <p:cNvPr id="3" name="备注占位符 2"/>
+          <p:cNvSpPr>
+            <a:spLocks noGrp="1"/>
+          </p:cNvSpPr>
+          <p:nvPr>
+            <p:ph type="body" idx="1"/>
+          </p:nvPr>
+        </p:nvSpPr>
+        <p:spPr/>
+        <p:txBody>
+          <a:bodyPr/>
+          <a:lstStyle/>
+          <a:p>
+            <a:endParaRPr lang="zh-CN" altLang="en-US" dirty="0"/>
+          </a:p>
+        </p:txBody>
+      </p:sp>
+      <p:sp>
+        <p:nvSpPr>
+          <p:cNvPr id="4" name="灯片编号占位符 3"/>
+          <p:cNvSpPr>
+            <a:spLocks noGrp="1"/>
+          </p:cNvSpPr>
+          <p:nvPr>
+            <p:ph type="sldNum" sz="quarter" idx="10"/>
+          </p:nvPr>
+        </p:nvSpPr>
+        <p:spPr/>
+        <p:txBody>
+          <a:bodyPr/>
+          <a:lstStyle/>
+          <a:p>
+            <a:r>
+              <a:rPr lang="zh-CN" altLang="en-US" smtClean="0"/>
+              <a:t>第 </a:t>
+            </a:r>
+            <a:fld id="{CE884005-AAD7-43DA-8323-709AF992FEE5}" type="slidenum">
+              <a:rPr lang="zh-CN" altLang="en-US" smtClean="0"/>
+              <a:t>13</a:t>
+            </a:fld>
+            <a:r>
+              <a:rPr lang="zh-CN" altLang="en-US" smtClean="0"/>
+              <a:t> 页</a:t>
+            </a:r>
+            <a:endParaRPr lang="zh-CN" altLang="en-US" dirty="0"/>
+          </a:p>
+        </p:txBody>
+      </p:sp>
+    </p:spTree>
+    <p:extLst>
+      <p:ext uri="{BB962C8B-B14F-4D97-AF65-F5344CB8AC3E}">
+        <p14:creationId xmlns:p14="http://schemas.microsoft.com/office/powerpoint/2010/main" val="3273547950"/>
+      </p:ext>
+    </p:extLst>
+  </p:cSld>
+  <p:clrMapOvr>
+    <a:masterClrMapping/>
+  </p:clrMapOvr>
+</p:notes>
+</file>
+
+<file path=ppt/notesSlides/notesSlide13.xml><?xml version="1.0" encoding="utf-8"?>
+<p:notes xmlns:a="http://schemas.openxmlformats.org/drawingml/2006/main" xmlns:r="http://schemas.openxmlformats.org/officeDocument/2006/relationships" xmlns:p="http://schemas.openxmlformats.org/presentationml/2006/main">
+  <p:cSld>
+    <p:spTree>
+      <p:nvGrpSpPr>
+        <p:cNvPr id="1" name=""/>
+        <p:cNvGrpSpPr/>
+        <p:nvPr/>
+      </p:nvGrpSpPr>
+      <p:grpSpPr>
+        <a:xfrm>
+          <a:off x="0" y="0"/>
+          <a:ext cx="0" cy="0"/>
+          <a:chOff x="0" y="0"/>
+          <a:chExt cx="0" cy="0"/>
+        </a:xfrm>
+      </p:grpSpPr>
+      <p:sp>
+        <p:nvSpPr>
+          <p:cNvPr id="2" name="幻灯片图像占位符 1"/>
+          <p:cNvSpPr>
+            <a:spLocks noGrp="1" noRot="1" noChangeAspect="1"/>
+          </p:cNvSpPr>
+          <p:nvPr>
+            <p:ph type="sldImg"/>
+          </p:nvPr>
+        </p:nvSpPr>
+        <p:spPr/>
+      </p:sp>
+      <p:sp>
+        <p:nvSpPr>
+          <p:cNvPr id="3" name="备注占位符 2"/>
+          <p:cNvSpPr>
+            <a:spLocks noGrp="1"/>
+          </p:cNvSpPr>
+          <p:nvPr>
+            <p:ph type="body" idx="1"/>
+          </p:nvPr>
+        </p:nvSpPr>
+        <p:spPr/>
+        <p:txBody>
+          <a:bodyPr/>
+          <a:lstStyle/>
+          <a:p>
+            <a:endParaRPr lang="zh-CN" altLang="en-US" dirty="0"/>
+          </a:p>
+        </p:txBody>
+      </p:sp>
+      <p:sp>
+        <p:nvSpPr>
+          <p:cNvPr id="4" name="灯片编号占位符 3"/>
+          <p:cNvSpPr>
+            <a:spLocks noGrp="1"/>
+          </p:cNvSpPr>
+          <p:nvPr>
+            <p:ph type="sldNum" sz="quarter" idx="10"/>
+          </p:nvPr>
+        </p:nvSpPr>
+        <p:spPr/>
+        <p:txBody>
+          <a:bodyPr/>
+          <a:lstStyle/>
+          <a:p>
+            <a:r>
+              <a:rPr lang="zh-CN" altLang="en-US" smtClean="0"/>
+              <a:t>第 </a:t>
+            </a:r>
+            <a:fld id="{CE884005-AAD7-43DA-8323-709AF992FEE5}" type="slidenum">
+              <a:rPr lang="zh-CN" altLang="en-US" smtClean="0"/>
+              <a:t>14</a:t>
+            </a:fld>
+            <a:r>
+              <a:rPr lang="zh-CN" altLang="en-US" smtClean="0"/>
+              <a:t> 页</a:t>
+            </a:r>
+            <a:endParaRPr lang="zh-CN" altLang="en-US" dirty="0"/>
+          </a:p>
+        </p:txBody>
+      </p:sp>
+    </p:spTree>
+    <p:extLst>
+      <p:ext uri="{BB962C8B-B14F-4D97-AF65-F5344CB8AC3E}">
+        <p14:creationId xmlns:p14="http://schemas.microsoft.com/office/powerpoint/2010/main" val="2098536082"/>
+      </p:ext>
+    </p:extLst>
+  </p:cSld>
+  <p:clrMapOvr>
+    <a:masterClrMapping/>
+  </p:clrMapOvr>
+</p:notes>
+</file>
+
 <file path=ppt/notesSlides/notesSlide2.xml><?xml version="1.0" encoding="utf-8"?>
 <p:notes xmlns:a="http://schemas.openxmlformats.org/drawingml/2006/main" xmlns:r="http://schemas.openxmlformats.org/officeDocument/2006/relationships" xmlns:p="http://schemas.openxmlformats.org/presentationml/2006/main">
   <p:cSld>
@@ -6997,6 +7373,18 @@
           </a:p>
           <a:p>
             <a:pPr lvl="1"/>
+            <a:r>
+              <a:rPr lang="en-US" altLang="zh-CN" dirty="0" smtClean="0"/>
+              <a:t>Install </a:t>
+            </a:r>
+            <a:r>
+              <a:rPr lang="en-US" altLang="zh-CN" dirty="0" err="1" smtClean="0"/>
+              <a:t>CMake</a:t>
+            </a:r>
+            <a:endParaRPr lang="en-US" altLang="zh-CN" dirty="0" smtClean="0"/>
+          </a:p>
+          <a:p>
+            <a:pPr lvl="1"/>
             <a:endParaRPr lang="en-US" altLang="zh-CN" dirty="0" smtClean="0"/>
           </a:p>
           <a:p>
@@ -7018,6 +7406,884 @@
     <p:tnLst>
       <p:par>
         <p:cTn id="1" dur="indefinite" restart="never" nodeType="tmRoot"/>
+      </p:par>
+    </p:tnLst>
+  </p:timing>
+</p:sld>
+</file>
+
+<file path=ppt/slides/slide11.xml><?xml version="1.0" encoding="utf-8"?>
+<p:sld xmlns:a="http://schemas.openxmlformats.org/drawingml/2006/main" xmlns:r="http://schemas.openxmlformats.org/officeDocument/2006/relationships" xmlns:p="http://schemas.openxmlformats.org/presentationml/2006/main">
+  <p:cSld>
+    <p:spTree>
+      <p:nvGrpSpPr>
+        <p:cNvPr id="1" name=""/>
+        <p:cNvGrpSpPr/>
+        <p:nvPr/>
+      </p:nvGrpSpPr>
+      <p:grpSpPr>
+        <a:xfrm>
+          <a:off x="0" y="0"/>
+          <a:ext cx="0" cy="0"/>
+          <a:chOff x="0" y="0"/>
+          <a:chExt cx="0" cy="0"/>
+        </a:xfrm>
+      </p:grpSpPr>
+      <p:sp>
+        <p:nvSpPr>
+          <p:cNvPr id="2" name="标题 1"/>
+          <p:cNvSpPr>
+            <a:spLocks noGrp="1"/>
+          </p:cNvSpPr>
+          <p:nvPr>
+            <p:ph type="title"/>
+          </p:nvPr>
+        </p:nvSpPr>
+        <p:spPr/>
+        <p:txBody>
+          <a:bodyPr/>
+          <a:lstStyle/>
+          <a:p>
+            <a:r>
+              <a:rPr lang="en-US" altLang="zh-CN" dirty="0" smtClean="0"/>
+              <a:t>Build </a:t>
+            </a:r>
+            <a:r>
+              <a:rPr lang="en-US" altLang="zh-CN" dirty="0" err="1" smtClean="0"/>
+              <a:t>wireShark</a:t>
+            </a:r>
+            <a:endParaRPr lang="zh-CN" altLang="en-US" dirty="0"/>
+          </a:p>
+        </p:txBody>
+      </p:sp>
+      <p:sp>
+        <p:nvSpPr>
+          <p:cNvPr id="3" name="内容占位符 2"/>
+          <p:cNvSpPr>
+            <a:spLocks noGrp="1"/>
+          </p:cNvSpPr>
+          <p:nvPr>
+            <p:ph sz="half" idx="1"/>
+          </p:nvPr>
+        </p:nvSpPr>
+        <p:spPr>
+          <a:xfrm>
+            <a:off x="711200" y="1600200"/>
+            <a:ext cx="9705280" cy="4648200"/>
+          </a:xfrm>
+        </p:spPr>
+        <p:txBody>
+          <a:bodyPr/>
+          <a:lstStyle/>
+          <a:p>
+            <a:r>
+              <a:rPr lang="en-US" altLang="zh-CN" dirty="0" smtClean="0"/>
+              <a:t>Download </a:t>
+            </a:r>
+            <a:r>
+              <a:rPr lang="en-US" altLang="zh-CN" dirty="0" err="1" smtClean="0"/>
+              <a:t>wireshark</a:t>
+            </a:r>
+            <a:endParaRPr lang="en-US" altLang="zh-CN" dirty="0" smtClean="0"/>
+          </a:p>
+          <a:p>
+            <a:pPr lvl="1"/>
+            <a:r>
+              <a:rPr lang="en-US" altLang="zh-CN" dirty="0">
+                <a:hlinkClick r:id="rId3"/>
+              </a:rPr>
+              <a:t>https://www.wireshark.org/#</a:t>
+            </a:r>
+            <a:r>
+              <a:rPr lang="en-US" altLang="zh-CN" dirty="0" smtClean="0">
+                <a:hlinkClick r:id="rId3"/>
+              </a:rPr>
+              <a:t>download</a:t>
+            </a:r>
+            <a:r>
+              <a:rPr lang="en-US" altLang="zh-CN" dirty="0" smtClean="0"/>
+              <a:t> click </a:t>
+            </a:r>
+            <a:r>
+              <a:rPr lang="en-US" altLang="zh-CN" dirty="0" err="1" smtClean="0"/>
+              <a:t>Sourcec</a:t>
+            </a:r>
+            <a:r>
+              <a:rPr lang="en-US" altLang="zh-CN" dirty="0" smtClean="0"/>
+              <a:t> Code </a:t>
+            </a:r>
+          </a:p>
+          <a:p>
+            <a:pPr lvl="1"/>
+            <a:r>
+              <a:rPr lang="en-US" altLang="zh-CN" dirty="0"/>
+              <a:t>download CMakeLists.txt from </a:t>
+            </a:r>
+            <a:r>
+              <a:rPr lang="en-US" altLang="zh-CN" dirty="0">
+                <a:hlinkClick r:id="rId4"/>
+              </a:rPr>
+              <a:t>https://</a:t>
+            </a:r>
+            <a:r>
+              <a:rPr lang="en-US" altLang="zh-CN" dirty="0" smtClean="0">
+                <a:hlinkClick r:id="rId4"/>
+              </a:rPr>
+              <a:t>github.com/jichenghu/PPT_networkDistributed</a:t>
+            </a:r>
+            <a:endParaRPr lang="en-US" altLang="zh-CN" dirty="0" smtClean="0"/>
+          </a:p>
+          <a:p>
+            <a:pPr lvl="1"/>
+            <a:r>
+              <a:rPr lang="en-US" altLang="zh-CN" dirty="0" smtClean="0"/>
+              <a:t>Unzip the source code of </a:t>
+            </a:r>
+            <a:r>
+              <a:rPr lang="en-US" altLang="zh-CN" dirty="0" err="1" smtClean="0"/>
+              <a:t>wireshark</a:t>
+            </a:r>
+            <a:r>
+              <a:rPr lang="en-US" altLang="zh-CN" dirty="0" smtClean="0"/>
+              <a:t>, replace the CMakeLists.txt with the one downloaded in the previous step</a:t>
+            </a:r>
+          </a:p>
+          <a:p>
+            <a:pPr lvl="1"/>
+            <a:endParaRPr lang="en-US" altLang="zh-CN" dirty="0" smtClean="0"/>
+          </a:p>
+          <a:p>
+            <a:pPr lvl="1"/>
+            <a:endParaRPr lang="en-US" altLang="zh-CN" dirty="0" smtClean="0"/>
+          </a:p>
+          <a:p>
+            <a:endParaRPr lang="en-US" altLang="zh-CN" dirty="0"/>
+          </a:p>
+        </p:txBody>
+      </p:sp>
+    </p:spTree>
+    <p:extLst>
+      <p:ext uri="{BB962C8B-B14F-4D97-AF65-F5344CB8AC3E}">
+        <p14:creationId xmlns:p14="http://schemas.microsoft.com/office/powerpoint/2010/main" val="4056176245"/>
+      </p:ext>
+    </p:extLst>
+  </p:cSld>
+  <p:clrMapOvr>
+    <a:masterClrMapping/>
+  </p:clrMapOvr>
+  <p:timing>
+    <p:tnLst>
+      <p:par>
+        <p:cTn id="1" dur="indefinite" restart="never" nodeType="tmRoot"/>
+      </p:par>
+    </p:tnLst>
+  </p:timing>
+</p:sld>
+</file>
+
+<file path=ppt/slides/slide12.xml><?xml version="1.0" encoding="utf-8"?>
+<p:sld xmlns:a="http://schemas.openxmlformats.org/drawingml/2006/main" xmlns:r="http://schemas.openxmlformats.org/officeDocument/2006/relationships" xmlns:p="http://schemas.openxmlformats.org/presentationml/2006/main">
+  <p:cSld>
+    <p:spTree>
+      <p:nvGrpSpPr>
+        <p:cNvPr id="1" name=""/>
+        <p:cNvGrpSpPr/>
+        <p:nvPr/>
+      </p:nvGrpSpPr>
+      <p:grpSpPr>
+        <a:xfrm>
+          <a:off x="0" y="0"/>
+          <a:ext cx="0" cy="0"/>
+          <a:chOff x="0" y="0"/>
+          <a:chExt cx="0" cy="0"/>
+        </a:xfrm>
+      </p:grpSpPr>
+      <p:sp>
+        <p:nvSpPr>
+          <p:cNvPr id="2" name="标题 1"/>
+          <p:cNvSpPr>
+            <a:spLocks noGrp="1"/>
+          </p:cNvSpPr>
+          <p:nvPr>
+            <p:ph type="title"/>
+          </p:nvPr>
+        </p:nvSpPr>
+        <p:spPr/>
+        <p:txBody>
+          <a:bodyPr/>
+          <a:lstStyle/>
+          <a:p>
+            <a:r>
+              <a:rPr lang="en-US" altLang="zh-CN" dirty="0"/>
+              <a:t>G</a:t>
+            </a:r>
+            <a:r>
+              <a:rPr lang="en-US" altLang="zh-CN" dirty="0" smtClean="0"/>
+              <a:t>enerate </a:t>
+            </a:r>
+            <a:r>
+              <a:rPr lang="en-US" altLang="zh-CN" dirty="0" err="1" smtClean="0"/>
+              <a:t>wireShark</a:t>
+            </a:r>
+            <a:r>
+              <a:rPr lang="en-US" altLang="zh-CN" dirty="0" smtClean="0"/>
+              <a:t> VS projects with </a:t>
+            </a:r>
+            <a:r>
+              <a:rPr lang="en-US" altLang="zh-CN" dirty="0" err="1" smtClean="0"/>
+              <a:t>CMake</a:t>
+            </a:r>
+            <a:endParaRPr lang="zh-CN" altLang="en-US" dirty="0"/>
+          </a:p>
+        </p:txBody>
+      </p:sp>
+      <p:sp>
+        <p:nvSpPr>
+          <p:cNvPr id="3" name="内容占位符 2"/>
+          <p:cNvSpPr>
+            <a:spLocks noGrp="1"/>
+          </p:cNvSpPr>
+          <p:nvPr>
+            <p:ph sz="half" idx="1"/>
+          </p:nvPr>
+        </p:nvSpPr>
+        <p:spPr>
+          <a:xfrm>
+            <a:off x="695400" y="1052736"/>
+            <a:ext cx="10209336" cy="5976664"/>
+          </a:xfrm>
+        </p:spPr>
+        <p:txBody>
+          <a:bodyPr/>
+          <a:lstStyle/>
+          <a:p>
+            <a:r>
+              <a:rPr lang="en-US" altLang="zh-CN" dirty="0" smtClean="0"/>
+              <a:t>Assume that the source code folder is C:/wireshark_src</a:t>
+            </a:r>
+          </a:p>
+          <a:p>
+            <a:r>
+              <a:rPr lang="en-US" altLang="zh-CN" dirty="0" smtClean="0"/>
+              <a:t>Create a different empty folder like C:/wireshark_build</a:t>
+            </a:r>
+            <a:endParaRPr lang="en-US" altLang="zh-CN" dirty="0" smtClean="0"/>
+          </a:p>
+          <a:p>
+            <a:pPr lvl="1"/>
+            <a:r>
+              <a:rPr lang="en-US" altLang="zh-CN" dirty="0">
+                <a:hlinkClick r:id="rId3"/>
+              </a:rPr>
+              <a:t>https://www.wireshark.org/#</a:t>
+            </a:r>
+            <a:r>
+              <a:rPr lang="en-US" altLang="zh-CN" dirty="0" smtClean="0">
+                <a:hlinkClick r:id="rId3"/>
+              </a:rPr>
+              <a:t>download</a:t>
+            </a:r>
+            <a:r>
+              <a:rPr lang="en-US" altLang="zh-CN" dirty="0" smtClean="0"/>
+              <a:t> click </a:t>
+            </a:r>
+            <a:r>
+              <a:rPr lang="en-US" altLang="zh-CN" dirty="0" err="1" smtClean="0"/>
+              <a:t>Sourcec</a:t>
+            </a:r>
+            <a:r>
+              <a:rPr lang="en-US" altLang="zh-CN" dirty="0" smtClean="0"/>
+              <a:t> Code </a:t>
+            </a:r>
+          </a:p>
+          <a:p>
+            <a:pPr lvl="1"/>
+            <a:r>
+              <a:rPr lang="en-US" altLang="zh-CN" dirty="0"/>
+              <a:t>download CMakeLists.txt from </a:t>
+            </a:r>
+            <a:r>
+              <a:rPr lang="en-US" altLang="zh-CN" dirty="0">
+                <a:hlinkClick r:id="rId4"/>
+              </a:rPr>
+              <a:t>https://</a:t>
+            </a:r>
+            <a:r>
+              <a:rPr lang="en-US" altLang="zh-CN" dirty="0" smtClean="0">
+                <a:hlinkClick r:id="rId4"/>
+              </a:rPr>
+              <a:t>github.com/jichenghu/PPT_networkDistributed</a:t>
+            </a:r>
+            <a:endParaRPr lang="en-US" altLang="zh-CN" dirty="0" smtClean="0"/>
+          </a:p>
+          <a:p>
+            <a:pPr lvl="1"/>
+            <a:r>
+              <a:rPr lang="en-US" altLang="zh-CN" dirty="0" smtClean="0"/>
+              <a:t>Unzip the source code of </a:t>
+            </a:r>
+            <a:r>
+              <a:rPr lang="en-US" altLang="zh-CN" dirty="0" err="1" smtClean="0"/>
+              <a:t>wireshark</a:t>
+            </a:r>
+            <a:r>
+              <a:rPr lang="en-US" altLang="zh-CN" dirty="0" smtClean="0"/>
+              <a:t>, replace the CMakeLists.txt with the one downloaded in the previous step</a:t>
+            </a:r>
+          </a:p>
+          <a:p>
+            <a:r>
+              <a:rPr lang="en-US" altLang="zh-CN" dirty="0" smtClean="0"/>
+              <a:t>Add </a:t>
+            </a:r>
+            <a:r>
+              <a:rPr lang="en-US" altLang="zh-CN" dirty="0" err="1" smtClean="0"/>
+              <a:t>env</a:t>
+            </a:r>
+            <a:r>
+              <a:rPr lang="en-US" altLang="zh-CN" dirty="0" smtClean="0"/>
+              <a:t> variable WIRESHARK_LIB_DIR as C</a:t>
+            </a:r>
+            <a:r>
+              <a:rPr lang="en-US" altLang="zh-CN" dirty="0"/>
+              <a:t>:/</a:t>
+            </a:r>
+            <a:r>
+              <a:rPr lang="en-US" altLang="zh-CN" dirty="0" smtClean="0"/>
+              <a:t>wireshark_build/wireshark-win64-libs-3.0</a:t>
+            </a:r>
+            <a:endParaRPr lang="en-US" altLang="zh-CN" dirty="0" smtClean="0"/>
+          </a:p>
+          <a:p>
+            <a:r>
+              <a:rPr lang="en-US" altLang="zh-CN" dirty="0" smtClean="0"/>
+              <a:t>Download </a:t>
+            </a:r>
+            <a:r>
+              <a:rPr lang="en-US" altLang="zh-CN" dirty="0" err="1" smtClean="0"/>
+              <a:t>win_flex</a:t>
+            </a:r>
+            <a:r>
+              <a:rPr lang="en-US" altLang="zh-CN" dirty="0" smtClean="0"/>
+              <a:t> and unzip it</a:t>
+            </a:r>
+          </a:p>
+          <a:p>
+            <a:endParaRPr lang="en-US" altLang="zh-CN" dirty="0"/>
+          </a:p>
+        </p:txBody>
+      </p:sp>
+    </p:spTree>
+    <p:extLst>
+      <p:ext uri="{BB962C8B-B14F-4D97-AF65-F5344CB8AC3E}">
+        <p14:creationId xmlns:p14="http://schemas.microsoft.com/office/powerpoint/2010/main" val="1314594352"/>
+      </p:ext>
+    </p:extLst>
+  </p:cSld>
+  <p:clrMapOvr>
+    <a:masterClrMapping/>
+  </p:clrMapOvr>
+  <p:timing>
+    <p:tnLst>
+      <p:par>
+        <p:cTn id="1" dur="indefinite" restart="never" nodeType="tmRoot"/>
+      </p:par>
+    </p:tnLst>
+  </p:timing>
+</p:sld>
+</file>
+
+<file path=ppt/slides/slide13.xml><?xml version="1.0" encoding="utf-8"?>
+<p:sld xmlns:a="http://schemas.openxmlformats.org/drawingml/2006/main" xmlns:r="http://schemas.openxmlformats.org/officeDocument/2006/relationships" xmlns:p="http://schemas.openxmlformats.org/presentationml/2006/main">
+  <p:cSld>
+    <p:spTree>
+      <p:nvGrpSpPr>
+        <p:cNvPr id="1" name=""/>
+        <p:cNvGrpSpPr/>
+        <p:nvPr/>
+      </p:nvGrpSpPr>
+      <p:grpSpPr>
+        <a:xfrm>
+          <a:off x="0" y="0"/>
+          <a:ext cx="0" cy="0"/>
+          <a:chOff x="0" y="0"/>
+          <a:chExt cx="0" cy="0"/>
+        </a:xfrm>
+      </p:grpSpPr>
+      <p:sp>
+        <p:nvSpPr>
+          <p:cNvPr id="2" name="标题 1"/>
+          <p:cNvSpPr>
+            <a:spLocks noGrp="1"/>
+          </p:cNvSpPr>
+          <p:nvPr>
+            <p:ph type="title"/>
+          </p:nvPr>
+        </p:nvSpPr>
+        <p:spPr/>
+        <p:txBody>
+          <a:bodyPr/>
+          <a:lstStyle/>
+          <a:p>
+            <a:r>
+              <a:rPr lang="en-US" altLang="zh-CN" dirty="0"/>
+              <a:t>G</a:t>
+            </a:r>
+            <a:r>
+              <a:rPr lang="en-US" altLang="zh-CN" dirty="0" smtClean="0"/>
+              <a:t>enerate </a:t>
+            </a:r>
+            <a:r>
+              <a:rPr lang="en-US" altLang="zh-CN" dirty="0" err="1" smtClean="0"/>
+              <a:t>wireShark</a:t>
+            </a:r>
+            <a:r>
+              <a:rPr lang="en-US" altLang="zh-CN" dirty="0" smtClean="0"/>
+              <a:t> VS projects with </a:t>
+            </a:r>
+            <a:r>
+              <a:rPr lang="en-US" altLang="zh-CN" dirty="0" err="1" smtClean="0"/>
+              <a:t>CMake</a:t>
+            </a:r>
+            <a:endParaRPr lang="zh-CN" altLang="en-US" dirty="0"/>
+          </a:p>
+        </p:txBody>
+      </p:sp>
+      <p:sp>
+        <p:nvSpPr>
+          <p:cNvPr id="3" name="内容占位符 2"/>
+          <p:cNvSpPr>
+            <a:spLocks noGrp="1"/>
+          </p:cNvSpPr>
+          <p:nvPr>
+            <p:ph sz="half" idx="1"/>
+          </p:nvPr>
+        </p:nvSpPr>
+        <p:spPr>
+          <a:xfrm>
+            <a:off x="695400" y="1052736"/>
+            <a:ext cx="10209336" cy="5976664"/>
+          </a:xfrm>
+        </p:spPr>
+        <p:txBody>
+          <a:bodyPr/>
+          <a:lstStyle/>
+          <a:p>
+            <a:r>
+              <a:rPr lang="en-US" altLang="zh-CN" dirty="0" smtClean="0"/>
+              <a:t>Assume that the source code folder is C:/wireshark_src</a:t>
+            </a:r>
+          </a:p>
+          <a:p>
+            <a:r>
+              <a:rPr lang="en-US" altLang="zh-CN" dirty="0" smtClean="0"/>
+              <a:t>Create a different empty folder like C:/wireshark_build</a:t>
+            </a:r>
+            <a:endParaRPr lang="en-US" altLang="zh-CN" dirty="0" smtClean="0"/>
+          </a:p>
+          <a:p>
+            <a:r>
+              <a:rPr lang="en-US" altLang="zh-CN" dirty="0" smtClean="0"/>
+              <a:t>Add </a:t>
+            </a:r>
+            <a:r>
+              <a:rPr lang="en-US" altLang="zh-CN" dirty="0" err="1" smtClean="0"/>
+              <a:t>env</a:t>
+            </a:r>
+            <a:r>
+              <a:rPr lang="en-US" altLang="zh-CN" dirty="0" smtClean="0"/>
+              <a:t> variable WIRESHARK_LIB_DIR as C</a:t>
+            </a:r>
+            <a:r>
+              <a:rPr lang="en-US" altLang="zh-CN" dirty="0"/>
+              <a:t>:/</a:t>
+            </a:r>
+            <a:r>
+              <a:rPr lang="en-US" altLang="zh-CN" dirty="0" smtClean="0"/>
+              <a:t>wireshark_build/wireshark-win64-libs-3.0</a:t>
+            </a:r>
+            <a:endParaRPr lang="en-US" altLang="zh-CN" dirty="0" smtClean="0"/>
+          </a:p>
+          <a:p>
+            <a:r>
+              <a:rPr lang="en-US" altLang="zh-CN" dirty="0" smtClean="0"/>
+              <a:t>Download </a:t>
+            </a:r>
+            <a:r>
+              <a:rPr lang="en-US" altLang="zh-CN" dirty="0" err="1" smtClean="0"/>
+              <a:t>win_flex</a:t>
+            </a:r>
+            <a:r>
+              <a:rPr lang="en-US" altLang="zh-CN" dirty="0" smtClean="0"/>
+              <a:t> and unzip it</a:t>
+            </a:r>
+          </a:p>
+          <a:p>
+            <a:pPr lvl="1"/>
+            <a:r>
+              <a:rPr lang="en-US" altLang="zh-CN" dirty="0">
+                <a:hlinkClick r:id="rId3"/>
+              </a:rPr>
+              <a:t>https://</a:t>
+            </a:r>
+            <a:r>
+              <a:rPr lang="en-US" altLang="zh-CN" dirty="0" smtClean="0">
+                <a:hlinkClick r:id="rId3"/>
+              </a:rPr>
+              <a:t>sourceforge.net/projects/winflexbison/files/win_flex_bison3-latest.zip/download</a:t>
+            </a:r>
+            <a:r>
+              <a:rPr lang="en-US" altLang="zh-CN" dirty="0" smtClean="0"/>
+              <a:t> </a:t>
+            </a:r>
+            <a:endParaRPr lang="en-US" altLang="zh-CN" dirty="0"/>
+          </a:p>
+          <a:p>
+            <a:endParaRPr lang="en-US" altLang="zh-CN" dirty="0"/>
+          </a:p>
+        </p:txBody>
+      </p:sp>
+    </p:spTree>
+    <p:extLst>
+      <p:ext uri="{BB962C8B-B14F-4D97-AF65-F5344CB8AC3E}">
+        <p14:creationId xmlns:p14="http://schemas.microsoft.com/office/powerpoint/2010/main" val="2047242799"/>
+      </p:ext>
+    </p:extLst>
+  </p:cSld>
+  <p:clrMapOvr>
+    <a:masterClrMapping/>
+  </p:clrMapOvr>
+  <p:timing>
+    <p:tnLst>
+      <p:par>
+        <p:cTn id="1" dur="indefinite" restart="never" nodeType="tmRoot"/>
+      </p:par>
+    </p:tnLst>
+  </p:timing>
+</p:sld>
+</file>
+
+<file path=ppt/slides/slide14.xml><?xml version="1.0" encoding="utf-8"?>
+<p:sld xmlns:a="http://schemas.openxmlformats.org/drawingml/2006/main" xmlns:r="http://schemas.openxmlformats.org/officeDocument/2006/relationships" xmlns:p="http://schemas.openxmlformats.org/presentationml/2006/main">
+  <p:cSld>
+    <p:spTree>
+      <p:nvGrpSpPr>
+        <p:cNvPr id="1" name=""/>
+        <p:cNvGrpSpPr/>
+        <p:nvPr/>
+      </p:nvGrpSpPr>
+      <p:grpSpPr>
+        <a:xfrm>
+          <a:off x="0" y="0"/>
+          <a:ext cx="0" cy="0"/>
+          <a:chOff x="0" y="0"/>
+          <a:chExt cx="0" cy="0"/>
+        </a:xfrm>
+      </p:grpSpPr>
+      <p:sp>
+        <p:nvSpPr>
+          <p:cNvPr id="2" name="标题 1"/>
+          <p:cNvSpPr>
+            <a:spLocks noGrp="1"/>
+          </p:cNvSpPr>
+          <p:nvPr>
+            <p:ph type="title"/>
+          </p:nvPr>
+        </p:nvSpPr>
+        <p:spPr/>
+        <p:txBody>
+          <a:bodyPr/>
+          <a:lstStyle/>
+          <a:p>
+            <a:r>
+              <a:rPr lang="en-US" altLang="zh-CN" dirty="0"/>
+              <a:t>G</a:t>
+            </a:r>
+            <a:r>
+              <a:rPr lang="en-US" altLang="zh-CN" dirty="0" smtClean="0"/>
+              <a:t>enerate </a:t>
+            </a:r>
+            <a:r>
+              <a:rPr lang="en-US" altLang="zh-CN" dirty="0" err="1" smtClean="0"/>
+              <a:t>wireShark</a:t>
+            </a:r>
+            <a:r>
+              <a:rPr lang="en-US" altLang="zh-CN" dirty="0" smtClean="0"/>
+              <a:t> VS projects with </a:t>
+            </a:r>
+            <a:r>
+              <a:rPr lang="en-US" altLang="zh-CN" dirty="0" err="1" smtClean="0"/>
+              <a:t>CMake</a:t>
+            </a:r>
+            <a:endParaRPr lang="zh-CN" altLang="en-US" dirty="0"/>
+          </a:p>
+        </p:txBody>
+      </p:sp>
+      <p:sp>
+        <p:nvSpPr>
+          <p:cNvPr id="3" name="内容占位符 2"/>
+          <p:cNvSpPr>
+            <a:spLocks noGrp="1"/>
+          </p:cNvSpPr>
+          <p:nvPr>
+            <p:ph sz="half" idx="1"/>
+          </p:nvPr>
+        </p:nvSpPr>
+        <p:spPr>
+          <a:xfrm>
+            <a:off x="695400" y="1052736"/>
+            <a:ext cx="10873208" cy="5976664"/>
+          </a:xfrm>
+        </p:spPr>
+        <p:txBody>
+          <a:bodyPr/>
+          <a:lstStyle/>
+          <a:p>
+            <a:r>
+              <a:rPr lang="en-US" altLang="zh-CN" dirty="0" smtClean="0"/>
+              <a:t>Assume that the source code folder is C:/wireshark_src</a:t>
+            </a:r>
+          </a:p>
+          <a:p>
+            <a:r>
+              <a:rPr lang="en-US" altLang="zh-CN" dirty="0" smtClean="0"/>
+              <a:t>Create a different empty folder like C:/wireshark_build</a:t>
+            </a:r>
+            <a:endParaRPr lang="en-US" altLang="zh-CN" dirty="0" smtClean="0"/>
+          </a:p>
+          <a:p>
+            <a:r>
+              <a:rPr lang="en-US" altLang="zh-CN" dirty="0" smtClean="0"/>
+              <a:t>Add </a:t>
+            </a:r>
+            <a:r>
+              <a:rPr lang="en-US" altLang="zh-CN" dirty="0" err="1" smtClean="0"/>
+              <a:t>env</a:t>
+            </a:r>
+            <a:r>
+              <a:rPr lang="en-US" altLang="zh-CN" dirty="0" smtClean="0"/>
+              <a:t> variable WIRESHARK_LIB_DIR as C</a:t>
+            </a:r>
+            <a:r>
+              <a:rPr lang="en-US" altLang="zh-CN" dirty="0"/>
+              <a:t>:/</a:t>
+            </a:r>
+            <a:r>
+              <a:rPr lang="en-US" altLang="zh-CN" dirty="0" smtClean="0"/>
+              <a:t>wireshark_build/wireshark-win64-libs-3.0</a:t>
+            </a:r>
+            <a:endParaRPr lang="en-US" altLang="zh-CN" dirty="0" smtClean="0"/>
+          </a:p>
+          <a:p>
+            <a:r>
+              <a:rPr lang="en-US" altLang="zh-CN" dirty="0" smtClean="0"/>
+              <a:t>Download </a:t>
+            </a:r>
+            <a:r>
+              <a:rPr lang="en-US" altLang="zh-CN" dirty="0" err="1" smtClean="0"/>
+              <a:t>win_flex</a:t>
+            </a:r>
+            <a:r>
+              <a:rPr lang="en-US" altLang="zh-CN" dirty="0" smtClean="0"/>
+              <a:t> and unzip it</a:t>
+            </a:r>
+          </a:p>
+          <a:p>
+            <a:r>
+              <a:rPr lang="en-US" altLang="zh-CN" dirty="0" smtClean="0"/>
+              <a:t>Run </a:t>
+            </a:r>
+            <a:r>
+              <a:rPr lang="en-US" altLang="zh-CN" dirty="0" err="1" smtClean="0"/>
+              <a:t>Cmake</a:t>
+            </a:r>
+            <a:r>
+              <a:rPr lang="en-US" altLang="zh-CN" dirty="0" smtClean="0"/>
+              <a:t>, click configure</a:t>
+            </a:r>
+          </a:p>
+          <a:p>
+            <a:pPr lvl="1"/>
+            <a:r>
+              <a:rPr lang="en-US" altLang="zh-CN" dirty="0" smtClean="0"/>
+              <a:t>There will be a </a:t>
+            </a:r>
+            <a:r>
+              <a:rPr lang="en-US" altLang="zh-CN" dirty="0" err="1" smtClean="0"/>
+              <a:t>cmake</a:t>
+            </a:r>
+            <a:r>
+              <a:rPr lang="en-US" altLang="zh-CN" dirty="0" smtClean="0"/>
+              <a:t> error occurs, click the error item LEX_EXECUTABLE-NOTFOUND, and select win_flex.exe</a:t>
+            </a:r>
+          </a:p>
+          <a:p>
+            <a:pPr lvl="1"/>
+            <a:r>
+              <a:rPr lang="en-US" altLang="zh-CN" dirty="0" smtClean="0"/>
+              <a:t>Click configure again, there will be another error YACC_EXECUTABLE_NOTFOUND, click it and select win_bison.exe, click configure one more time</a:t>
+            </a:r>
+            <a:endParaRPr lang="en-US" altLang="zh-CN" dirty="0"/>
+          </a:p>
+        </p:txBody>
+      </p:sp>
+      <p:pic>
+        <p:nvPicPr>
+          <p:cNvPr id="4" name="图片 3"/>
+          <p:cNvPicPr>
+            <a:picLocks noChangeAspect="1"/>
+          </p:cNvPicPr>
+          <p:nvPr/>
+        </p:nvPicPr>
+        <p:blipFill>
+          <a:blip r:embed="rId3">
+            <a:extLst>
+              <a:ext uri="{28A0092B-C50C-407E-A947-70E740481C1C}">
+                <a14:useLocalDpi xmlns:a14="http://schemas.microsoft.com/office/drawing/2010/main" val="0"/>
+              </a:ext>
+            </a:extLst>
+          </a:blip>
+          <a:stretch>
+            <a:fillRect/>
+          </a:stretch>
+        </p:blipFill>
+        <p:spPr>
+          <a:xfrm>
+            <a:off x="2207568" y="260351"/>
+            <a:ext cx="8424936" cy="6408579"/>
+          </a:xfrm>
+          <a:prstGeom prst="rect">
+            <a:avLst/>
+          </a:prstGeom>
+        </p:spPr>
+      </p:pic>
+    </p:spTree>
+    <p:extLst>
+      <p:ext uri="{BB962C8B-B14F-4D97-AF65-F5344CB8AC3E}">
+        <p14:creationId xmlns:p14="http://schemas.microsoft.com/office/powerpoint/2010/main" val="2213343849"/>
+      </p:ext>
+    </p:extLst>
+  </p:cSld>
+  <p:clrMapOvr>
+    <a:masterClrMapping/>
+  </p:clrMapOvr>
+  <p:timing>
+    <p:tnLst>
+      <p:par>
+        <p:cTn id="1" dur="indefinite" restart="never" nodeType="tmRoot">
+          <p:childTnLst>
+            <p:seq concurrent="1" nextAc="seek">
+              <p:cTn id="2" dur="indefinite" nodeType="mainSeq">
+                <p:childTnLst>
+                  <p:par>
+                    <p:cTn id="3" fill="hold">
+                      <p:stCondLst>
+                        <p:cond delay="indefinite"/>
+                      </p:stCondLst>
+                      <p:childTnLst>
+                        <p:par>
+                          <p:cTn id="4" fill="hold">
+                            <p:stCondLst>
+                              <p:cond delay="0"/>
+                            </p:stCondLst>
+                            <p:childTnLst>
+                              <p:par>
+                                <p:cTn id="5" presetID="1" presetClass="entr" presetSubtype="0" fill="hold" nodeType="clickEffect">
+                                  <p:stCondLst>
+                                    <p:cond delay="0"/>
+                                  </p:stCondLst>
+                                  <p:childTnLst>
+                                    <p:set>
+                                      <p:cBhvr>
+                                        <p:cTn id="6" dur="1" fill="hold">
+                                          <p:stCondLst>
+                                            <p:cond delay="0"/>
+                                          </p:stCondLst>
+                                        </p:cTn>
+                                        <p:tgtEl>
+                                          <p:spTgt spid="4"/>
+                                        </p:tgtEl>
+                                        <p:attrNameLst>
+                                          <p:attrName>style.visibility</p:attrName>
+                                        </p:attrNameLst>
+                                      </p:cBhvr>
+                                      <p:to>
+                                        <p:strVal val="visible"/>
+                                      </p:to>
+                                    </p:set>
+                                  </p:childTnLst>
+                                </p:cTn>
+                              </p:par>
+                            </p:childTnLst>
+                          </p:cTn>
+                        </p:par>
+                      </p:childTnLst>
+                    </p:cTn>
+                  </p:par>
+                  <p:par>
+                    <p:cTn id="7" fill="hold">
+                      <p:stCondLst>
+                        <p:cond delay="indefinite"/>
+                      </p:stCondLst>
+                      <p:childTnLst>
+                        <p:par>
+                          <p:cTn id="8" fill="hold">
+                            <p:stCondLst>
+                              <p:cond delay="0"/>
+                            </p:stCondLst>
+                            <p:childTnLst>
+                              <p:par>
+                                <p:cTn id="9" presetID="1" presetClass="exit" presetSubtype="0" fill="hold" nodeType="clickEffect">
+                                  <p:stCondLst>
+                                    <p:cond delay="0"/>
+                                  </p:stCondLst>
+                                  <p:childTnLst>
+                                    <p:set>
+                                      <p:cBhvr>
+                                        <p:cTn id="10" dur="1" fill="hold">
+                                          <p:stCondLst>
+                                            <p:cond delay="0"/>
+                                          </p:stCondLst>
+                                        </p:cTn>
+                                        <p:tgtEl>
+                                          <p:spTgt spid="4"/>
+                                        </p:tgtEl>
+                                        <p:attrNameLst>
+                                          <p:attrName>style.visibility</p:attrName>
+                                        </p:attrNameLst>
+                                      </p:cBhvr>
+                                      <p:to>
+                                        <p:strVal val="hidden"/>
+                                      </p:to>
+                                    </p:set>
+                                  </p:childTnLst>
+                                </p:cTn>
+                              </p:par>
+                            </p:childTnLst>
+                          </p:cTn>
+                        </p:par>
+                      </p:childTnLst>
+                    </p:cTn>
+                  </p:par>
+                </p:childTnLst>
+              </p:cTn>
+              <p:prevCondLst>
+                <p:cond evt="onPrev" delay="0">
+                  <p:tgtEl>
+                    <p:sldTgt/>
+                  </p:tgtEl>
+                </p:cond>
+              </p:prevCondLst>
+              <p:nextCondLst>
+                <p:cond evt="onNext" delay="0">
+                  <p:tgtEl>
+                    <p:sldTgt/>
+                  </p:tgtEl>
+                </p:cond>
+              </p:nextCondLst>
+            </p:seq>
+          </p:childTnLst>
+        </p:cTn>
       </p:par>
     </p:tnLst>
   </p:timing>

--- a/lab_0.pptx
+++ b/lab_0.pptx
@@ -6,10 +6,10 @@
     <p:sldMasterId id="2147483701" r:id="rId2"/>
   </p:sldMasterIdLst>
   <p:notesMasterIdLst>
-    <p:notesMasterId r:id="rId17"/>
+    <p:notesMasterId r:id="rId18"/>
   </p:notesMasterIdLst>
   <p:handoutMasterIdLst>
-    <p:handoutMasterId r:id="rId18"/>
+    <p:handoutMasterId r:id="rId19"/>
   </p:handoutMasterIdLst>
   <p:sldIdLst>
     <p:sldId id="2193" r:id="rId3"/>
@@ -22,10 +22,11 @@
     <p:sldId id="2201" r:id="rId10"/>
     <p:sldId id="2200" r:id="rId11"/>
     <p:sldId id="2202" r:id="rId12"/>
-    <p:sldId id="2203" r:id="rId13"/>
-    <p:sldId id="2204" r:id="rId14"/>
-    <p:sldId id="2205" r:id="rId15"/>
-    <p:sldId id="2206" r:id="rId16"/>
+    <p:sldId id="2207" r:id="rId13"/>
+    <p:sldId id="2203" r:id="rId14"/>
+    <p:sldId id="2204" r:id="rId15"/>
+    <p:sldId id="2205" r:id="rId16"/>
+    <p:sldId id="2206" r:id="rId17"/>
   </p:sldIdLst>
   <p:sldSz cx="12192000" cy="6858000"/>
   <p:notesSz cx="6858000" cy="9144000"/>
@@ -147,6 +148,7 @@
             <p14:sldId id="2201"/>
             <p14:sldId id="2200"/>
             <p14:sldId id="2202"/>
+            <p14:sldId id="2207"/>
             <p14:sldId id="2203"/>
             <p14:sldId id="2204"/>
             <p14:sldId id="2205"/>
@@ -2236,7 +2238,7 @@
     </p:spTree>
     <p:extLst>
       <p:ext uri="{BB962C8B-B14F-4D97-AF65-F5344CB8AC3E}">
-        <p14:creationId xmlns:p14="http://schemas.microsoft.com/office/powerpoint/2010/main" val="2049585812"/>
+        <p14:creationId xmlns:p14="http://schemas.microsoft.com/office/powerpoint/2010/main" val="3405560274"/>
       </p:ext>
     </p:extLst>
   </p:cSld>
@@ -2328,7 +2330,7 @@
     </p:spTree>
     <p:extLst>
       <p:ext uri="{BB962C8B-B14F-4D97-AF65-F5344CB8AC3E}">
-        <p14:creationId xmlns:p14="http://schemas.microsoft.com/office/powerpoint/2010/main" val="2252042606"/>
+        <p14:creationId xmlns:p14="http://schemas.microsoft.com/office/powerpoint/2010/main" val="2049585812"/>
       </p:ext>
     </p:extLst>
   </p:cSld>
@@ -2420,7 +2422,7 @@
     </p:spTree>
     <p:extLst>
       <p:ext uri="{BB962C8B-B14F-4D97-AF65-F5344CB8AC3E}">
-        <p14:creationId xmlns:p14="http://schemas.microsoft.com/office/powerpoint/2010/main" val="3273547950"/>
+        <p14:creationId xmlns:p14="http://schemas.microsoft.com/office/powerpoint/2010/main" val="2252042606"/>
       </p:ext>
     </p:extLst>
   </p:cSld>
@@ -2500,6 +2502,98 @@
             <a:fld id="{CE884005-AAD7-43DA-8323-709AF992FEE5}" type="slidenum">
               <a:rPr lang="zh-CN" altLang="en-US" smtClean="0"/>
               <a:t>14</a:t>
+            </a:fld>
+            <a:r>
+              <a:rPr lang="zh-CN" altLang="en-US" smtClean="0"/>
+              <a:t> 页</a:t>
+            </a:r>
+            <a:endParaRPr lang="zh-CN" altLang="en-US" dirty="0"/>
+          </a:p>
+        </p:txBody>
+      </p:sp>
+    </p:spTree>
+    <p:extLst>
+      <p:ext uri="{BB962C8B-B14F-4D97-AF65-F5344CB8AC3E}">
+        <p14:creationId xmlns:p14="http://schemas.microsoft.com/office/powerpoint/2010/main" val="3273547950"/>
+      </p:ext>
+    </p:extLst>
+  </p:cSld>
+  <p:clrMapOvr>
+    <a:masterClrMapping/>
+  </p:clrMapOvr>
+</p:notes>
+</file>
+
+<file path=ppt/notesSlides/notesSlide14.xml><?xml version="1.0" encoding="utf-8"?>
+<p:notes xmlns:a="http://schemas.openxmlformats.org/drawingml/2006/main" xmlns:r="http://schemas.openxmlformats.org/officeDocument/2006/relationships" xmlns:p="http://schemas.openxmlformats.org/presentationml/2006/main">
+  <p:cSld>
+    <p:spTree>
+      <p:nvGrpSpPr>
+        <p:cNvPr id="1" name=""/>
+        <p:cNvGrpSpPr/>
+        <p:nvPr/>
+      </p:nvGrpSpPr>
+      <p:grpSpPr>
+        <a:xfrm>
+          <a:off x="0" y="0"/>
+          <a:ext cx="0" cy="0"/>
+          <a:chOff x="0" y="0"/>
+          <a:chExt cx="0" cy="0"/>
+        </a:xfrm>
+      </p:grpSpPr>
+      <p:sp>
+        <p:nvSpPr>
+          <p:cNvPr id="2" name="幻灯片图像占位符 1"/>
+          <p:cNvSpPr>
+            <a:spLocks noGrp="1" noRot="1" noChangeAspect="1"/>
+          </p:cNvSpPr>
+          <p:nvPr>
+            <p:ph type="sldImg"/>
+          </p:nvPr>
+        </p:nvSpPr>
+        <p:spPr/>
+      </p:sp>
+      <p:sp>
+        <p:nvSpPr>
+          <p:cNvPr id="3" name="备注占位符 2"/>
+          <p:cNvSpPr>
+            <a:spLocks noGrp="1"/>
+          </p:cNvSpPr>
+          <p:nvPr>
+            <p:ph type="body" idx="1"/>
+          </p:nvPr>
+        </p:nvSpPr>
+        <p:spPr/>
+        <p:txBody>
+          <a:bodyPr/>
+          <a:lstStyle/>
+          <a:p>
+            <a:endParaRPr lang="zh-CN" altLang="en-US" dirty="0"/>
+          </a:p>
+        </p:txBody>
+      </p:sp>
+      <p:sp>
+        <p:nvSpPr>
+          <p:cNvPr id="4" name="灯片编号占位符 3"/>
+          <p:cNvSpPr>
+            <a:spLocks noGrp="1"/>
+          </p:cNvSpPr>
+          <p:nvPr>
+            <p:ph type="sldNum" sz="quarter" idx="10"/>
+          </p:nvPr>
+        </p:nvSpPr>
+        <p:spPr/>
+        <p:txBody>
+          <a:bodyPr/>
+          <a:lstStyle/>
+          <a:p>
+            <a:r>
+              <a:rPr lang="zh-CN" altLang="en-US" smtClean="0"/>
+              <a:t>第 </a:t>
+            </a:r>
+            <a:fld id="{CE884005-AAD7-43DA-8323-709AF992FEE5}" type="slidenum">
+              <a:rPr lang="zh-CN" altLang="en-US" smtClean="0"/>
+              <a:t>15</a:t>
             </a:fld>
             <a:r>
               <a:rPr lang="zh-CN" altLang="en-US" smtClean="0"/>
@@ -7331,6 +7425,30 @@
             <a:endParaRPr lang="en-US" altLang="zh-CN" dirty="0" smtClean="0"/>
           </a:p>
           <a:p>
+            <a:pPr lvl="1"/>
+            <a:r>
+              <a:rPr lang="en-US" altLang="zh-CN" dirty="0" smtClean="0"/>
+              <a:t>Add </a:t>
+            </a:r>
+            <a:r>
+              <a:rPr lang="en-US" altLang="zh-CN" dirty="0" err="1" smtClean="0"/>
+              <a:t>env</a:t>
+            </a:r>
+            <a:r>
+              <a:rPr lang="en-US" altLang="zh-CN" dirty="0"/>
+              <a:t> </a:t>
+            </a:r>
+            <a:r>
+              <a:rPr lang="en-US" altLang="zh-CN" dirty="0" smtClean="0"/>
+              <a:t>WIRESHARK_CYGWIN_INSTALL_PATH to </a:t>
+            </a:r>
+            <a:r>
+              <a:rPr lang="en-US" altLang="zh-CN" dirty="0"/>
+              <a:t>be like D:\cygwin64</a:t>
+            </a:r>
+            <a:endParaRPr lang="en-US" altLang="zh-CN" dirty="0" smtClean="0"/>
+          </a:p>
+          <a:p>
             <a:r>
               <a:rPr lang="en-US" altLang="zh-CN" dirty="0" smtClean="0"/>
               <a:t>python</a:t>
@@ -7340,46 +7458,6 @@
             <a:r>
               <a:rPr lang="en-US" altLang="zh-CN" dirty="0" err="1" smtClean="0"/>
               <a:t>Cmake</a:t>
-            </a:r>
-            <a:endParaRPr lang="en-US" altLang="zh-CN" dirty="0" smtClean="0"/>
-          </a:p>
-          <a:p>
-            <a:pPr lvl="1"/>
-            <a:r>
-              <a:rPr lang="en-US" altLang="zh-CN" dirty="0" smtClean="0"/>
-              <a:t>Download </a:t>
-            </a:r>
-            <a:r>
-              <a:rPr lang="en-US" altLang="zh-CN" dirty="0" err="1" smtClean="0"/>
-              <a:t>cmake</a:t>
-            </a:r>
-            <a:r>
-              <a:rPr lang="en-US" altLang="zh-CN" dirty="0"/>
-              <a:t>: </a:t>
-            </a:r>
-            <a:r>
-              <a:rPr lang="en-US" altLang="zh-CN" dirty="0">
-                <a:hlinkClick r:id="rId3"/>
-              </a:rPr>
-              <a:t>https://cmake.org/download</a:t>
-            </a:r>
-            <a:r>
-              <a:rPr lang="en-US" altLang="zh-CN" dirty="0" smtClean="0">
-                <a:hlinkClick r:id="rId3"/>
-              </a:rPr>
-              <a:t>/</a:t>
-            </a:r>
-            <a:endParaRPr lang="en-US" altLang="zh-CN" dirty="0" smtClean="0"/>
-          </a:p>
-          <a:p>
-            <a:pPr lvl="1"/>
-            <a:r>
-              <a:rPr lang="en-US" altLang="zh-CN" dirty="0" smtClean="0"/>
-              <a:t>Install </a:t>
-            </a:r>
-            <a:r>
-              <a:rPr lang="en-US" altLang="zh-CN" dirty="0" err="1" smtClean="0"/>
-              <a:t>CMake</a:t>
             </a:r>
             <a:endParaRPr lang="en-US" altLang="zh-CN" dirty="0" smtClean="0"/>
           </a:p>
@@ -7469,7 +7547,7 @@
         <p:spPr>
           <a:xfrm>
             <a:off x="711200" y="1600200"/>
-            <a:ext cx="9705280" cy="4648200"/>
+            <a:ext cx="9273232" cy="4648200"/>
           </a:xfrm>
         </p:spPr>
         <p:txBody>
@@ -7478,78 +7556,86 @@
           <a:p>
             <a:r>
               <a:rPr lang="en-US" altLang="zh-CN" dirty="0" smtClean="0"/>
+              <a:t>Install </a:t>
+            </a:r>
+            <a:r>
+              <a:rPr lang="en-US" altLang="zh-CN" dirty="0"/>
+              <a:t>Visual Studio </a:t>
+            </a:r>
+            <a:endParaRPr lang="en-US" altLang="zh-CN" dirty="0" smtClean="0"/>
+          </a:p>
+          <a:p>
+            <a:r>
+              <a:rPr lang="en-US" altLang="zh-CN" dirty="0" smtClean="0"/>
+              <a:t>Install </a:t>
+            </a:r>
+            <a:r>
+              <a:rPr lang="en-US" altLang="zh-CN" dirty="0" smtClean="0"/>
+              <a:t>QT5</a:t>
+            </a:r>
+          </a:p>
+          <a:p>
+            <a:r>
+              <a:rPr lang="en-US" altLang="zh-CN" dirty="0" smtClean="0"/>
+              <a:t>Install </a:t>
+            </a:r>
+            <a:r>
+              <a:rPr lang="en-US" altLang="zh-CN" dirty="0" err="1" smtClean="0"/>
+              <a:t>cygwin</a:t>
+            </a:r>
+            <a:endParaRPr lang="en-US" altLang="zh-CN" dirty="0" smtClean="0"/>
+          </a:p>
+          <a:p>
+            <a:r>
+              <a:rPr lang="en-US" altLang="zh-CN" dirty="0" smtClean="0"/>
+              <a:t>python</a:t>
+            </a:r>
+          </a:p>
+          <a:p>
+            <a:r>
+              <a:rPr lang="en-US" altLang="zh-CN" dirty="0" err="1" smtClean="0"/>
+              <a:t>Cmake</a:t>
+            </a:r>
+            <a:endParaRPr lang="en-US" altLang="zh-CN" dirty="0" smtClean="0"/>
+          </a:p>
+          <a:p>
+            <a:pPr lvl="1"/>
+            <a:r>
+              <a:rPr lang="en-US" altLang="zh-CN" dirty="0" smtClean="0"/>
               <a:t>Download </a:t>
             </a:r>
             <a:r>
               <a:rPr lang="en-US" altLang="zh-CN" dirty="0" err="1" smtClean="0"/>
-              <a:t>wireshark</a:t>
-            </a:r>
-            <a:endParaRPr lang="en-US" altLang="zh-CN" dirty="0" smtClean="0"/>
-          </a:p>
-          <a:p>
-            <a:pPr lvl="1"/>
+              <a:t>cmake</a:t>
+            </a:r>
+            <a:r>
+              <a:rPr lang="en-US" altLang="zh-CN" dirty="0"/>
+              <a:t>: </a:t>
+            </a:r>
             <a:r>
               <a:rPr lang="en-US" altLang="zh-CN" dirty="0">
                 <a:hlinkClick r:id="rId3"/>
               </a:rPr>
-              <a:t>https://www.wireshark.org/#</a:t>
+              <a:t>https://cmake.org/download</a:t>
             </a:r>
             <a:r>
               <a:rPr lang="en-US" altLang="zh-CN" dirty="0" smtClean="0">
                 <a:hlinkClick r:id="rId3"/>
               </a:rPr>
-              <a:t>download</a:t>
-            </a:r>
+              <a:t>/</a:t>
+            </a:r>
+            <a:endParaRPr lang="en-US" altLang="zh-CN" dirty="0" smtClean="0"/>
+          </a:p>
+          <a:p>
+            <a:pPr lvl="1"/>
             <a:r>
               <a:rPr lang="en-US" altLang="zh-CN" dirty="0" smtClean="0"/>
-              <a:t> click </a:t>
+              <a:t>Install </a:t>
             </a:r>
             <a:r>
               <a:rPr lang="en-US" altLang="zh-CN" dirty="0" err="1" smtClean="0"/>
-              <a:t>Sourcec</a:t>
-            </a:r>
-            <a:r>
-              <a:rPr lang="en-US" altLang="zh-CN" dirty="0" smtClean="0"/>
-              <a:t> Code </a:t>
-            </a:r>
-          </a:p>
-          <a:p>
-            <a:pPr lvl="1"/>
-            <a:r>
-              <a:rPr lang="en-US" altLang="zh-CN" dirty="0"/>
-              <a:t>download CMakeLists.txt from </a:t>
-            </a:r>
-            <a:r>
-              <a:rPr lang="en-US" altLang="zh-CN" dirty="0">
-                <a:hlinkClick r:id="rId4"/>
-              </a:rPr>
-              <a:t>https://</a:t>
-            </a:r>
-            <a:r>
-              <a:rPr lang="en-US" altLang="zh-CN" dirty="0" smtClean="0">
-                <a:hlinkClick r:id="rId4"/>
-              </a:rPr>
-              <a:t>github.com/jichenghu/PPT_networkDistributed</a:t>
-            </a:r>
-            <a:endParaRPr lang="en-US" altLang="zh-CN" dirty="0" smtClean="0"/>
-          </a:p>
-          <a:p>
-            <a:pPr lvl="1"/>
-            <a:r>
-              <a:rPr lang="en-US" altLang="zh-CN" dirty="0" smtClean="0"/>
-              <a:t>Unzip the source code of </a:t>
-            </a:r>
-            <a:r>
-              <a:rPr lang="en-US" altLang="zh-CN" dirty="0" err="1" smtClean="0"/>
-              <a:t>wireshark</a:t>
-            </a:r>
-            <a:r>
-              <a:rPr lang="en-US" altLang="zh-CN" dirty="0" smtClean="0"/>
-              <a:t>, replace the CMakeLists.txt with the one downloaded in the previous step</a:t>
-            </a:r>
-          </a:p>
-          <a:p>
-            <a:pPr lvl="1"/>
+              <a:t>CMake</a:t>
+            </a:r>
             <a:endParaRPr lang="en-US" altLang="zh-CN" dirty="0" smtClean="0"/>
           </a:p>
           <a:p>
@@ -7564,7 +7650,7 @@
     </p:spTree>
     <p:extLst>
       <p:ext uri="{BB962C8B-B14F-4D97-AF65-F5344CB8AC3E}">
-        <p14:creationId xmlns:p14="http://schemas.microsoft.com/office/powerpoint/2010/main" val="4056176245"/>
+        <p14:creationId xmlns:p14="http://schemas.microsoft.com/office/powerpoint/2010/main" val="3647933325"/>
       </p:ext>
     </p:extLst>
   </p:cSld>
@@ -7614,24 +7700,12 @@
           <a:lstStyle/>
           <a:p>
             <a:r>
-              <a:rPr lang="en-US" altLang="zh-CN" dirty="0"/>
-              <a:t>G</a:t>
-            </a:r>
-            <a:r>
               <a:rPr lang="en-US" altLang="zh-CN" dirty="0" smtClean="0"/>
-              <a:t>enerate </a:t>
+              <a:t>Build </a:t>
             </a:r>
             <a:r>
               <a:rPr lang="en-US" altLang="zh-CN" dirty="0" err="1" smtClean="0"/>
               <a:t>wireShark</a:t>
-            </a:r>
-            <a:r>
-              <a:rPr lang="en-US" altLang="zh-CN" dirty="0" smtClean="0"/>
-              <a:t> VS projects with </a:t>
-            </a:r>
-            <a:r>
-              <a:rPr lang="en-US" altLang="zh-CN" dirty="0" err="1" smtClean="0"/>
-              <a:t>CMake</a:t>
             </a:r>
             <a:endParaRPr lang="zh-CN" altLang="en-US" dirty="0"/>
           </a:p>
@@ -7649,8 +7723,8 @@
         </p:nvSpPr>
         <p:spPr>
           <a:xfrm>
-            <a:off x="695400" y="1052736"/>
-            <a:ext cx="10209336" cy="5976664"/>
+            <a:off x="711200" y="1600200"/>
+            <a:ext cx="9705280" cy="4648200"/>
           </a:xfrm>
         </p:spPr>
         <p:txBody>
@@ -7659,13 +7733,11 @@
           <a:p>
             <a:r>
               <a:rPr lang="en-US" altLang="zh-CN" dirty="0" smtClean="0"/>
-              <a:t>Assume that the source code folder is C:/wireshark_src</a:t>
-            </a:r>
-          </a:p>
-          <a:p>
-            <a:r>
-              <a:rPr lang="en-US" altLang="zh-CN" dirty="0" smtClean="0"/>
-              <a:t>Create a different empty folder like C:/wireshark_build</a:t>
+              <a:t>Download </a:t>
+            </a:r>
+            <a:r>
+              <a:rPr lang="en-US" altLang="zh-CN" dirty="0" err="1" smtClean="0"/>
+              <a:t>wireshark</a:t>
             </a:r>
             <a:endParaRPr lang="en-US" altLang="zh-CN" dirty="0" smtClean="0"/>
           </a:p>
@@ -7732,41 +7804,12 @@
             </a:r>
           </a:p>
           <a:p>
-            <a:r>
-              <a:rPr lang="en-US" altLang="zh-CN" dirty="0" smtClean="0"/>
-              <a:t>Add </a:t>
-            </a:r>
-            <a:r>
-              <a:rPr lang="en-US" altLang="zh-CN" dirty="0" err="1" smtClean="0"/>
-              <a:t>env</a:t>
-            </a:r>
-            <a:r>
-              <a:rPr lang="en-US" altLang="zh-CN" dirty="0" smtClean="0"/>
-              <a:t> variable WIRESHARK_LIB_DIR as C</a:t>
-            </a:r>
-            <a:r>
-              <a:rPr lang="en-US" altLang="zh-CN" dirty="0"/>
-              <a:t>:/</a:t>
-            </a:r>
-            <a:r>
-              <a:rPr lang="en-US" altLang="zh-CN" dirty="0" smtClean="0"/>
-              <a:t>wireshark_build/wireshark-win64-libs-3.0</a:t>
-            </a:r>
+            <a:pPr lvl="1"/>
             <a:endParaRPr lang="en-US" altLang="zh-CN" dirty="0" smtClean="0"/>
           </a:p>
           <a:p>
-            <a:r>
-              <a:rPr lang="en-US" altLang="zh-CN" dirty="0" smtClean="0"/>
-              <a:t>Download </a:t>
-            </a:r>
-            <a:r>
-              <a:rPr lang="en-US" altLang="zh-CN" dirty="0" err="1" smtClean="0"/>
-              <a:t>win_flex</a:t>
-            </a:r>
-            <a:r>
-              <a:rPr lang="en-US" altLang="zh-CN" dirty="0" smtClean="0"/>
-              <a:t> and unzip it</a:t>
-            </a:r>
+            <a:pPr lvl="1"/>
+            <a:endParaRPr lang="en-US" altLang="zh-CN" dirty="0" smtClean="0"/>
           </a:p>
           <a:p>
             <a:endParaRPr lang="en-US" altLang="zh-CN" dirty="0"/>
@@ -7776,7 +7819,7 @@
     </p:spTree>
     <p:extLst>
       <p:ext uri="{BB962C8B-B14F-4D97-AF65-F5344CB8AC3E}">
-        <p14:creationId xmlns:p14="http://schemas.microsoft.com/office/powerpoint/2010/main" val="1314594352"/>
+        <p14:creationId xmlns:p14="http://schemas.microsoft.com/office/powerpoint/2010/main" val="4056176245"/>
       </p:ext>
     </p:extLst>
   </p:cSld>
@@ -7882,6 +7925,218 @@
             <a:endParaRPr lang="en-US" altLang="zh-CN" dirty="0" smtClean="0"/>
           </a:p>
           <a:p>
+            <a:pPr lvl="1"/>
+            <a:r>
+              <a:rPr lang="en-US" altLang="zh-CN" dirty="0">
+                <a:hlinkClick r:id="rId3"/>
+              </a:rPr>
+              <a:t>https://www.wireshark.org/#</a:t>
+            </a:r>
+            <a:r>
+              <a:rPr lang="en-US" altLang="zh-CN" dirty="0" smtClean="0">
+                <a:hlinkClick r:id="rId3"/>
+              </a:rPr>
+              <a:t>download</a:t>
+            </a:r>
+            <a:r>
+              <a:rPr lang="en-US" altLang="zh-CN" dirty="0" smtClean="0"/>
+              <a:t> click </a:t>
+            </a:r>
+            <a:r>
+              <a:rPr lang="en-US" altLang="zh-CN" dirty="0" err="1" smtClean="0"/>
+              <a:t>Sourcec</a:t>
+            </a:r>
+            <a:r>
+              <a:rPr lang="en-US" altLang="zh-CN" dirty="0" smtClean="0"/>
+              <a:t> Code </a:t>
+            </a:r>
+          </a:p>
+          <a:p>
+            <a:pPr lvl="1"/>
+            <a:r>
+              <a:rPr lang="en-US" altLang="zh-CN" dirty="0"/>
+              <a:t>download CMakeLists.txt from </a:t>
+            </a:r>
+            <a:r>
+              <a:rPr lang="en-US" altLang="zh-CN" dirty="0">
+                <a:hlinkClick r:id="rId4"/>
+              </a:rPr>
+              <a:t>https://</a:t>
+            </a:r>
+            <a:r>
+              <a:rPr lang="en-US" altLang="zh-CN" dirty="0" smtClean="0">
+                <a:hlinkClick r:id="rId4"/>
+              </a:rPr>
+              <a:t>github.com/jichenghu/PPT_networkDistributed</a:t>
+            </a:r>
+            <a:endParaRPr lang="en-US" altLang="zh-CN" dirty="0" smtClean="0"/>
+          </a:p>
+          <a:p>
+            <a:pPr lvl="1"/>
+            <a:r>
+              <a:rPr lang="en-US" altLang="zh-CN" dirty="0" smtClean="0"/>
+              <a:t>Unzip the source code of </a:t>
+            </a:r>
+            <a:r>
+              <a:rPr lang="en-US" altLang="zh-CN" dirty="0" err="1" smtClean="0"/>
+              <a:t>wireshark</a:t>
+            </a:r>
+            <a:r>
+              <a:rPr lang="en-US" altLang="zh-CN" dirty="0" smtClean="0"/>
+              <a:t>, replace the CMakeLists.txt with the one downloaded in the previous step</a:t>
+            </a:r>
+          </a:p>
+          <a:p>
+            <a:r>
+              <a:rPr lang="en-US" altLang="zh-CN" dirty="0" smtClean="0"/>
+              <a:t>Add </a:t>
+            </a:r>
+            <a:r>
+              <a:rPr lang="en-US" altLang="zh-CN" dirty="0" err="1" smtClean="0"/>
+              <a:t>env</a:t>
+            </a:r>
+            <a:r>
+              <a:rPr lang="en-US" altLang="zh-CN" dirty="0" smtClean="0"/>
+              <a:t> variable WIRESHARK_LIB_DIR as C</a:t>
+            </a:r>
+            <a:r>
+              <a:rPr lang="en-US" altLang="zh-CN" dirty="0"/>
+              <a:t>:/</a:t>
+            </a:r>
+            <a:r>
+              <a:rPr lang="en-US" altLang="zh-CN" dirty="0" smtClean="0"/>
+              <a:t>wireshark_build/wireshark-win64-libs-3.0</a:t>
+            </a:r>
+            <a:endParaRPr lang="en-US" altLang="zh-CN" dirty="0" smtClean="0"/>
+          </a:p>
+          <a:p>
+            <a:r>
+              <a:rPr lang="en-US" altLang="zh-CN" dirty="0" smtClean="0"/>
+              <a:t>Download </a:t>
+            </a:r>
+            <a:r>
+              <a:rPr lang="en-US" altLang="zh-CN" dirty="0" err="1" smtClean="0"/>
+              <a:t>win_flex</a:t>
+            </a:r>
+            <a:r>
+              <a:rPr lang="en-US" altLang="zh-CN" dirty="0" smtClean="0"/>
+              <a:t> and unzip it</a:t>
+            </a:r>
+          </a:p>
+          <a:p>
+            <a:endParaRPr lang="en-US" altLang="zh-CN" dirty="0"/>
+          </a:p>
+        </p:txBody>
+      </p:sp>
+    </p:spTree>
+    <p:extLst>
+      <p:ext uri="{BB962C8B-B14F-4D97-AF65-F5344CB8AC3E}">
+        <p14:creationId xmlns:p14="http://schemas.microsoft.com/office/powerpoint/2010/main" val="1314594352"/>
+      </p:ext>
+    </p:extLst>
+  </p:cSld>
+  <p:clrMapOvr>
+    <a:masterClrMapping/>
+  </p:clrMapOvr>
+  <p:timing>
+    <p:tnLst>
+      <p:par>
+        <p:cTn id="1" dur="indefinite" restart="never" nodeType="tmRoot"/>
+      </p:par>
+    </p:tnLst>
+  </p:timing>
+</p:sld>
+</file>
+
+<file path=ppt/slides/slide14.xml><?xml version="1.0" encoding="utf-8"?>
+<p:sld xmlns:a="http://schemas.openxmlformats.org/drawingml/2006/main" xmlns:r="http://schemas.openxmlformats.org/officeDocument/2006/relationships" xmlns:p="http://schemas.openxmlformats.org/presentationml/2006/main">
+  <p:cSld>
+    <p:spTree>
+      <p:nvGrpSpPr>
+        <p:cNvPr id="1" name=""/>
+        <p:cNvGrpSpPr/>
+        <p:nvPr/>
+      </p:nvGrpSpPr>
+      <p:grpSpPr>
+        <a:xfrm>
+          <a:off x="0" y="0"/>
+          <a:ext cx="0" cy="0"/>
+          <a:chOff x="0" y="0"/>
+          <a:chExt cx="0" cy="0"/>
+        </a:xfrm>
+      </p:grpSpPr>
+      <p:sp>
+        <p:nvSpPr>
+          <p:cNvPr id="2" name="标题 1"/>
+          <p:cNvSpPr>
+            <a:spLocks noGrp="1"/>
+          </p:cNvSpPr>
+          <p:nvPr>
+            <p:ph type="title"/>
+          </p:nvPr>
+        </p:nvSpPr>
+        <p:spPr/>
+        <p:txBody>
+          <a:bodyPr/>
+          <a:lstStyle/>
+          <a:p>
+            <a:r>
+              <a:rPr lang="en-US" altLang="zh-CN" dirty="0"/>
+              <a:t>G</a:t>
+            </a:r>
+            <a:r>
+              <a:rPr lang="en-US" altLang="zh-CN" dirty="0" smtClean="0"/>
+              <a:t>enerate </a:t>
+            </a:r>
+            <a:r>
+              <a:rPr lang="en-US" altLang="zh-CN" dirty="0" err="1" smtClean="0"/>
+              <a:t>wireShark</a:t>
+            </a:r>
+            <a:r>
+              <a:rPr lang="en-US" altLang="zh-CN" dirty="0" smtClean="0"/>
+              <a:t> VS projects with </a:t>
+            </a:r>
+            <a:r>
+              <a:rPr lang="en-US" altLang="zh-CN" dirty="0" err="1" smtClean="0"/>
+              <a:t>CMake</a:t>
+            </a:r>
+            <a:endParaRPr lang="zh-CN" altLang="en-US" dirty="0"/>
+          </a:p>
+        </p:txBody>
+      </p:sp>
+      <p:sp>
+        <p:nvSpPr>
+          <p:cNvPr id="3" name="内容占位符 2"/>
+          <p:cNvSpPr>
+            <a:spLocks noGrp="1"/>
+          </p:cNvSpPr>
+          <p:nvPr>
+            <p:ph sz="half" idx="1"/>
+          </p:nvPr>
+        </p:nvSpPr>
+        <p:spPr>
+          <a:xfrm>
+            <a:off x="695400" y="1052736"/>
+            <a:ext cx="10209336" cy="5976664"/>
+          </a:xfrm>
+        </p:spPr>
+        <p:txBody>
+          <a:bodyPr/>
+          <a:lstStyle/>
+          <a:p>
+            <a:r>
+              <a:rPr lang="en-US" altLang="zh-CN" dirty="0" smtClean="0"/>
+              <a:t>Assume that the source code folder is C:/wireshark_src</a:t>
+            </a:r>
+          </a:p>
+          <a:p>
+            <a:r>
+              <a:rPr lang="en-US" altLang="zh-CN" dirty="0" smtClean="0"/>
+              <a:t>Create a different empty folder like C:/wireshark_build</a:t>
+            </a:r>
+            <a:endParaRPr lang="en-US" altLang="zh-CN" dirty="0" smtClean="0"/>
+          </a:p>
+          <a:p>
             <a:r>
               <a:rPr lang="en-US" altLang="zh-CN" dirty="0" smtClean="0"/>
               <a:t>Add </a:t>
@@ -7963,7 +8218,7 @@
 </p:sld>
 </file>
 
-<file path=ppt/slides/slide14.xml><?xml version="1.0" encoding="utf-8"?>
+<file path=ppt/slides/slide15.xml><?xml version="1.0" encoding="utf-8"?>
 <p:sld xmlns:a="http://schemas.openxmlformats.org/drawingml/2006/main" xmlns:r="http://schemas.openxmlformats.org/officeDocument/2006/relationships" xmlns:p="http://schemas.openxmlformats.org/presentationml/2006/main">
   <p:cSld>
     <p:spTree>

--- a/lab_0.pptx
+++ b/lab_0.pptx
@@ -7423,6 +7423,13 @@
               <a:t>cygwin</a:t>
             </a:r>
             <a:endParaRPr lang="en-US" altLang="zh-CN" dirty="0" smtClean="0"/>
+          </a:p>
+          <a:p>
+            <a:pPr lvl="1"/>
+            <a:r>
+              <a:rPr lang="en-US" altLang="zh-CN" dirty="0" smtClean="0"/>
+              <a:t>Perl must be choose to install</a:t>
+            </a:r>
           </a:p>
           <a:p>
             <a:pPr lvl="1"/>

--- a/lab_0.pptx
+++ b/lab_0.pptx
@@ -8385,6 +8385,13 @@
               <a:rPr lang="en-US" altLang="zh-CN" dirty="0" smtClean="0"/>
               <a:t>Click configure again, there will be another error YACC_EXECUTABLE_NOTFOUND, click it and select win_bison.exe, click configure one more time</a:t>
             </a:r>
+          </a:p>
+          <a:p>
+            <a:pPr lvl="1"/>
+            <a:r>
+              <a:rPr lang="en-US" altLang="zh-CN" dirty="0" smtClean="0"/>
+              <a:t>Choose the compiler to be VS2017 x64</a:t>
+            </a:r>
             <a:endParaRPr lang="en-US" altLang="zh-CN" dirty="0"/>
           </a:p>
         </p:txBody>
@@ -8411,7 +8418,7 @@
         </p:blipFill>
         <p:spPr>
           <a:xfrm>
-            <a:off x="2207568" y="260351"/>
+            <a:off x="1775520" y="260351"/>
             <a:ext cx="8424936" cy="6408579"/>
           </a:xfrm>
           <a:prstGeom prst="rect">

--- a/lab_0.pptx
+++ b/lab_0.pptx
@@ -6,10 +6,10 @@
     <p:sldMasterId id="2147483701" r:id="rId2"/>
   </p:sldMasterIdLst>
   <p:notesMasterIdLst>
-    <p:notesMasterId r:id="rId18"/>
+    <p:notesMasterId r:id="rId20"/>
   </p:notesMasterIdLst>
   <p:handoutMasterIdLst>
-    <p:handoutMasterId r:id="rId19"/>
+    <p:handoutMasterId r:id="rId21"/>
   </p:handoutMasterIdLst>
   <p:sldIdLst>
     <p:sldId id="2193" r:id="rId3"/>
@@ -27,6 +27,8 @@
     <p:sldId id="2204" r:id="rId15"/>
     <p:sldId id="2205" r:id="rId16"/>
     <p:sldId id="2206" r:id="rId17"/>
+    <p:sldId id="2209" r:id="rId18"/>
+    <p:sldId id="2208" r:id="rId19"/>
   </p:sldIdLst>
   <p:sldSz cx="12192000" cy="6858000"/>
   <p:notesSz cx="6858000" cy="9144000"/>
@@ -156,7 +158,10 @@
           </p14:sldIdLst>
         </p14:section>
         <p14:section name="3" id="{0B844C94-7041-4417-99DD-3B5C7358E985}">
-          <p14:sldIdLst/>
+          <p14:sldIdLst>
+            <p14:sldId id="2209"/>
+            <p14:sldId id="2208"/>
+          </p14:sldIdLst>
         </p14:section>
         <p14:section name="4" id="{0F145D18-C7B6-4942-9A8F-4717B9FA0203}">
           <p14:sldIdLst/>
@@ -369,7 +374,7 @@
             <a:pPr algn="l"/>
             <a:fld id="{CB446F43-867F-4F64-92FD-6C8496B9358B}" type="datetimeFigureOut">
               <a:rPr lang="zh-CN" altLang="en-US" smtClean="0"/>
-              <a:t>2019/5/13</a:t>
+              <a:t>2019/5/14</a:t>
             </a:fld>
             <a:endParaRPr lang="zh-CN" altLang="en-US"/>
           </a:p>
@@ -1521,7 +1526,7 @@
           <a:p>
             <a:fld id="{D51D64F8-606E-4201-A2DE-1AF0754CE781}" type="datetimeFigureOut">
               <a:rPr lang="zh-CN" altLang="en-US" smtClean="0"/>
-              <a:t>2019/5/13</a:t>
+              <a:t>2019/5/14</a:t>
             </a:fld>
             <a:endParaRPr lang="zh-CN" altLang="en-US"/>
           </a:p>
@@ -2607,6 +2612,190 @@
     <p:extLst>
       <p:ext uri="{BB962C8B-B14F-4D97-AF65-F5344CB8AC3E}">
         <p14:creationId xmlns:p14="http://schemas.microsoft.com/office/powerpoint/2010/main" val="2098536082"/>
+      </p:ext>
+    </p:extLst>
+  </p:cSld>
+  <p:clrMapOvr>
+    <a:masterClrMapping/>
+  </p:clrMapOvr>
+</p:notes>
+</file>
+
+<file path=ppt/notesSlides/notesSlide15.xml><?xml version="1.0" encoding="utf-8"?>
+<p:notes xmlns:a="http://schemas.openxmlformats.org/drawingml/2006/main" xmlns:r="http://schemas.openxmlformats.org/officeDocument/2006/relationships" xmlns:p="http://schemas.openxmlformats.org/presentationml/2006/main">
+  <p:cSld>
+    <p:spTree>
+      <p:nvGrpSpPr>
+        <p:cNvPr id="1" name=""/>
+        <p:cNvGrpSpPr/>
+        <p:nvPr/>
+      </p:nvGrpSpPr>
+      <p:grpSpPr>
+        <a:xfrm>
+          <a:off x="0" y="0"/>
+          <a:ext cx="0" cy="0"/>
+          <a:chOff x="0" y="0"/>
+          <a:chExt cx="0" cy="0"/>
+        </a:xfrm>
+      </p:grpSpPr>
+      <p:sp>
+        <p:nvSpPr>
+          <p:cNvPr id="2" name="幻灯片图像占位符 1"/>
+          <p:cNvSpPr>
+            <a:spLocks noGrp="1" noRot="1" noChangeAspect="1"/>
+          </p:cNvSpPr>
+          <p:nvPr>
+            <p:ph type="sldImg"/>
+          </p:nvPr>
+        </p:nvSpPr>
+        <p:spPr/>
+      </p:sp>
+      <p:sp>
+        <p:nvSpPr>
+          <p:cNvPr id="3" name="备注占位符 2"/>
+          <p:cNvSpPr>
+            <a:spLocks noGrp="1"/>
+          </p:cNvSpPr>
+          <p:nvPr>
+            <p:ph type="body" idx="1"/>
+          </p:nvPr>
+        </p:nvSpPr>
+        <p:spPr/>
+        <p:txBody>
+          <a:bodyPr/>
+          <a:lstStyle/>
+          <a:p>
+            <a:endParaRPr lang="zh-CN" altLang="en-US" dirty="0"/>
+          </a:p>
+        </p:txBody>
+      </p:sp>
+      <p:sp>
+        <p:nvSpPr>
+          <p:cNvPr id="4" name="灯片编号占位符 3"/>
+          <p:cNvSpPr>
+            <a:spLocks noGrp="1"/>
+          </p:cNvSpPr>
+          <p:nvPr>
+            <p:ph type="sldNum" sz="quarter" idx="10"/>
+          </p:nvPr>
+        </p:nvSpPr>
+        <p:spPr/>
+        <p:txBody>
+          <a:bodyPr/>
+          <a:lstStyle/>
+          <a:p>
+            <a:r>
+              <a:rPr lang="zh-CN" altLang="en-US" smtClean="0"/>
+              <a:t>第 </a:t>
+            </a:r>
+            <a:fld id="{CE884005-AAD7-43DA-8323-709AF992FEE5}" type="slidenum">
+              <a:rPr lang="zh-CN" altLang="en-US" smtClean="0"/>
+              <a:t>16</a:t>
+            </a:fld>
+            <a:r>
+              <a:rPr lang="zh-CN" altLang="en-US" smtClean="0"/>
+              <a:t> 页</a:t>
+            </a:r>
+            <a:endParaRPr lang="zh-CN" altLang="en-US" dirty="0"/>
+          </a:p>
+        </p:txBody>
+      </p:sp>
+    </p:spTree>
+    <p:extLst>
+      <p:ext uri="{BB962C8B-B14F-4D97-AF65-F5344CB8AC3E}">
+        <p14:creationId xmlns:p14="http://schemas.microsoft.com/office/powerpoint/2010/main" val="1448507645"/>
+      </p:ext>
+    </p:extLst>
+  </p:cSld>
+  <p:clrMapOvr>
+    <a:masterClrMapping/>
+  </p:clrMapOvr>
+</p:notes>
+</file>
+
+<file path=ppt/notesSlides/notesSlide16.xml><?xml version="1.0" encoding="utf-8"?>
+<p:notes xmlns:a="http://schemas.openxmlformats.org/drawingml/2006/main" xmlns:r="http://schemas.openxmlformats.org/officeDocument/2006/relationships" xmlns:p="http://schemas.openxmlformats.org/presentationml/2006/main">
+  <p:cSld>
+    <p:spTree>
+      <p:nvGrpSpPr>
+        <p:cNvPr id="1" name=""/>
+        <p:cNvGrpSpPr/>
+        <p:nvPr/>
+      </p:nvGrpSpPr>
+      <p:grpSpPr>
+        <a:xfrm>
+          <a:off x="0" y="0"/>
+          <a:ext cx="0" cy="0"/>
+          <a:chOff x="0" y="0"/>
+          <a:chExt cx="0" cy="0"/>
+        </a:xfrm>
+      </p:grpSpPr>
+      <p:sp>
+        <p:nvSpPr>
+          <p:cNvPr id="2" name="幻灯片图像占位符 1"/>
+          <p:cNvSpPr>
+            <a:spLocks noGrp="1" noRot="1" noChangeAspect="1"/>
+          </p:cNvSpPr>
+          <p:nvPr>
+            <p:ph type="sldImg"/>
+          </p:nvPr>
+        </p:nvSpPr>
+        <p:spPr/>
+      </p:sp>
+      <p:sp>
+        <p:nvSpPr>
+          <p:cNvPr id="3" name="备注占位符 2"/>
+          <p:cNvSpPr>
+            <a:spLocks noGrp="1"/>
+          </p:cNvSpPr>
+          <p:nvPr>
+            <p:ph type="body" idx="1"/>
+          </p:nvPr>
+        </p:nvSpPr>
+        <p:spPr/>
+        <p:txBody>
+          <a:bodyPr/>
+          <a:lstStyle/>
+          <a:p>
+            <a:endParaRPr lang="zh-CN" altLang="en-US" dirty="0"/>
+          </a:p>
+        </p:txBody>
+      </p:sp>
+      <p:sp>
+        <p:nvSpPr>
+          <p:cNvPr id="4" name="灯片编号占位符 3"/>
+          <p:cNvSpPr>
+            <a:spLocks noGrp="1"/>
+          </p:cNvSpPr>
+          <p:nvPr>
+            <p:ph type="sldNum" sz="quarter" idx="10"/>
+          </p:nvPr>
+        </p:nvSpPr>
+        <p:spPr/>
+        <p:txBody>
+          <a:bodyPr/>
+          <a:lstStyle/>
+          <a:p>
+            <a:r>
+              <a:rPr lang="zh-CN" altLang="en-US" smtClean="0"/>
+              <a:t>第 </a:t>
+            </a:r>
+            <a:fld id="{CE884005-AAD7-43DA-8323-709AF992FEE5}" type="slidenum">
+              <a:rPr lang="zh-CN" altLang="en-US" smtClean="0"/>
+              <a:t>17</a:t>
+            </a:fld>
+            <a:r>
+              <a:rPr lang="zh-CN" altLang="en-US" smtClean="0"/>
+              <a:t> 页</a:t>
+            </a:r>
+            <a:endParaRPr lang="zh-CN" altLang="en-US" dirty="0"/>
+          </a:p>
+        </p:txBody>
+      </p:sp>
+    </p:spTree>
+    <p:extLst>
+      <p:ext uri="{BB962C8B-B14F-4D97-AF65-F5344CB8AC3E}">
+        <p14:creationId xmlns:p14="http://schemas.microsoft.com/office/powerpoint/2010/main" val="1657704866"/>
       </p:ext>
     </p:extLst>
   </p:cSld>
@@ -7406,11 +7595,7 @@
           <a:p>
             <a:r>
               <a:rPr lang="en-US" altLang="zh-CN" dirty="0" smtClean="0"/>
-              <a:t>Install </a:t>
-            </a:r>
-            <a:r>
-              <a:rPr lang="en-US" altLang="zh-CN" dirty="0" smtClean="0"/>
-              <a:t>QT5</a:t>
+              <a:t>Install QT5</a:t>
             </a:r>
           </a:p>
           <a:p>
@@ -7574,11 +7759,7 @@
           <a:p>
             <a:r>
               <a:rPr lang="en-US" altLang="zh-CN" dirty="0" smtClean="0"/>
-              <a:t>Install </a:t>
-            </a:r>
-            <a:r>
-              <a:rPr lang="en-US" altLang="zh-CN" dirty="0" smtClean="0"/>
-              <a:t>QT5</a:t>
+              <a:t>Install QT5</a:t>
             </a:r>
           </a:p>
           <a:p>
@@ -7929,7 +8110,6 @@
               <a:rPr lang="en-US" altLang="zh-CN" dirty="0" smtClean="0"/>
               <a:t>Create a different empty folder like C:/wireshark_build</a:t>
             </a:r>
-            <a:endParaRPr lang="en-US" altLang="zh-CN" dirty="0" smtClean="0"/>
           </a:p>
           <a:p>
             <a:pPr lvl="1"/>
@@ -8014,7 +8194,6 @@
               <a:rPr lang="en-US" altLang="zh-CN" dirty="0" smtClean="0"/>
               <a:t>wireshark_build/wireshark-win64-libs-3.0</a:t>
             </a:r>
-            <a:endParaRPr lang="en-US" altLang="zh-CN" dirty="0" smtClean="0"/>
           </a:p>
           <a:p>
             <a:r>
@@ -8141,7 +8320,6 @@
               <a:rPr lang="en-US" altLang="zh-CN" dirty="0" smtClean="0"/>
               <a:t>Create a different empty folder like C:/wireshark_build</a:t>
             </a:r>
-            <a:endParaRPr lang="en-US" altLang="zh-CN" dirty="0" smtClean="0"/>
           </a:p>
           <a:p>
             <a:r>
@@ -8164,7 +8342,6 @@
               <a:rPr lang="en-US" altLang="zh-CN" dirty="0" smtClean="0"/>
               <a:t>wireshark_build/wireshark-win64-libs-3.0</a:t>
             </a:r>
-            <a:endParaRPr lang="en-US" altLang="zh-CN" dirty="0" smtClean="0"/>
           </a:p>
           <a:p>
             <a:r>
@@ -8311,7 +8488,6 @@
               <a:rPr lang="en-US" altLang="zh-CN" dirty="0" smtClean="0"/>
               <a:t>Create a different empty folder like C:/wireshark_build</a:t>
             </a:r>
-            <a:endParaRPr lang="en-US" altLang="zh-CN" dirty="0" smtClean="0"/>
           </a:p>
           <a:p>
             <a:r>
@@ -8334,7 +8510,6 @@
               <a:rPr lang="en-US" altLang="zh-CN" dirty="0" smtClean="0"/>
               <a:t>wireshark_build/wireshark-win64-libs-3.0</a:t>
             </a:r>
-            <a:endParaRPr lang="en-US" altLang="zh-CN" dirty="0" smtClean="0"/>
           </a:p>
           <a:p>
             <a:r>
@@ -8553,6 +8728,458 @@
             </p:seq>
           </p:childTnLst>
         </p:cTn>
+      </p:par>
+    </p:tnLst>
+  </p:timing>
+</p:sld>
+</file>
+
+<file path=ppt/slides/slide16.xml><?xml version="1.0" encoding="utf-8"?>
+<p:sld xmlns:a="http://schemas.openxmlformats.org/drawingml/2006/main" xmlns:r="http://schemas.openxmlformats.org/officeDocument/2006/relationships" xmlns:p="http://schemas.openxmlformats.org/presentationml/2006/main">
+  <p:cSld>
+    <p:spTree>
+      <p:nvGrpSpPr>
+        <p:cNvPr id="1" name=""/>
+        <p:cNvGrpSpPr/>
+        <p:nvPr/>
+      </p:nvGrpSpPr>
+      <p:grpSpPr>
+        <a:xfrm>
+          <a:off x="0" y="0"/>
+          <a:ext cx="0" cy="0"/>
+          <a:chOff x="0" y="0"/>
+          <a:chExt cx="0" cy="0"/>
+        </a:xfrm>
+      </p:grpSpPr>
+      <p:sp>
+        <p:nvSpPr>
+          <p:cNvPr id="2" name="标题 1"/>
+          <p:cNvSpPr>
+            <a:spLocks noGrp="1"/>
+          </p:cNvSpPr>
+          <p:nvPr>
+            <p:ph type="title"/>
+          </p:nvPr>
+        </p:nvSpPr>
+        <p:spPr/>
+        <p:txBody>
+          <a:bodyPr/>
+          <a:lstStyle/>
+          <a:p>
+            <a:r>
+              <a:rPr lang="en-US" altLang="zh-CN" dirty="0" smtClean="0"/>
+              <a:t>Build </a:t>
+            </a:r>
+            <a:r>
+              <a:rPr lang="en-US" altLang="zh-CN" dirty="0" err="1" smtClean="0"/>
+              <a:t>wireShark</a:t>
+            </a:r>
+            <a:endParaRPr lang="zh-CN" altLang="en-US" dirty="0"/>
+          </a:p>
+        </p:txBody>
+      </p:sp>
+      <p:sp>
+        <p:nvSpPr>
+          <p:cNvPr id="3" name="内容占位符 2"/>
+          <p:cNvSpPr>
+            <a:spLocks noGrp="1"/>
+          </p:cNvSpPr>
+          <p:nvPr>
+            <p:ph sz="half" idx="1"/>
+          </p:nvPr>
+        </p:nvSpPr>
+        <p:spPr>
+          <a:xfrm>
+            <a:off x="1127448" y="1844824"/>
+            <a:ext cx="9682420" cy="3600401"/>
+          </a:xfrm>
+        </p:spPr>
+        <p:txBody>
+          <a:bodyPr>
+            <a:normAutofit/>
+          </a:bodyPr>
+          <a:lstStyle/>
+          <a:p>
+            <a:r>
+              <a:rPr lang="en-US" altLang="zh-CN" sz="2400" dirty="0" smtClean="0"/>
+              <a:t>Click wireshark.sln to open the generated VS solution</a:t>
+            </a:r>
+          </a:p>
+          <a:p>
+            <a:r>
+              <a:rPr lang="en-US" altLang="zh-CN" sz="2400" dirty="0" smtClean="0"/>
+              <a:t>Build the Executables\</a:t>
+            </a:r>
+            <a:r>
+              <a:rPr lang="en-US" altLang="zh-CN" sz="2400" dirty="0" err="1" smtClean="0"/>
+              <a:t>wireshark</a:t>
+            </a:r>
+            <a:r>
+              <a:rPr lang="en-US" altLang="zh-CN" sz="2400" dirty="0" smtClean="0"/>
+              <a:t> project and set it to be start up project</a:t>
+            </a:r>
+          </a:p>
+          <a:p>
+            <a:r>
+              <a:rPr lang="en-US" altLang="zh-CN" sz="2400" dirty="0" smtClean="0"/>
+              <a:t>If everything is OK, we are not ready to run </a:t>
+            </a:r>
+            <a:r>
+              <a:rPr lang="en-US" altLang="zh-CN" sz="2400" dirty="0" err="1" smtClean="0"/>
+              <a:t>wireshark</a:t>
+            </a:r>
+            <a:endParaRPr lang="en-US" altLang="zh-CN" sz="2400" dirty="0" smtClean="0"/>
+          </a:p>
+          <a:p>
+            <a:pPr lvl="1"/>
+            <a:r>
+              <a:rPr lang="en-US" altLang="zh-CN" sz="2000" dirty="0" smtClean="0"/>
+              <a:t>We need some </a:t>
+            </a:r>
+            <a:r>
+              <a:rPr lang="en-US" altLang="zh-CN" sz="2000" dirty="0" err="1" smtClean="0"/>
+              <a:t>dlls</a:t>
+            </a:r>
+            <a:r>
+              <a:rPr lang="en-US" altLang="zh-CN" sz="2000" dirty="0" smtClean="0"/>
+              <a:t> …</a:t>
+            </a:r>
+            <a:endParaRPr lang="en-US" altLang="zh-CN" sz="2000" dirty="0" smtClean="0"/>
+          </a:p>
+          <a:p>
+            <a:endParaRPr lang="en-US" altLang="zh-CN" sz="2400" dirty="0"/>
+          </a:p>
+        </p:txBody>
+      </p:sp>
+    </p:spTree>
+    <p:extLst>
+      <p:ext uri="{BB962C8B-B14F-4D97-AF65-F5344CB8AC3E}">
+        <p14:creationId xmlns:p14="http://schemas.microsoft.com/office/powerpoint/2010/main" val="3916579027"/>
+      </p:ext>
+    </p:extLst>
+  </p:cSld>
+  <p:clrMapOvr>
+    <a:masterClrMapping/>
+  </p:clrMapOvr>
+  <p:timing>
+    <p:tnLst>
+      <p:par>
+        <p:cTn id="1" dur="indefinite" restart="never" nodeType="tmRoot"/>
+      </p:par>
+    </p:tnLst>
+  </p:timing>
+</p:sld>
+</file>
+
+<file path=ppt/slides/slide17.xml><?xml version="1.0" encoding="utf-8"?>
+<p:sld xmlns:a="http://schemas.openxmlformats.org/drawingml/2006/main" xmlns:r="http://schemas.openxmlformats.org/officeDocument/2006/relationships" xmlns:p="http://schemas.openxmlformats.org/presentationml/2006/main">
+  <p:cSld>
+    <p:spTree>
+      <p:nvGrpSpPr>
+        <p:cNvPr id="1" name=""/>
+        <p:cNvGrpSpPr/>
+        <p:nvPr/>
+      </p:nvGrpSpPr>
+      <p:grpSpPr>
+        <a:xfrm>
+          <a:off x="0" y="0"/>
+          <a:ext cx="0" cy="0"/>
+          <a:chOff x="0" y="0"/>
+          <a:chExt cx="0" cy="0"/>
+        </a:xfrm>
+      </p:grpSpPr>
+      <p:sp>
+        <p:nvSpPr>
+          <p:cNvPr id="2" name="标题 1"/>
+          <p:cNvSpPr>
+            <a:spLocks noGrp="1"/>
+          </p:cNvSpPr>
+          <p:nvPr>
+            <p:ph type="title"/>
+          </p:nvPr>
+        </p:nvSpPr>
+        <p:spPr/>
+        <p:txBody>
+          <a:bodyPr/>
+          <a:lstStyle/>
+          <a:p>
+            <a:r>
+              <a:rPr lang="en-US" altLang="zh-CN" dirty="0" smtClean="0"/>
+              <a:t>Run </a:t>
+            </a:r>
+            <a:r>
+              <a:rPr lang="en-US" altLang="zh-CN" dirty="0" err="1" smtClean="0"/>
+              <a:t>wireShark</a:t>
+            </a:r>
+            <a:endParaRPr lang="zh-CN" altLang="en-US" dirty="0"/>
+          </a:p>
+        </p:txBody>
+      </p:sp>
+      <p:sp>
+        <p:nvSpPr>
+          <p:cNvPr id="3" name="内容占位符 2"/>
+          <p:cNvSpPr>
+            <a:spLocks noGrp="1"/>
+          </p:cNvSpPr>
+          <p:nvPr>
+            <p:ph sz="half" idx="1"/>
+          </p:nvPr>
+        </p:nvSpPr>
+        <p:spPr>
+          <a:xfrm>
+            <a:off x="528524" y="981075"/>
+            <a:ext cx="10209336" cy="5976664"/>
+          </a:xfrm>
+        </p:spPr>
+        <p:txBody>
+          <a:bodyPr>
+            <a:normAutofit/>
+          </a:bodyPr>
+          <a:lstStyle/>
+          <a:p>
+            <a:r>
+              <a:rPr lang="en-US" altLang="zh-CN" sz="2400" dirty="0" smtClean="0"/>
+              <a:t>Copy the following </a:t>
+            </a:r>
+            <a:r>
+              <a:rPr lang="en-US" altLang="zh-CN" sz="2400" dirty="0" err="1" smtClean="0"/>
+              <a:t>dlls</a:t>
+            </a:r>
+            <a:r>
+              <a:rPr lang="en-US" altLang="zh-CN" sz="2400" dirty="0" smtClean="0"/>
+              <a:t> and subfolder from </a:t>
+            </a:r>
+            <a:r>
+              <a:rPr lang="en-US" altLang="zh-CN" sz="2400" dirty="0" err="1" smtClean="0"/>
+              <a:t>Qt</a:t>
+            </a:r>
+            <a:r>
+              <a:rPr lang="en-US" altLang="zh-CN" sz="2400" dirty="0" smtClean="0"/>
+              <a:t> to ./run/release</a:t>
+            </a:r>
+            <a:endParaRPr lang="en-US" altLang="zh-CN" sz="2400" dirty="0" smtClean="0"/>
+          </a:p>
+          <a:p>
+            <a:pPr lvl="1"/>
+            <a:r>
+              <a:rPr lang="en-US" altLang="zh-CN" sz="1600" dirty="0" smtClean="0"/>
+              <a:t>Qt5Core.dll</a:t>
+            </a:r>
+            <a:endParaRPr lang="en-US" altLang="zh-CN" sz="1600" dirty="0"/>
+          </a:p>
+          <a:p>
+            <a:pPr lvl="1"/>
+            <a:r>
+              <a:rPr lang="en-US" altLang="zh-CN" sz="1600" dirty="0" smtClean="0"/>
+              <a:t>Qt5Gui.dll</a:t>
+            </a:r>
+            <a:endParaRPr lang="en-US" altLang="zh-CN" sz="1600" dirty="0"/>
+          </a:p>
+          <a:p>
+            <a:pPr lvl="1"/>
+            <a:r>
+              <a:rPr lang="en-US" altLang="zh-CN" sz="1600" dirty="0" smtClean="0"/>
+              <a:t>Qt5Multimedia.dll</a:t>
+            </a:r>
+            <a:endParaRPr lang="en-US" altLang="zh-CN" sz="1600" dirty="0"/>
+          </a:p>
+          <a:p>
+            <a:pPr lvl="1"/>
+            <a:r>
+              <a:rPr lang="en-US" altLang="zh-CN" sz="1600" dirty="0" smtClean="0"/>
+              <a:t>Qt5Network.dll</a:t>
+            </a:r>
+            <a:endParaRPr lang="en-US" altLang="zh-CN" sz="1600" dirty="0"/>
+          </a:p>
+          <a:p>
+            <a:pPr lvl="1"/>
+            <a:r>
+              <a:rPr lang="en-US" altLang="zh-CN" sz="1600" dirty="0" smtClean="0"/>
+              <a:t>Qt5PrintSupport.dll</a:t>
+            </a:r>
+            <a:endParaRPr lang="en-US" altLang="zh-CN" sz="1600" dirty="0"/>
+          </a:p>
+          <a:p>
+            <a:pPr lvl="1"/>
+            <a:r>
+              <a:rPr lang="en-US" altLang="zh-CN" sz="1600" dirty="0" smtClean="0"/>
+              <a:t>Qt5Widgets.dll</a:t>
+            </a:r>
+            <a:endParaRPr lang="en-US" altLang="zh-CN" sz="1600" dirty="0"/>
+          </a:p>
+          <a:p>
+            <a:pPr lvl="1"/>
+            <a:r>
+              <a:rPr lang="en-US" altLang="zh-CN" sz="1600" dirty="0" smtClean="0"/>
+              <a:t>Qt5WinExtras.dll</a:t>
+            </a:r>
+          </a:p>
+          <a:p>
+            <a:pPr lvl="1"/>
+            <a:r>
+              <a:rPr lang="en-US" altLang="zh-CN" sz="1600" dirty="0" smtClean="0"/>
+              <a:t>subfolder </a:t>
+            </a:r>
+            <a:r>
+              <a:rPr lang="en-US" altLang="zh-CN" sz="1600" dirty="0" err="1" smtClean="0"/>
+              <a:t>snmp</a:t>
+            </a:r>
+            <a:r>
+              <a:rPr lang="en-US" altLang="zh-CN" sz="1600" dirty="0" smtClean="0"/>
+              <a:t>/</a:t>
+            </a:r>
+          </a:p>
+          <a:p>
+            <a:r>
+              <a:rPr lang="en-US" altLang="zh-CN" sz="2400" dirty="0" smtClean="0"/>
+              <a:t>Copy the following </a:t>
+            </a:r>
+            <a:r>
+              <a:rPr lang="en-US" altLang="zh-CN" sz="2400" dirty="0" err="1" smtClean="0"/>
+              <a:t>dlls</a:t>
+            </a:r>
+            <a:r>
+              <a:rPr lang="en-US" altLang="zh-CN" sz="2400" dirty="0" smtClean="0"/>
+              <a:t> and subfolder from </a:t>
+            </a:r>
+            <a:r>
+              <a:rPr lang="en-US" altLang="zh-CN" sz="2400" dirty="0" err="1" smtClean="0"/>
+              <a:t>Qt</a:t>
+            </a:r>
+            <a:r>
+              <a:rPr lang="en-US" altLang="zh-CN" sz="2400" dirty="0" smtClean="0"/>
+              <a:t> to ./run/debug</a:t>
+            </a:r>
+          </a:p>
+          <a:p>
+            <a:pPr lvl="1"/>
+            <a:r>
+              <a:rPr lang="en-US" altLang="zh-CN" sz="1600" dirty="0" smtClean="0"/>
+              <a:t>Qt5Cored.dll</a:t>
+            </a:r>
+            <a:endParaRPr lang="en-US" altLang="zh-CN" sz="1600" dirty="0"/>
+          </a:p>
+          <a:p>
+            <a:pPr lvl="1"/>
+            <a:r>
+              <a:rPr lang="en-US" altLang="zh-CN" sz="1600" dirty="0" smtClean="0"/>
+              <a:t>Qt5Guid.dll</a:t>
+            </a:r>
+            <a:endParaRPr lang="en-US" altLang="zh-CN" sz="1600" dirty="0"/>
+          </a:p>
+          <a:p>
+            <a:pPr lvl="1"/>
+            <a:r>
+              <a:rPr lang="en-US" altLang="zh-CN" sz="1600" dirty="0" smtClean="0"/>
+              <a:t>Qt5Multimediad.dll</a:t>
+            </a:r>
+            <a:endParaRPr lang="en-US" altLang="zh-CN" sz="1600" dirty="0"/>
+          </a:p>
+          <a:p>
+            <a:pPr lvl="1"/>
+            <a:r>
+              <a:rPr lang="en-US" altLang="zh-CN" sz="1600" dirty="0" smtClean="0"/>
+              <a:t>Qt5Networkd.dll</a:t>
+            </a:r>
+            <a:endParaRPr lang="en-US" altLang="zh-CN" sz="1600" dirty="0"/>
+          </a:p>
+          <a:p>
+            <a:pPr lvl="1"/>
+            <a:r>
+              <a:rPr lang="en-US" altLang="zh-CN" sz="1600" dirty="0" smtClean="0"/>
+              <a:t>Qt5PrintSupportd.dll</a:t>
+            </a:r>
+            <a:endParaRPr lang="en-US" altLang="zh-CN" sz="1600" dirty="0"/>
+          </a:p>
+          <a:p>
+            <a:pPr lvl="1"/>
+            <a:r>
+              <a:rPr lang="en-US" altLang="zh-CN" sz="1600" dirty="0" smtClean="0"/>
+              <a:t>Qt5Widgetsd.dll</a:t>
+            </a:r>
+            <a:endParaRPr lang="en-US" altLang="zh-CN" sz="1600" dirty="0"/>
+          </a:p>
+          <a:p>
+            <a:pPr lvl="1"/>
+            <a:r>
+              <a:rPr lang="en-US" altLang="zh-CN" sz="1600" dirty="0" smtClean="0"/>
+              <a:t>Qt5WinExtrasd.dll</a:t>
+            </a:r>
+            <a:endParaRPr lang="en-US" altLang="zh-CN" sz="1600" dirty="0"/>
+          </a:p>
+          <a:p>
+            <a:pPr lvl="1"/>
+            <a:r>
+              <a:rPr lang="en-US" altLang="zh-CN" sz="1600" dirty="0"/>
+              <a:t>subfolder </a:t>
+            </a:r>
+            <a:r>
+              <a:rPr lang="en-US" altLang="zh-CN" sz="1600" dirty="0" err="1"/>
+              <a:t>snmp</a:t>
+            </a:r>
+            <a:r>
+              <a:rPr lang="en-US" altLang="zh-CN" sz="1600" dirty="0"/>
+              <a:t>/</a:t>
+            </a:r>
+          </a:p>
+          <a:p>
+            <a:endParaRPr lang="en-US" altLang="zh-CN" sz="2400" dirty="0"/>
+          </a:p>
+        </p:txBody>
+      </p:sp>
+      <p:sp>
+        <p:nvSpPr>
+          <p:cNvPr id="18" name="文本框 17"/>
+          <p:cNvSpPr txBox="1"/>
+          <p:nvPr/>
+        </p:nvSpPr>
+        <p:spPr>
+          <a:xfrm>
+            <a:off x="9984432" y="5877272"/>
+            <a:ext cx="2088232" cy="369332"/>
+          </a:xfrm>
+          <a:prstGeom prst="rect">
+            <a:avLst/>
+          </a:prstGeom>
+          <a:noFill/>
+        </p:spPr>
+        <p:txBody>
+          <a:bodyPr wrap="square" rtlCol="0">
+            <a:spAutoFit/>
+          </a:bodyPr>
+          <a:lstStyle/>
+          <a:p>
+            <a:pPr algn="ctr"/>
+            <a:r>
+              <a:rPr lang="en-US" altLang="zh-CN" dirty="0" smtClean="0">
+                <a:solidFill>
+                  <a:srgbClr val="FF0000"/>
+                </a:solidFill>
+              </a:rPr>
+              <a:t>All done !</a:t>
+            </a:r>
+            <a:endParaRPr lang="zh-CN" altLang="en-US" dirty="0">
+              <a:solidFill>
+                <a:srgbClr val="FF0000"/>
+              </a:solidFill>
+            </a:endParaRPr>
+          </a:p>
+        </p:txBody>
+      </p:sp>
+    </p:spTree>
+    <p:extLst>
+      <p:ext uri="{BB962C8B-B14F-4D97-AF65-F5344CB8AC3E}">
+        <p14:creationId xmlns:p14="http://schemas.microsoft.com/office/powerpoint/2010/main" val="2958520778"/>
+      </p:ext>
+    </p:extLst>
+  </p:cSld>
+  <p:clrMapOvr>
+    <a:masterClrMapping/>
+  </p:clrMapOvr>
+  <p:timing>
+    <p:tnLst>
+      <p:par>
+        <p:cTn id="1" dur="indefinite" restart="never" nodeType="tmRoot"/>
       </p:par>
     </p:tnLst>
   </p:timing>
@@ -11748,15 +12375,7 @@
             </a:r>
             <a:r>
               <a:rPr lang="en-US" altLang="zh-CN" sz="1800" dirty="0" smtClean="0"/>
-              <a:t> QT5_BASE_DIR to be </a:t>
-            </a:r>
-            <a:r>
-              <a:rPr lang="en-US" altLang="zh-CN" sz="1800" dirty="0" smtClean="0"/>
-              <a:t>like </a:t>
-            </a:r>
-            <a:r>
-              <a:rPr lang="en-US" altLang="zh-CN" sz="1800" dirty="0" smtClean="0"/>
-              <a:t>D</a:t>
+              <a:t> QT5_BASE_DIR to be like D</a:t>
             </a:r>
             <a:r>
               <a:rPr lang="en-US" altLang="zh-CN" sz="1800" dirty="0"/>

--- a/lab_0.pptx
+++ b/lab_0.pptx
@@ -8844,7 +8844,6 @@
               <a:rPr lang="en-US" altLang="zh-CN" sz="2000" dirty="0" smtClean="0"/>
               <a:t> …</a:t>
             </a:r>
-            <a:endParaRPr lang="en-US" altLang="zh-CN" sz="2000" dirty="0" smtClean="0"/>
           </a:p>
           <a:p>
             <a:endParaRPr lang="en-US" altLang="zh-CN" sz="2400" dirty="0"/>
@@ -8898,7 +8897,12 @@
             <p:ph type="title"/>
           </p:nvPr>
         </p:nvSpPr>
-        <p:spPr/>
+        <p:spPr>
+          <a:xfrm>
+            <a:off x="528524" y="0"/>
+            <a:ext cx="11137899" cy="720724"/>
+          </a:xfrm>
+        </p:spPr>
         <p:txBody>
           <a:bodyPr/>
           <a:lstStyle/>
@@ -8927,7 +8931,7 @@
         </p:nvSpPr>
         <p:spPr>
           <a:xfrm>
-            <a:off x="528524" y="981075"/>
+            <a:off x="528524" y="620688"/>
             <a:ext cx="10209336" cy="5976664"/>
           </a:xfrm>
         </p:spPr>
@@ -8957,7 +8961,6 @@
               <a:rPr lang="en-US" altLang="zh-CN" sz="2400" dirty="0" smtClean="0"/>
               <a:t> to ./run/release</a:t>
             </a:r>
-            <a:endParaRPr lang="en-US" altLang="zh-CN" sz="2400" dirty="0" smtClean="0"/>
           </a:p>
           <a:p>
             <a:pPr lvl="1"/>
@@ -9118,9 +9121,37 @@
               <a:t>snmp</a:t>
             </a:r>
             <a:r>
-              <a:rPr lang="en-US" altLang="zh-CN" sz="1600" dirty="0"/>
+              <a:rPr lang="en-US" altLang="zh-CN" sz="1600" dirty="0" smtClean="0"/>
               <a:t>/</a:t>
             </a:r>
+          </a:p>
+          <a:p>
+            <a:pPr lvl="1"/>
+            <a:r>
+              <a:rPr lang="en-US" altLang="zh-CN" sz="1600" dirty="0" smtClean="0"/>
+              <a:t>Subfolder </a:t>
+            </a:r>
+            <a:r>
+              <a:rPr lang="en-US" altLang="zh-CN" sz="1600" dirty="0" err="1" smtClean="0">
+                <a:solidFill>
+                  <a:srgbClr val="FF0000"/>
+                </a:solidFill>
+              </a:rPr>
+              <a:t>Qt</a:t>
+            </a:r>
+            <a:r>
+              <a:rPr lang="en-US" altLang="zh-CN" sz="1600" dirty="0" smtClean="0">
+                <a:solidFill>
+                  <a:srgbClr val="FF0000"/>
+                </a:solidFill>
+              </a:rPr>
+              <a:t>/5.12.3/msvc2017_64/plugins/platforms/</a:t>
+            </a:r>
+            <a:endParaRPr lang="en-US" altLang="zh-CN" sz="1600" dirty="0">
+              <a:solidFill>
+                <a:srgbClr val="FF0000"/>
+              </a:solidFill>
+            </a:endParaRPr>
           </a:p>
           <a:p>
             <a:endParaRPr lang="en-US" altLang="zh-CN" sz="2400" dirty="0"/>

--- a/lab_0.pptx
+++ b/lab_0.pptx
@@ -374,7 +374,7 @@
             <a:pPr algn="l"/>
             <a:fld id="{CB446F43-867F-4F64-92FD-6C8496B9358B}" type="datetimeFigureOut">
               <a:rPr lang="zh-CN" altLang="en-US" smtClean="0"/>
-              <a:t>2019/5/14</a:t>
+              <a:t>2019/5/31</a:t>
             </a:fld>
             <a:endParaRPr lang="zh-CN" altLang="en-US"/>
           </a:p>
@@ -1526,7 +1526,7 @@
           <a:p>
             <a:fld id="{D51D64F8-606E-4201-A2DE-1AF0754CE781}" type="datetimeFigureOut">
               <a:rPr lang="zh-CN" altLang="en-US" smtClean="0"/>
-              <a:t>2019/5/14</a:t>
+              <a:t>2019/5/31</a:t>
             </a:fld>
             <a:endParaRPr lang="zh-CN" altLang="en-US"/>
           </a:p>
@@ -12067,11 +12067,15 @@
             <a:pPr lvl="1"/>
             <a:r>
               <a:rPr lang="en-US" altLang="zh-CN" sz="1800" dirty="0" smtClean="0"/>
-              <a:t>General=&gt;Windows SDK Version=&gt;choose 10.0.17763.0, the version 18362 does not work with my </a:t>
-            </a:r>
-            <a:r>
-              <a:rPr lang="en-US" altLang="zh-CN" sz="1800" dirty="0" err="1" smtClean="0"/>
-              <a:t>naptop</a:t>
+              <a:t>General=&gt;Windows SDK Version=&gt;choose 10.0.17763.0, the version 18362 does not work with </a:t>
+            </a:r>
+            <a:r>
+              <a:rPr lang="en-US" altLang="zh-CN" sz="1800" smtClean="0"/>
+              <a:t>my </a:t>
+            </a:r>
+            <a:r>
+              <a:rPr lang="en-US" altLang="zh-CN" sz="1800" smtClean="0"/>
+              <a:t>laptop</a:t>
             </a:r>
             <a:r>
               <a:rPr lang="en-US" altLang="zh-CN" sz="1800" dirty="0" smtClean="0"/>
